--- a/Group-A238.pptx
+++ b/Group-A238.pptx
@@ -2,32 +2,24 @@
 <file path=ppt/presentation.xml><?xml version="1.0" encoding="utf-8"?>
 <p:presentation xmlns:a="http://schemas.openxmlformats.org/drawingml/2006/main" xmlns:r="http://schemas.openxmlformats.org/officeDocument/2006/relationships" xmlns:p="http://schemas.openxmlformats.org/presentationml/2006/main" strictFirstAndLastChars="0" embedTrueTypeFonts="1" saveSubsetFonts="1" autoCompressPictures="0">
   <p:sldMasterIdLst>
-    <p:sldMasterId id="2147483661" r:id="rId1"/>
+    <p:sldMasterId id="2147483648" r:id="rId1"/>
   </p:sldMasterIdLst>
   <p:notesMasterIdLst>
-    <p:notesMasterId r:id="rId7"/>
+    <p:notesMasterId r:id="rId4"/>
   </p:notesMasterIdLst>
   <p:sldIdLst>
-    <p:sldId id="256" r:id="rId2"/>
-    <p:sldId id="257" r:id="rId3"/>
-    <p:sldId id="258" r:id="rId4"/>
-    <p:sldId id="259" r:id="rId5"/>
-    <p:sldId id="260" r:id="rId6"/>
+    <p:sldId id="256" r:id="rId3"/>
+    <p:sldId id="257" r:id="rId5"/>
+    <p:sldId id="258" r:id="rId6"/>
+    <p:sldId id="259" r:id="rId7"/>
+    <p:sldId id="260" r:id="rId8"/>
   </p:sldIdLst>
   <p:sldSz cx="12192000" cy="6858000"/>
   <p:notesSz cx="6858000" cy="9144000"/>
   <p:embeddedFontLst>
     <p:embeddedFont>
-      <p:font typeface="Amatic SC" panose="020B0604020202020204" charset="-79"/>
-      <p:regular r:id="rId8"/>
-      <p:bold r:id="rId9"/>
-    </p:embeddedFont>
-    <p:embeddedFont>
-      <p:font typeface="Calibri" panose="020F0502020204030204" pitchFamily="34" charset="0"/>
-      <p:regular r:id="rId10"/>
-      <p:bold r:id="rId11"/>
-      <p:italic r:id="rId12"/>
-      <p:boldItalic r:id="rId13"/>
+      <p:font typeface="Calibri" panose="020F0502020204030204"/>
+      <p:regular r:id="rId12"/>
     </p:embeddedFont>
   </p:embeddedFontLst>
   <p:defaultTextStyle>
@@ -55,15 +47,15 @@
       <a:buClr>
         <a:srgbClr val="000000"/>
       </a:buClr>
-      <a:buFont typeface="Arial"/>
+      <a:buFont typeface="Arial" panose="020B0604020202020204"/>
       <a:defRPr sz="1400" b="0" i="0" u="none" strike="noStrike" cap="none">
         <a:solidFill>
           <a:srgbClr val="000000"/>
         </a:solidFill>
-        <a:latin typeface="Arial"/>
-        <a:ea typeface="Arial"/>
-        <a:cs typeface="Arial"/>
-        <a:sym typeface="Arial"/>
+        <a:latin typeface="Arial" panose="020B0604020202020204"/>
+        <a:ea typeface="Arial" panose="020B0604020202020204"/>
+        <a:cs typeface="Arial" panose="020B0604020202020204"/>
+        <a:sym typeface="Arial" panose="020B0604020202020204"/>
       </a:defRPr>
     </a:lvl1pPr>
     <a:lvl2pPr marR="0" lvl="1" algn="l" rtl="0">
@@ -79,15 +71,15 @@
       <a:buClr>
         <a:srgbClr val="000000"/>
       </a:buClr>
-      <a:buFont typeface="Arial"/>
+      <a:buFont typeface="Arial" panose="020B0604020202020204"/>
       <a:defRPr sz="1400" b="0" i="0" u="none" strike="noStrike" cap="none">
         <a:solidFill>
           <a:srgbClr val="000000"/>
         </a:solidFill>
-        <a:latin typeface="Arial"/>
-        <a:ea typeface="Arial"/>
-        <a:cs typeface="Arial"/>
-        <a:sym typeface="Arial"/>
+        <a:latin typeface="Arial" panose="020B0604020202020204"/>
+        <a:ea typeface="Arial" panose="020B0604020202020204"/>
+        <a:cs typeface="Arial" panose="020B0604020202020204"/>
+        <a:sym typeface="Arial" panose="020B0604020202020204"/>
       </a:defRPr>
     </a:lvl2pPr>
     <a:lvl3pPr marR="0" lvl="2" algn="l" rtl="0">
@@ -103,15 +95,15 @@
       <a:buClr>
         <a:srgbClr val="000000"/>
       </a:buClr>
-      <a:buFont typeface="Arial"/>
+      <a:buFont typeface="Arial" panose="020B0604020202020204"/>
       <a:defRPr sz="1400" b="0" i="0" u="none" strike="noStrike" cap="none">
         <a:solidFill>
           <a:srgbClr val="000000"/>
         </a:solidFill>
-        <a:latin typeface="Arial"/>
-        <a:ea typeface="Arial"/>
-        <a:cs typeface="Arial"/>
-        <a:sym typeface="Arial"/>
+        <a:latin typeface="Arial" panose="020B0604020202020204"/>
+        <a:ea typeface="Arial" panose="020B0604020202020204"/>
+        <a:cs typeface="Arial" panose="020B0604020202020204"/>
+        <a:sym typeface="Arial" panose="020B0604020202020204"/>
       </a:defRPr>
     </a:lvl3pPr>
     <a:lvl4pPr marR="0" lvl="3" algn="l" rtl="0">
@@ -127,15 +119,15 @@
       <a:buClr>
         <a:srgbClr val="000000"/>
       </a:buClr>
-      <a:buFont typeface="Arial"/>
+      <a:buFont typeface="Arial" panose="020B0604020202020204"/>
       <a:defRPr sz="1400" b="0" i="0" u="none" strike="noStrike" cap="none">
         <a:solidFill>
           <a:srgbClr val="000000"/>
         </a:solidFill>
-        <a:latin typeface="Arial"/>
-        <a:ea typeface="Arial"/>
-        <a:cs typeface="Arial"/>
-        <a:sym typeface="Arial"/>
+        <a:latin typeface="Arial" panose="020B0604020202020204"/>
+        <a:ea typeface="Arial" panose="020B0604020202020204"/>
+        <a:cs typeface="Arial" panose="020B0604020202020204"/>
+        <a:sym typeface="Arial" panose="020B0604020202020204"/>
       </a:defRPr>
     </a:lvl4pPr>
     <a:lvl5pPr marR="0" lvl="4" algn="l" rtl="0">
@@ -151,15 +143,15 @@
       <a:buClr>
         <a:srgbClr val="000000"/>
       </a:buClr>
-      <a:buFont typeface="Arial"/>
+      <a:buFont typeface="Arial" panose="020B0604020202020204"/>
       <a:defRPr sz="1400" b="0" i="0" u="none" strike="noStrike" cap="none">
         <a:solidFill>
           <a:srgbClr val="000000"/>
         </a:solidFill>
-        <a:latin typeface="Arial"/>
-        <a:ea typeface="Arial"/>
-        <a:cs typeface="Arial"/>
-        <a:sym typeface="Arial"/>
+        <a:latin typeface="Arial" panose="020B0604020202020204"/>
+        <a:ea typeface="Arial" panose="020B0604020202020204"/>
+        <a:cs typeface="Arial" panose="020B0604020202020204"/>
+        <a:sym typeface="Arial" panose="020B0604020202020204"/>
       </a:defRPr>
     </a:lvl5pPr>
     <a:lvl6pPr marR="0" lvl="5" algn="l" rtl="0">
@@ -175,15 +167,15 @@
       <a:buClr>
         <a:srgbClr val="000000"/>
       </a:buClr>
-      <a:buFont typeface="Arial"/>
+      <a:buFont typeface="Arial" panose="020B0604020202020204"/>
       <a:defRPr sz="1400" b="0" i="0" u="none" strike="noStrike" cap="none">
         <a:solidFill>
           <a:srgbClr val="000000"/>
         </a:solidFill>
-        <a:latin typeface="Arial"/>
-        <a:ea typeface="Arial"/>
-        <a:cs typeface="Arial"/>
-        <a:sym typeface="Arial"/>
+        <a:latin typeface="Arial" panose="020B0604020202020204"/>
+        <a:ea typeface="Arial" panose="020B0604020202020204"/>
+        <a:cs typeface="Arial" panose="020B0604020202020204"/>
+        <a:sym typeface="Arial" panose="020B0604020202020204"/>
       </a:defRPr>
     </a:lvl6pPr>
     <a:lvl7pPr marR="0" lvl="6" algn="l" rtl="0">
@@ -199,15 +191,15 @@
       <a:buClr>
         <a:srgbClr val="000000"/>
       </a:buClr>
-      <a:buFont typeface="Arial"/>
+      <a:buFont typeface="Arial" panose="020B0604020202020204"/>
       <a:defRPr sz="1400" b="0" i="0" u="none" strike="noStrike" cap="none">
         <a:solidFill>
           <a:srgbClr val="000000"/>
         </a:solidFill>
-        <a:latin typeface="Arial"/>
-        <a:ea typeface="Arial"/>
-        <a:cs typeface="Arial"/>
-        <a:sym typeface="Arial"/>
+        <a:latin typeface="Arial" panose="020B0604020202020204"/>
+        <a:ea typeface="Arial" panose="020B0604020202020204"/>
+        <a:cs typeface="Arial" panose="020B0604020202020204"/>
+        <a:sym typeface="Arial" panose="020B0604020202020204"/>
       </a:defRPr>
     </a:lvl7pPr>
     <a:lvl8pPr marR="0" lvl="7" algn="l" rtl="0">
@@ -223,15 +215,15 @@
       <a:buClr>
         <a:srgbClr val="000000"/>
       </a:buClr>
-      <a:buFont typeface="Arial"/>
+      <a:buFont typeface="Arial" panose="020B0604020202020204"/>
       <a:defRPr sz="1400" b="0" i="0" u="none" strike="noStrike" cap="none">
         <a:solidFill>
           <a:srgbClr val="000000"/>
         </a:solidFill>
-        <a:latin typeface="Arial"/>
-        <a:ea typeface="Arial"/>
-        <a:cs typeface="Arial"/>
-        <a:sym typeface="Arial"/>
+        <a:latin typeface="Arial" panose="020B0604020202020204"/>
+        <a:ea typeface="Arial" panose="020B0604020202020204"/>
+        <a:cs typeface="Arial" panose="020B0604020202020204"/>
+        <a:sym typeface="Arial" panose="020B0604020202020204"/>
       </a:defRPr>
     </a:lvl8pPr>
     <a:lvl9pPr marR="0" lvl="8" algn="l" rtl="0">
@@ -247,42 +239,42 @@
       <a:buClr>
         <a:srgbClr val="000000"/>
       </a:buClr>
-      <a:buFont typeface="Arial"/>
+      <a:buFont typeface="Arial" panose="020B0604020202020204"/>
       <a:defRPr sz="1400" b="0" i="0" u="none" strike="noStrike" cap="none">
         <a:solidFill>
           <a:srgbClr val="000000"/>
         </a:solidFill>
-        <a:latin typeface="Arial"/>
-        <a:ea typeface="Arial"/>
-        <a:cs typeface="Arial"/>
-        <a:sym typeface="Arial"/>
+        <a:latin typeface="Arial" panose="020B0604020202020204"/>
+        <a:ea typeface="Arial" panose="020B0604020202020204"/>
+        <a:cs typeface="Arial" panose="020B0604020202020204"/>
+        <a:sym typeface="Arial" panose="020B0604020202020204"/>
       </a:defRPr>
     </a:lvl9pPr>
   </p:defaultTextStyle>
   <p:extLst>
     <p:ext uri="{EFAFB233-063F-42B5-8137-9DF3F51BA10A}">
       <p15:sldGuideLst xmlns:p15="http://schemas.microsoft.com/office/powerpoint/2012/main">
-        <p15:guide id="1" orient="horz" pos="2160">
+        <p15:guide id="1" orient="horz" pos="2160" userDrawn="1">
           <p15:clr>
             <a:srgbClr val="A4A3A4"/>
           </p15:clr>
         </p15:guide>
-        <p15:guide id="2" pos="3840">
+        <p15:guide id="2" pos="3812" userDrawn="1">
           <p15:clr>
             <a:srgbClr val="A4A3A4"/>
           </p15:clr>
         </p15:guide>
-        <p15:guide id="3" orient="horz" pos="3249">
+        <p15:guide id="3" orient="horz" pos="3249" userDrawn="1">
           <p15:clr>
             <a:srgbClr val="A4A3A4"/>
           </p15:clr>
         </p15:guide>
-        <p15:guide id="4" pos="7068">
+        <p15:guide id="4" pos="7099" userDrawn="1">
           <p15:clr>
             <a:srgbClr val="A4A3A4"/>
           </p15:clr>
         </p15:guide>
-        <p15:guide id="5" orient="horz" pos="1380">
+        <p15:guide id="5" orient="horz" pos="1417" userDrawn="1">
           <p15:clr>
             <a:srgbClr val="A4A3A4"/>
           </p15:clr>
@@ -359,10 +351,10 @@
                 <a:solidFill>
                   <a:schemeClr val="dk1"/>
                 </a:solidFill>
-                <a:latin typeface="Calibri"/>
-                <a:ea typeface="Calibri"/>
-                <a:cs typeface="Calibri"/>
-                <a:sym typeface="Calibri"/>
+                <a:latin typeface="Calibri" panose="020F0502020204030204"/>
+                <a:ea typeface="Calibri" panose="020F0502020204030204"/>
+                <a:cs typeface="Calibri" panose="020F0502020204030204"/>
+                <a:sym typeface="Calibri" panose="020F0502020204030204"/>
               </a:defRPr>
             </a:lvl1pPr>
             <a:lvl2pPr marR="0" lvl="1" algn="l" rtl="0">
@@ -378,10 +370,10 @@
                 <a:solidFill>
                   <a:schemeClr val="dk1"/>
                 </a:solidFill>
-                <a:latin typeface="Calibri"/>
-                <a:ea typeface="Calibri"/>
-                <a:cs typeface="Calibri"/>
-                <a:sym typeface="Calibri"/>
+                <a:latin typeface="Calibri" panose="020F0502020204030204"/>
+                <a:ea typeface="Calibri" panose="020F0502020204030204"/>
+                <a:cs typeface="Calibri" panose="020F0502020204030204"/>
+                <a:sym typeface="Calibri" panose="020F0502020204030204"/>
               </a:defRPr>
             </a:lvl2pPr>
             <a:lvl3pPr marR="0" lvl="2" algn="l" rtl="0">
@@ -397,10 +389,10 @@
                 <a:solidFill>
                   <a:schemeClr val="dk1"/>
                 </a:solidFill>
-                <a:latin typeface="Calibri"/>
-                <a:ea typeface="Calibri"/>
-                <a:cs typeface="Calibri"/>
-                <a:sym typeface="Calibri"/>
+                <a:latin typeface="Calibri" panose="020F0502020204030204"/>
+                <a:ea typeface="Calibri" panose="020F0502020204030204"/>
+                <a:cs typeface="Calibri" panose="020F0502020204030204"/>
+                <a:sym typeface="Calibri" panose="020F0502020204030204"/>
               </a:defRPr>
             </a:lvl3pPr>
             <a:lvl4pPr marR="0" lvl="3" algn="l" rtl="0">
@@ -416,10 +408,10 @@
                 <a:solidFill>
                   <a:schemeClr val="dk1"/>
                 </a:solidFill>
-                <a:latin typeface="Calibri"/>
-                <a:ea typeface="Calibri"/>
-                <a:cs typeface="Calibri"/>
-                <a:sym typeface="Calibri"/>
+                <a:latin typeface="Calibri" panose="020F0502020204030204"/>
+                <a:ea typeface="Calibri" panose="020F0502020204030204"/>
+                <a:cs typeface="Calibri" panose="020F0502020204030204"/>
+                <a:sym typeface="Calibri" panose="020F0502020204030204"/>
               </a:defRPr>
             </a:lvl4pPr>
             <a:lvl5pPr marR="0" lvl="4" algn="l" rtl="0">
@@ -435,10 +427,10 @@
                 <a:solidFill>
                   <a:schemeClr val="dk1"/>
                 </a:solidFill>
-                <a:latin typeface="Calibri"/>
-                <a:ea typeface="Calibri"/>
-                <a:cs typeface="Calibri"/>
-                <a:sym typeface="Calibri"/>
+                <a:latin typeface="Calibri" panose="020F0502020204030204"/>
+                <a:ea typeface="Calibri" panose="020F0502020204030204"/>
+                <a:cs typeface="Calibri" panose="020F0502020204030204"/>
+                <a:sym typeface="Calibri" panose="020F0502020204030204"/>
               </a:defRPr>
             </a:lvl5pPr>
             <a:lvl6pPr marR="0" lvl="5" algn="l" rtl="0">
@@ -454,10 +446,10 @@
                 <a:solidFill>
                   <a:schemeClr val="dk1"/>
                 </a:solidFill>
-                <a:latin typeface="Calibri"/>
-                <a:ea typeface="Calibri"/>
-                <a:cs typeface="Calibri"/>
-                <a:sym typeface="Calibri"/>
+                <a:latin typeface="Calibri" panose="020F0502020204030204"/>
+                <a:ea typeface="Calibri" panose="020F0502020204030204"/>
+                <a:cs typeface="Calibri" panose="020F0502020204030204"/>
+                <a:sym typeface="Calibri" panose="020F0502020204030204"/>
               </a:defRPr>
             </a:lvl6pPr>
             <a:lvl7pPr marR="0" lvl="6" algn="l" rtl="0">
@@ -473,10 +465,10 @@
                 <a:solidFill>
                   <a:schemeClr val="dk1"/>
                 </a:solidFill>
-                <a:latin typeface="Calibri"/>
-                <a:ea typeface="Calibri"/>
-                <a:cs typeface="Calibri"/>
-                <a:sym typeface="Calibri"/>
+                <a:latin typeface="Calibri" panose="020F0502020204030204"/>
+                <a:ea typeface="Calibri" panose="020F0502020204030204"/>
+                <a:cs typeface="Calibri" panose="020F0502020204030204"/>
+                <a:sym typeface="Calibri" panose="020F0502020204030204"/>
               </a:defRPr>
             </a:lvl7pPr>
             <a:lvl8pPr marR="0" lvl="7" algn="l" rtl="0">
@@ -492,10 +484,10 @@
                 <a:solidFill>
                   <a:schemeClr val="dk1"/>
                 </a:solidFill>
-                <a:latin typeface="Calibri"/>
-                <a:ea typeface="Calibri"/>
-                <a:cs typeface="Calibri"/>
-                <a:sym typeface="Calibri"/>
+                <a:latin typeface="Calibri" panose="020F0502020204030204"/>
+                <a:ea typeface="Calibri" panose="020F0502020204030204"/>
+                <a:cs typeface="Calibri" panose="020F0502020204030204"/>
+                <a:sym typeface="Calibri" panose="020F0502020204030204"/>
               </a:defRPr>
             </a:lvl8pPr>
             <a:lvl9pPr marR="0" lvl="8" algn="l" rtl="0">
@@ -511,16 +503,14 @@
                 <a:solidFill>
                   <a:schemeClr val="dk1"/>
                 </a:solidFill>
-                <a:latin typeface="Calibri"/>
-                <a:ea typeface="Calibri"/>
-                <a:cs typeface="Calibri"/>
-                <a:sym typeface="Calibri"/>
+                <a:latin typeface="Calibri" panose="020F0502020204030204"/>
+                <a:ea typeface="Calibri" panose="020F0502020204030204"/>
+                <a:cs typeface="Calibri" panose="020F0502020204030204"/>
+                <a:sym typeface="Calibri" panose="020F0502020204030204"/>
               </a:defRPr>
             </a:lvl9pPr>
           </a:lstStyle>
-          <a:p>
-            <a:endParaRPr/>
-          </a:p>
+          <a:p/>
         </p:txBody>
       </p:sp>
       <p:sp>
@@ -564,10 +554,10 @@
                 <a:solidFill>
                   <a:schemeClr val="dk1"/>
                 </a:solidFill>
-                <a:latin typeface="Calibri"/>
-                <a:ea typeface="Calibri"/>
-                <a:cs typeface="Calibri"/>
-                <a:sym typeface="Calibri"/>
+                <a:latin typeface="Calibri" panose="020F0502020204030204"/>
+                <a:ea typeface="Calibri" panose="020F0502020204030204"/>
+                <a:cs typeface="Calibri" panose="020F0502020204030204"/>
+                <a:sym typeface="Calibri" panose="020F0502020204030204"/>
               </a:defRPr>
             </a:lvl1pPr>
             <a:lvl2pPr marR="0" lvl="1" algn="l" rtl="0">
@@ -583,10 +573,10 @@
                 <a:solidFill>
                   <a:schemeClr val="dk1"/>
                 </a:solidFill>
-                <a:latin typeface="Calibri"/>
-                <a:ea typeface="Calibri"/>
-                <a:cs typeface="Calibri"/>
-                <a:sym typeface="Calibri"/>
+                <a:latin typeface="Calibri" panose="020F0502020204030204"/>
+                <a:ea typeface="Calibri" panose="020F0502020204030204"/>
+                <a:cs typeface="Calibri" panose="020F0502020204030204"/>
+                <a:sym typeface="Calibri" panose="020F0502020204030204"/>
               </a:defRPr>
             </a:lvl2pPr>
             <a:lvl3pPr marR="0" lvl="2" algn="l" rtl="0">
@@ -602,10 +592,10 @@
                 <a:solidFill>
                   <a:schemeClr val="dk1"/>
                 </a:solidFill>
-                <a:latin typeface="Calibri"/>
-                <a:ea typeface="Calibri"/>
-                <a:cs typeface="Calibri"/>
-                <a:sym typeface="Calibri"/>
+                <a:latin typeface="Calibri" panose="020F0502020204030204"/>
+                <a:ea typeface="Calibri" panose="020F0502020204030204"/>
+                <a:cs typeface="Calibri" panose="020F0502020204030204"/>
+                <a:sym typeface="Calibri" panose="020F0502020204030204"/>
               </a:defRPr>
             </a:lvl3pPr>
             <a:lvl4pPr marR="0" lvl="3" algn="l" rtl="0">
@@ -621,10 +611,10 @@
                 <a:solidFill>
                   <a:schemeClr val="dk1"/>
                 </a:solidFill>
-                <a:latin typeface="Calibri"/>
-                <a:ea typeface="Calibri"/>
-                <a:cs typeface="Calibri"/>
-                <a:sym typeface="Calibri"/>
+                <a:latin typeface="Calibri" panose="020F0502020204030204"/>
+                <a:ea typeface="Calibri" panose="020F0502020204030204"/>
+                <a:cs typeface="Calibri" panose="020F0502020204030204"/>
+                <a:sym typeface="Calibri" panose="020F0502020204030204"/>
               </a:defRPr>
             </a:lvl4pPr>
             <a:lvl5pPr marR="0" lvl="4" algn="l" rtl="0">
@@ -640,10 +630,10 @@
                 <a:solidFill>
                   <a:schemeClr val="dk1"/>
                 </a:solidFill>
-                <a:latin typeface="Calibri"/>
-                <a:ea typeface="Calibri"/>
-                <a:cs typeface="Calibri"/>
-                <a:sym typeface="Calibri"/>
+                <a:latin typeface="Calibri" panose="020F0502020204030204"/>
+                <a:ea typeface="Calibri" panose="020F0502020204030204"/>
+                <a:cs typeface="Calibri" panose="020F0502020204030204"/>
+                <a:sym typeface="Calibri" panose="020F0502020204030204"/>
               </a:defRPr>
             </a:lvl5pPr>
             <a:lvl6pPr marR="0" lvl="5" algn="l" rtl="0">
@@ -659,10 +649,10 @@
                 <a:solidFill>
                   <a:schemeClr val="dk1"/>
                 </a:solidFill>
-                <a:latin typeface="Calibri"/>
-                <a:ea typeface="Calibri"/>
-                <a:cs typeface="Calibri"/>
-                <a:sym typeface="Calibri"/>
+                <a:latin typeface="Calibri" panose="020F0502020204030204"/>
+                <a:ea typeface="Calibri" panose="020F0502020204030204"/>
+                <a:cs typeface="Calibri" panose="020F0502020204030204"/>
+                <a:sym typeface="Calibri" panose="020F0502020204030204"/>
               </a:defRPr>
             </a:lvl6pPr>
             <a:lvl7pPr marR="0" lvl="6" algn="l" rtl="0">
@@ -678,10 +668,10 @@
                 <a:solidFill>
                   <a:schemeClr val="dk1"/>
                 </a:solidFill>
-                <a:latin typeface="Calibri"/>
-                <a:ea typeface="Calibri"/>
-                <a:cs typeface="Calibri"/>
-                <a:sym typeface="Calibri"/>
+                <a:latin typeface="Calibri" panose="020F0502020204030204"/>
+                <a:ea typeface="Calibri" panose="020F0502020204030204"/>
+                <a:cs typeface="Calibri" panose="020F0502020204030204"/>
+                <a:sym typeface="Calibri" panose="020F0502020204030204"/>
               </a:defRPr>
             </a:lvl7pPr>
             <a:lvl8pPr marR="0" lvl="7" algn="l" rtl="0">
@@ -697,10 +687,10 @@
                 <a:solidFill>
                   <a:schemeClr val="dk1"/>
                 </a:solidFill>
-                <a:latin typeface="Calibri"/>
-                <a:ea typeface="Calibri"/>
-                <a:cs typeface="Calibri"/>
-                <a:sym typeface="Calibri"/>
+                <a:latin typeface="Calibri" panose="020F0502020204030204"/>
+                <a:ea typeface="Calibri" panose="020F0502020204030204"/>
+                <a:cs typeface="Calibri" panose="020F0502020204030204"/>
+                <a:sym typeface="Calibri" panose="020F0502020204030204"/>
               </a:defRPr>
             </a:lvl8pPr>
             <a:lvl9pPr marR="0" lvl="8" algn="l" rtl="0">
@@ -716,16 +706,14 @@
                 <a:solidFill>
                   <a:schemeClr val="dk1"/>
                 </a:solidFill>
-                <a:latin typeface="Calibri"/>
-                <a:ea typeface="Calibri"/>
-                <a:cs typeface="Calibri"/>
-                <a:sym typeface="Calibri"/>
+                <a:latin typeface="Calibri" panose="020F0502020204030204"/>
+                <a:ea typeface="Calibri" panose="020F0502020204030204"/>
+                <a:cs typeface="Calibri" panose="020F0502020204030204"/>
+                <a:sym typeface="Calibri" panose="020F0502020204030204"/>
               </a:defRPr>
             </a:lvl9pPr>
           </a:lstStyle>
-          <a:p>
-            <a:endParaRPr/>
-          </a:p>
+          <a:p/>
         </p:txBody>
       </p:sp>
       <p:sp>
@@ -820,10 +808,10 @@
                 <a:solidFill>
                   <a:schemeClr val="dk1"/>
                 </a:solidFill>
-                <a:latin typeface="Calibri"/>
-                <a:ea typeface="Calibri"/>
-                <a:cs typeface="Calibri"/>
-                <a:sym typeface="Calibri"/>
+                <a:latin typeface="Calibri" panose="020F0502020204030204"/>
+                <a:ea typeface="Calibri" panose="020F0502020204030204"/>
+                <a:cs typeface="Calibri" panose="020F0502020204030204"/>
+                <a:sym typeface="Calibri" panose="020F0502020204030204"/>
               </a:defRPr>
             </a:lvl1pPr>
             <a:lvl2pPr marL="914400" marR="0" lvl="1" indent="-228600" algn="l" rtl="0">
@@ -839,10 +827,10 @@
                 <a:solidFill>
                   <a:schemeClr val="dk1"/>
                 </a:solidFill>
-                <a:latin typeface="Calibri"/>
-                <a:ea typeface="Calibri"/>
-                <a:cs typeface="Calibri"/>
-                <a:sym typeface="Calibri"/>
+                <a:latin typeface="Calibri" panose="020F0502020204030204"/>
+                <a:ea typeface="Calibri" panose="020F0502020204030204"/>
+                <a:cs typeface="Calibri" panose="020F0502020204030204"/>
+                <a:sym typeface="Calibri" panose="020F0502020204030204"/>
               </a:defRPr>
             </a:lvl2pPr>
             <a:lvl3pPr marL="1371600" marR="0" lvl="2" indent="-228600" algn="l" rtl="0">
@@ -858,10 +846,10 @@
                 <a:solidFill>
                   <a:schemeClr val="dk1"/>
                 </a:solidFill>
-                <a:latin typeface="Calibri"/>
-                <a:ea typeface="Calibri"/>
-                <a:cs typeface="Calibri"/>
-                <a:sym typeface="Calibri"/>
+                <a:latin typeface="Calibri" panose="020F0502020204030204"/>
+                <a:ea typeface="Calibri" panose="020F0502020204030204"/>
+                <a:cs typeface="Calibri" panose="020F0502020204030204"/>
+                <a:sym typeface="Calibri" panose="020F0502020204030204"/>
               </a:defRPr>
             </a:lvl3pPr>
             <a:lvl4pPr marL="1828800" marR="0" lvl="3" indent="-228600" algn="l" rtl="0">
@@ -877,10 +865,10 @@
                 <a:solidFill>
                   <a:schemeClr val="dk1"/>
                 </a:solidFill>
-                <a:latin typeface="Calibri"/>
-                <a:ea typeface="Calibri"/>
-                <a:cs typeface="Calibri"/>
-                <a:sym typeface="Calibri"/>
+                <a:latin typeface="Calibri" panose="020F0502020204030204"/>
+                <a:ea typeface="Calibri" panose="020F0502020204030204"/>
+                <a:cs typeface="Calibri" panose="020F0502020204030204"/>
+                <a:sym typeface="Calibri" panose="020F0502020204030204"/>
               </a:defRPr>
             </a:lvl4pPr>
             <a:lvl5pPr marL="2286000" marR="0" lvl="4" indent="-228600" algn="l" rtl="0">
@@ -896,10 +884,10 @@
                 <a:solidFill>
                   <a:schemeClr val="dk1"/>
                 </a:solidFill>
-                <a:latin typeface="Calibri"/>
-                <a:ea typeface="Calibri"/>
-                <a:cs typeface="Calibri"/>
-                <a:sym typeface="Calibri"/>
+                <a:latin typeface="Calibri" panose="020F0502020204030204"/>
+                <a:ea typeface="Calibri" panose="020F0502020204030204"/>
+                <a:cs typeface="Calibri" panose="020F0502020204030204"/>
+                <a:sym typeface="Calibri" panose="020F0502020204030204"/>
               </a:defRPr>
             </a:lvl5pPr>
             <a:lvl6pPr marL="2743200" marR="0" lvl="5" indent="-228600" algn="l" rtl="0">
@@ -915,10 +903,10 @@
                 <a:solidFill>
                   <a:schemeClr val="dk1"/>
                 </a:solidFill>
-                <a:latin typeface="Calibri"/>
-                <a:ea typeface="Calibri"/>
-                <a:cs typeface="Calibri"/>
-                <a:sym typeface="Calibri"/>
+                <a:latin typeface="Calibri" panose="020F0502020204030204"/>
+                <a:ea typeface="Calibri" panose="020F0502020204030204"/>
+                <a:cs typeface="Calibri" panose="020F0502020204030204"/>
+                <a:sym typeface="Calibri" panose="020F0502020204030204"/>
               </a:defRPr>
             </a:lvl6pPr>
             <a:lvl7pPr marL="3200400" marR="0" lvl="6" indent="-228600" algn="l" rtl="0">
@@ -934,10 +922,10 @@
                 <a:solidFill>
                   <a:schemeClr val="dk1"/>
                 </a:solidFill>
-                <a:latin typeface="Calibri"/>
-                <a:ea typeface="Calibri"/>
-                <a:cs typeface="Calibri"/>
-                <a:sym typeface="Calibri"/>
+                <a:latin typeface="Calibri" panose="020F0502020204030204"/>
+                <a:ea typeface="Calibri" panose="020F0502020204030204"/>
+                <a:cs typeface="Calibri" panose="020F0502020204030204"/>
+                <a:sym typeface="Calibri" panose="020F0502020204030204"/>
               </a:defRPr>
             </a:lvl7pPr>
             <a:lvl8pPr marL="3657600" marR="0" lvl="7" indent="-228600" algn="l" rtl="0">
@@ -953,10 +941,10 @@
                 <a:solidFill>
                   <a:schemeClr val="dk1"/>
                 </a:solidFill>
-                <a:latin typeface="Calibri"/>
-                <a:ea typeface="Calibri"/>
-                <a:cs typeface="Calibri"/>
-                <a:sym typeface="Calibri"/>
+                <a:latin typeface="Calibri" panose="020F0502020204030204"/>
+                <a:ea typeface="Calibri" panose="020F0502020204030204"/>
+                <a:cs typeface="Calibri" panose="020F0502020204030204"/>
+                <a:sym typeface="Calibri" panose="020F0502020204030204"/>
               </a:defRPr>
             </a:lvl8pPr>
             <a:lvl9pPr marL="4114800" marR="0" lvl="8" indent="-228600" algn="l" rtl="0">
@@ -972,16 +960,14 @@
                 <a:solidFill>
                   <a:schemeClr val="dk1"/>
                 </a:solidFill>
-                <a:latin typeface="Calibri"/>
-                <a:ea typeface="Calibri"/>
-                <a:cs typeface="Calibri"/>
-                <a:sym typeface="Calibri"/>
+                <a:latin typeface="Calibri" panose="020F0502020204030204"/>
+                <a:ea typeface="Calibri" panose="020F0502020204030204"/>
+                <a:cs typeface="Calibri" panose="020F0502020204030204"/>
+                <a:sym typeface="Calibri" panose="020F0502020204030204"/>
               </a:defRPr>
             </a:lvl9pPr>
           </a:lstStyle>
-          <a:p>
-            <a:endParaRPr/>
-          </a:p>
+          <a:p/>
         </p:txBody>
       </p:sp>
       <p:sp>
@@ -1025,10 +1011,10 @@
                 <a:solidFill>
                   <a:schemeClr val="dk1"/>
                 </a:solidFill>
-                <a:latin typeface="Calibri"/>
-                <a:ea typeface="Calibri"/>
-                <a:cs typeface="Calibri"/>
-                <a:sym typeface="Calibri"/>
+                <a:latin typeface="Calibri" panose="020F0502020204030204"/>
+                <a:ea typeface="Calibri" panose="020F0502020204030204"/>
+                <a:cs typeface="Calibri" panose="020F0502020204030204"/>
+                <a:sym typeface="Calibri" panose="020F0502020204030204"/>
               </a:defRPr>
             </a:lvl1pPr>
             <a:lvl2pPr marR="0" lvl="1" algn="l" rtl="0">
@@ -1044,10 +1030,10 @@
                 <a:solidFill>
                   <a:schemeClr val="dk1"/>
                 </a:solidFill>
-                <a:latin typeface="Calibri"/>
-                <a:ea typeface="Calibri"/>
-                <a:cs typeface="Calibri"/>
-                <a:sym typeface="Calibri"/>
+                <a:latin typeface="Calibri" panose="020F0502020204030204"/>
+                <a:ea typeface="Calibri" panose="020F0502020204030204"/>
+                <a:cs typeface="Calibri" panose="020F0502020204030204"/>
+                <a:sym typeface="Calibri" panose="020F0502020204030204"/>
               </a:defRPr>
             </a:lvl2pPr>
             <a:lvl3pPr marR="0" lvl="2" algn="l" rtl="0">
@@ -1063,10 +1049,10 @@
                 <a:solidFill>
                   <a:schemeClr val="dk1"/>
                 </a:solidFill>
-                <a:latin typeface="Calibri"/>
-                <a:ea typeface="Calibri"/>
-                <a:cs typeface="Calibri"/>
-                <a:sym typeface="Calibri"/>
+                <a:latin typeface="Calibri" panose="020F0502020204030204"/>
+                <a:ea typeface="Calibri" panose="020F0502020204030204"/>
+                <a:cs typeface="Calibri" panose="020F0502020204030204"/>
+                <a:sym typeface="Calibri" panose="020F0502020204030204"/>
               </a:defRPr>
             </a:lvl3pPr>
             <a:lvl4pPr marR="0" lvl="3" algn="l" rtl="0">
@@ -1082,10 +1068,10 @@
                 <a:solidFill>
                   <a:schemeClr val="dk1"/>
                 </a:solidFill>
-                <a:latin typeface="Calibri"/>
-                <a:ea typeface="Calibri"/>
-                <a:cs typeface="Calibri"/>
-                <a:sym typeface="Calibri"/>
+                <a:latin typeface="Calibri" panose="020F0502020204030204"/>
+                <a:ea typeface="Calibri" panose="020F0502020204030204"/>
+                <a:cs typeface="Calibri" panose="020F0502020204030204"/>
+                <a:sym typeface="Calibri" panose="020F0502020204030204"/>
               </a:defRPr>
             </a:lvl4pPr>
             <a:lvl5pPr marR="0" lvl="4" algn="l" rtl="0">
@@ -1101,10 +1087,10 @@
                 <a:solidFill>
                   <a:schemeClr val="dk1"/>
                 </a:solidFill>
-                <a:latin typeface="Calibri"/>
-                <a:ea typeface="Calibri"/>
-                <a:cs typeface="Calibri"/>
-                <a:sym typeface="Calibri"/>
+                <a:latin typeface="Calibri" panose="020F0502020204030204"/>
+                <a:ea typeface="Calibri" panose="020F0502020204030204"/>
+                <a:cs typeface="Calibri" panose="020F0502020204030204"/>
+                <a:sym typeface="Calibri" panose="020F0502020204030204"/>
               </a:defRPr>
             </a:lvl5pPr>
             <a:lvl6pPr marR="0" lvl="5" algn="l" rtl="0">
@@ -1120,10 +1106,10 @@
                 <a:solidFill>
                   <a:schemeClr val="dk1"/>
                 </a:solidFill>
-                <a:latin typeface="Calibri"/>
-                <a:ea typeface="Calibri"/>
-                <a:cs typeface="Calibri"/>
-                <a:sym typeface="Calibri"/>
+                <a:latin typeface="Calibri" panose="020F0502020204030204"/>
+                <a:ea typeface="Calibri" panose="020F0502020204030204"/>
+                <a:cs typeface="Calibri" panose="020F0502020204030204"/>
+                <a:sym typeface="Calibri" panose="020F0502020204030204"/>
               </a:defRPr>
             </a:lvl6pPr>
             <a:lvl7pPr marR="0" lvl="6" algn="l" rtl="0">
@@ -1139,10 +1125,10 @@
                 <a:solidFill>
                   <a:schemeClr val="dk1"/>
                 </a:solidFill>
-                <a:latin typeface="Calibri"/>
-                <a:ea typeface="Calibri"/>
-                <a:cs typeface="Calibri"/>
-                <a:sym typeface="Calibri"/>
+                <a:latin typeface="Calibri" panose="020F0502020204030204"/>
+                <a:ea typeface="Calibri" panose="020F0502020204030204"/>
+                <a:cs typeface="Calibri" panose="020F0502020204030204"/>
+                <a:sym typeface="Calibri" panose="020F0502020204030204"/>
               </a:defRPr>
             </a:lvl7pPr>
             <a:lvl8pPr marR="0" lvl="7" algn="l" rtl="0">
@@ -1158,10 +1144,10 @@
                 <a:solidFill>
                   <a:schemeClr val="dk1"/>
                 </a:solidFill>
-                <a:latin typeface="Calibri"/>
-                <a:ea typeface="Calibri"/>
-                <a:cs typeface="Calibri"/>
-                <a:sym typeface="Calibri"/>
+                <a:latin typeface="Calibri" panose="020F0502020204030204"/>
+                <a:ea typeface="Calibri" panose="020F0502020204030204"/>
+                <a:cs typeface="Calibri" panose="020F0502020204030204"/>
+                <a:sym typeface="Calibri" panose="020F0502020204030204"/>
               </a:defRPr>
             </a:lvl8pPr>
             <a:lvl9pPr marR="0" lvl="8" algn="l" rtl="0">
@@ -1177,16 +1163,14 @@
                 <a:solidFill>
                   <a:schemeClr val="dk1"/>
                 </a:solidFill>
-                <a:latin typeface="Calibri"/>
-                <a:ea typeface="Calibri"/>
-                <a:cs typeface="Calibri"/>
-                <a:sym typeface="Calibri"/>
+                <a:latin typeface="Calibri" panose="020F0502020204030204"/>
+                <a:ea typeface="Calibri" panose="020F0502020204030204"/>
+                <a:cs typeface="Calibri" panose="020F0502020204030204"/>
+                <a:sym typeface="Calibri" panose="020F0502020204030204"/>
               </a:defRPr>
             </a:lvl9pPr>
           </a:lstStyle>
-          <a:p>
-            <a:endParaRPr/>
-          </a:p>
+          <a:p/>
         </p:txBody>
       </p:sp>
       <p:sp>
@@ -1232,21 +1216,20 @@
                 <a:solidFill>
                   <a:schemeClr val="dk1"/>
                 </a:solidFill>
-                <a:latin typeface="Calibri"/>
-                <a:ea typeface="Calibri"/>
-                <a:cs typeface="Calibri"/>
-                <a:sym typeface="Calibri"/>
+                <a:latin typeface="Calibri" panose="020F0502020204030204"/>
+                <a:ea typeface="Calibri" panose="020F0502020204030204"/>
+                <a:cs typeface="Calibri" panose="020F0502020204030204"/>
+                <a:sym typeface="Calibri" panose="020F0502020204030204"/>
               </a:rPr>
-              <a:t>‹#›</a:t>
             </a:fld>
             <a:endParaRPr sz="1200" b="0" i="0" u="none" strike="noStrike" cap="none">
               <a:solidFill>
                 <a:schemeClr val="dk1"/>
               </a:solidFill>
-              <a:latin typeface="Calibri"/>
-              <a:ea typeface="Calibri"/>
-              <a:cs typeface="Calibri"/>
-              <a:sym typeface="Calibri"/>
+              <a:latin typeface="Calibri" panose="020F0502020204030204"/>
+              <a:ea typeface="Calibri" panose="020F0502020204030204"/>
+              <a:cs typeface="Calibri" panose="020F0502020204030204"/>
+              <a:sym typeface="Calibri" panose="020F0502020204030204"/>
             </a:endParaRPr>
           </a:p>
         </p:txBody>
@@ -1279,15 +1262,15 @@
       <a:buClr>
         <a:srgbClr val="000000"/>
       </a:buClr>
-      <a:buFont typeface="Arial"/>
+      <a:buFont typeface="Arial" panose="020B0604020202020204"/>
       <a:defRPr sz="1400" b="0" i="0" u="none" strike="noStrike" cap="none">
         <a:solidFill>
           <a:srgbClr val="000000"/>
         </a:solidFill>
-        <a:latin typeface="Arial"/>
-        <a:ea typeface="Arial"/>
-        <a:cs typeface="Arial"/>
-        <a:sym typeface="Arial"/>
+        <a:latin typeface="Arial" panose="020B0604020202020204"/>
+        <a:ea typeface="Arial" panose="020B0604020202020204"/>
+        <a:cs typeface="Arial" panose="020B0604020202020204"/>
+        <a:sym typeface="Arial" panose="020B0604020202020204"/>
       </a:defRPr>
     </a:lvl1pPr>
     <a:lvl2pPr marR="0" lvl="1" algn="l" rtl="0">
@@ -1303,15 +1286,15 @@
       <a:buClr>
         <a:srgbClr val="000000"/>
       </a:buClr>
-      <a:buFont typeface="Arial"/>
+      <a:buFont typeface="Arial" panose="020B0604020202020204"/>
       <a:defRPr sz="1400" b="0" i="0" u="none" strike="noStrike" cap="none">
         <a:solidFill>
           <a:srgbClr val="000000"/>
         </a:solidFill>
-        <a:latin typeface="Arial"/>
-        <a:ea typeface="Arial"/>
-        <a:cs typeface="Arial"/>
-        <a:sym typeface="Arial"/>
+        <a:latin typeface="Arial" panose="020B0604020202020204"/>
+        <a:ea typeface="Arial" panose="020B0604020202020204"/>
+        <a:cs typeface="Arial" panose="020B0604020202020204"/>
+        <a:sym typeface="Arial" panose="020B0604020202020204"/>
       </a:defRPr>
     </a:lvl2pPr>
     <a:lvl3pPr marR="0" lvl="2" algn="l" rtl="0">
@@ -1327,15 +1310,15 @@
       <a:buClr>
         <a:srgbClr val="000000"/>
       </a:buClr>
-      <a:buFont typeface="Arial"/>
+      <a:buFont typeface="Arial" panose="020B0604020202020204"/>
       <a:defRPr sz="1400" b="0" i="0" u="none" strike="noStrike" cap="none">
         <a:solidFill>
           <a:srgbClr val="000000"/>
         </a:solidFill>
-        <a:latin typeface="Arial"/>
-        <a:ea typeface="Arial"/>
-        <a:cs typeface="Arial"/>
-        <a:sym typeface="Arial"/>
+        <a:latin typeface="Arial" panose="020B0604020202020204"/>
+        <a:ea typeface="Arial" panose="020B0604020202020204"/>
+        <a:cs typeface="Arial" panose="020B0604020202020204"/>
+        <a:sym typeface="Arial" panose="020B0604020202020204"/>
       </a:defRPr>
     </a:lvl3pPr>
     <a:lvl4pPr marR="0" lvl="3" algn="l" rtl="0">
@@ -1351,15 +1334,15 @@
       <a:buClr>
         <a:srgbClr val="000000"/>
       </a:buClr>
-      <a:buFont typeface="Arial"/>
+      <a:buFont typeface="Arial" panose="020B0604020202020204"/>
       <a:defRPr sz="1400" b="0" i="0" u="none" strike="noStrike" cap="none">
         <a:solidFill>
           <a:srgbClr val="000000"/>
         </a:solidFill>
-        <a:latin typeface="Arial"/>
-        <a:ea typeface="Arial"/>
-        <a:cs typeface="Arial"/>
-        <a:sym typeface="Arial"/>
+        <a:latin typeface="Arial" panose="020B0604020202020204"/>
+        <a:ea typeface="Arial" panose="020B0604020202020204"/>
+        <a:cs typeface="Arial" panose="020B0604020202020204"/>
+        <a:sym typeface="Arial" panose="020B0604020202020204"/>
       </a:defRPr>
     </a:lvl4pPr>
     <a:lvl5pPr marR="0" lvl="4" algn="l" rtl="0">
@@ -1375,15 +1358,15 @@
       <a:buClr>
         <a:srgbClr val="000000"/>
       </a:buClr>
-      <a:buFont typeface="Arial"/>
+      <a:buFont typeface="Arial" panose="020B0604020202020204"/>
       <a:defRPr sz="1400" b="0" i="0" u="none" strike="noStrike" cap="none">
         <a:solidFill>
           <a:srgbClr val="000000"/>
         </a:solidFill>
-        <a:latin typeface="Arial"/>
-        <a:ea typeface="Arial"/>
-        <a:cs typeface="Arial"/>
-        <a:sym typeface="Arial"/>
+        <a:latin typeface="Arial" panose="020B0604020202020204"/>
+        <a:ea typeface="Arial" panose="020B0604020202020204"/>
+        <a:cs typeface="Arial" panose="020B0604020202020204"/>
+        <a:sym typeface="Arial" panose="020B0604020202020204"/>
       </a:defRPr>
     </a:lvl5pPr>
     <a:lvl6pPr marR="0" lvl="5" algn="l" rtl="0">
@@ -1399,15 +1382,15 @@
       <a:buClr>
         <a:srgbClr val="000000"/>
       </a:buClr>
-      <a:buFont typeface="Arial"/>
+      <a:buFont typeface="Arial" panose="020B0604020202020204"/>
       <a:defRPr sz="1400" b="0" i="0" u="none" strike="noStrike" cap="none">
         <a:solidFill>
           <a:srgbClr val="000000"/>
         </a:solidFill>
-        <a:latin typeface="Arial"/>
-        <a:ea typeface="Arial"/>
-        <a:cs typeface="Arial"/>
-        <a:sym typeface="Arial"/>
+        <a:latin typeface="Arial" panose="020B0604020202020204"/>
+        <a:ea typeface="Arial" panose="020B0604020202020204"/>
+        <a:cs typeface="Arial" panose="020B0604020202020204"/>
+        <a:sym typeface="Arial" panose="020B0604020202020204"/>
       </a:defRPr>
     </a:lvl6pPr>
     <a:lvl7pPr marR="0" lvl="6" algn="l" rtl="0">
@@ -1423,15 +1406,15 @@
       <a:buClr>
         <a:srgbClr val="000000"/>
       </a:buClr>
-      <a:buFont typeface="Arial"/>
+      <a:buFont typeface="Arial" panose="020B0604020202020204"/>
       <a:defRPr sz="1400" b="0" i="0" u="none" strike="noStrike" cap="none">
         <a:solidFill>
           <a:srgbClr val="000000"/>
         </a:solidFill>
-        <a:latin typeface="Arial"/>
-        <a:ea typeface="Arial"/>
-        <a:cs typeface="Arial"/>
-        <a:sym typeface="Arial"/>
+        <a:latin typeface="Arial" panose="020B0604020202020204"/>
+        <a:ea typeface="Arial" panose="020B0604020202020204"/>
+        <a:cs typeface="Arial" panose="020B0604020202020204"/>
+        <a:sym typeface="Arial" panose="020B0604020202020204"/>
       </a:defRPr>
     </a:lvl7pPr>
     <a:lvl8pPr marR="0" lvl="7" algn="l" rtl="0">
@@ -1447,15 +1430,15 @@
       <a:buClr>
         <a:srgbClr val="000000"/>
       </a:buClr>
-      <a:buFont typeface="Arial"/>
+      <a:buFont typeface="Arial" panose="020B0604020202020204"/>
       <a:defRPr sz="1400" b="0" i="0" u="none" strike="noStrike" cap="none">
         <a:solidFill>
           <a:srgbClr val="000000"/>
         </a:solidFill>
-        <a:latin typeface="Arial"/>
-        <a:ea typeface="Arial"/>
-        <a:cs typeface="Arial"/>
-        <a:sym typeface="Arial"/>
+        <a:latin typeface="Arial" panose="020B0604020202020204"/>
+        <a:ea typeface="Arial" panose="020B0604020202020204"/>
+        <a:cs typeface="Arial" panose="020B0604020202020204"/>
+        <a:sym typeface="Arial" panose="020B0604020202020204"/>
       </a:defRPr>
     </a:lvl8pPr>
     <a:lvl9pPr marR="0" lvl="8" algn="l" rtl="0">
@@ -1471,15 +1454,15 @@
       <a:buClr>
         <a:srgbClr val="000000"/>
       </a:buClr>
-      <a:buFont typeface="Arial"/>
+      <a:buFont typeface="Arial" panose="020B0604020202020204"/>
       <a:defRPr sz="1400" b="0" i="0" u="none" strike="noStrike" cap="none">
         <a:solidFill>
           <a:srgbClr val="000000"/>
         </a:solidFill>
-        <a:latin typeface="Arial"/>
-        <a:ea typeface="Arial"/>
-        <a:cs typeface="Arial"/>
-        <a:sym typeface="Arial"/>
+        <a:latin typeface="Arial" panose="020B0604020202020204"/>
+        <a:ea typeface="Arial" panose="020B0604020202020204"/>
+        <a:cs typeface="Arial" panose="020B0604020202020204"/>
+        <a:sym typeface="Arial" panose="020B0604020202020204"/>
       </a:defRPr>
     </a:lvl9pPr>
   </p:notesStyle>
@@ -1487,7 +1470,7 @@
 </file>
 
 <file path=ppt/notesSlides/notesSlide1.xml><?xml version="1.0" encoding="utf-8"?>
-<p:notes xmlns:a="http://schemas.openxmlformats.org/drawingml/2006/main" xmlns:r="http://schemas.openxmlformats.org/officeDocument/2006/relationships" xmlns:p="http://schemas.openxmlformats.org/presentationml/2006/main" showMasterSp="0" showMasterPhAnim="0">
+<p:notes xmlns:a="http://schemas.openxmlformats.org/drawingml/2006/main" xmlns:r="http://schemas.openxmlformats.org/officeDocument/2006/relationships" xmlns:p="http://schemas.openxmlformats.org/presentationml/2006/main" showMasterPhAnim="0" showMasterSp="0">
   <p:cSld>
     <p:spTree>
       <p:nvGrpSpPr>
@@ -1537,7 +1520,6 @@
               </a:spcAft>
               <a:buNone/>
             </a:pPr>
-            <a:endParaRPr/>
           </a:p>
         </p:txBody>
       </p:sp>
@@ -1591,7 +1573,7 @@
 </file>
 
 <file path=ppt/notesSlides/notesSlide2.xml><?xml version="1.0" encoding="utf-8"?>
-<p:notes xmlns:a="http://schemas.openxmlformats.org/drawingml/2006/main" xmlns:r="http://schemas.openxmlformats.org/officeDocument/2006/relationships" xmlns:p="http://schemas.openxmlformats.org/presentationml/2006/main" showMasterSp="0" showMasterPhAnim="0">
+<p:notes xmlns:a="http://schemas.openxmlformats.org/drawingml/2006/main" xmlns:r="http://schemas.openxmlformats.org/officeDocument/2006/relationships" xmlns:p="http://schemas.openxmlformats.org/presentationml/2006/main" showMasterPhAnim="0" showMasterSp="0">
   <p:cSld>
     <p:spTree>
       <p:nvGrpSpPr>
@@ -1700,7 +1682,7 @@
               <a:rPr lang="en-GB"/>
               <a:t>Before specifying your Research Question you must define the type of data you are analysing.  Are the variables you select interval data (measurement data you can divide, multiple, etc),  OR are they ordinal (there is a definite order but the intervals between each variable are not necessarily equal, or the terms might be subjective like in a likert scale); OR are they just categorical/nominal (Items such as film names, cities, etc., that you can count numbers of occurrences?   You also need to understand whether the variable is either dependent or independent and this will vary according to the context. Independent variables may cause an effect, whereas the dependent variable might be effected by the independent variable.  Check the lecture notes on the RQ for more information and examples.  </a:t>
             </a:r>
-            <a:endParaRPr/>
+            <a:endParaRPr lang="en-GB"/>
           </a:p>
           <a:p>
             <a:pPr marL="0" lvl="0" indent="0" algn="l" rtl="0">
@@ -1712,7 +1694,6 @@
               </a:spcAft>
               <a:buNone/>
             </a:pPr>
-            <a:endParaRPr/>
           </a:p>
           <a:p>
             <a:pPr marL="0" lvl="0" indent="0" algn="l" rtl="0">
@@ -1728,7 +1709,7 @@
               <a:rPr lang="en-GB"/>
               <a:t>You will get only one opportunity to present your Research Question ahead of the submission date.  Have your questions ready, and be ready to take notes on feedback.</a:t>
             </a:r>
-            <a:endParaRPr/>
+            <a:endParaRPr lang="en-GB"/>
           </a:p>
         </p:txBody>
       </p:sp>
@@ -1772,9 +1753,8 @@
             </a:pPr>
             <a:fld id="{00000000-1234-1234-1234-123412341234}" type="slidenum">
               <a:rPr lang="en-GB"/>
-              <a:t>2</a:t>
             </a:fld>
-            <a:endParaRPr/>
+            <a:endParaRPr lang="en-GB"/>
           </a:p>
         </p:txBody>
       </p:sp>
@@ -1787,7 +1767,7 @@
 </file>
 
 <file path=ppt/notesSlides/notesSlide3.xml><?xml version="1.0" encoding="utf-8"?>
-<p:notes xmlns:a="http://schemas.openxmlformats.org/drawingml/2006/main" xmlns:r="http://schemas.openxmlformats.org/officeDocument/2006/relationships" xmlns:p="http://schemas.openxmlformats.org/presentationml/2006/main" showMasterSp="0" showMasterPhAnim="0">
+<p:notes xmlns:a="http://schemas.openxmlformats.org/drawingml/2006/main" xmlns:r="http://schemas.openxmlformats.org/officeDocument/2006/relationships" xmlns:p="http://schemas.openxmlformats.org/presentationml/2006/main" showMasterPhAnim="0" showMasterSp="0">
   <p:cSld>
     <p:spTree>
       <p:nvGrpSpPr>
@@ -1892,7 +1872,6 @@
               </a:spcAft>
               <a:buNone/>
             </a:pPr>
-            <a:endParaRPr/>
           </a:p>
         </p:txBody>
       </p:sp>
@@ -1936,9 +1915,8 @@
             </a:pPr>
             <a:fld id="{00000000-1234-1234-1234-123412341234}" type="slidenum">
               <a:rPr lang="en-GB"/>
-              <a:t>3</a:t>
             </a:fld>
-            <a:endParaRPr/>
+            <a:endParaRPr lang="en-GB"/>
           </a:p>
         </p:txBody>
       </p:sp>
@@ -1951,7 +1929,7 @@
 </file>
 
 <file path=ppt/notesSlides/notesSlide4.xml><?xml version="1.0" encoding="utf-8"?>
-<p:notes xmlns:a="http://schemas.openxmlformats.org/drawingml/2006/main" xmlns:r="http://schemas.openxmlformats.org/officeDocument/2006/relationships" xmlns:p="http://schemas.openxmlformats.org/presentationml/2006/main" showMasterSp="0" showMasterPhAnim="0">
+<p:notes xmlns:a="http://schemas.openxmlformats.org/drawingml/2006/main" xmlns:r="http://schemas.openxmlformats.org/officeDocument/2006/relationships" xmlns:p="http://schemas.openxmlformats.org/presentationml/2006/main" showMasterPhAnim="0" showMasterSp="0">
   <p:cSld>
     <p:spTree>
       <p:nvGrpSpPr>
@@ -2001,7 +1979,6 @@
               </a:spcAft>
               <a:buNone/>
             </a:pPr>
-            <a:endParaRPr/>
           </a:p>
         </p:txBody>
       </p:sp>
@@ -2055,7 +2032,7 @@
 </file>
 
 <file path=ppt/notesSlides/notesSlide5.xml><?xml version="1.0" encoding="utf-8"?>
-<p:notes xmlns:a="http://schemas.openxmlformats.org/drawingml/2006/main" xmlns:r="http://schemas.openxmlformats.org/officeDocument/2006/relationships" xmlns:p="http://schemas.openxmlformats.org/presentationml/2006/main" showMasterSp="0" showMasterPhAnim="0">
+<p:notes xmlns:a="http://schemas.openxmlformats.org/drawingml/2006/main" xmlns:r="http://schemas.openxmlformats.org/officeDocument/2006/relationships" xmlns:p="http://schemas.openxmlformats.org/presentationml/2006/main" showMasterPhAnim="0" showMasterSp="0">
   <p:cSld>
     <p:spTree>
       <p:nvGrpSpPr>
@@ -2105,7 +2082,6 @@
               </a:spcAft>
               <a:buNone/>
             </a:pPr>
-            <a:endParaRPr/>
           </a:p>
         </p:txBody>
       </p:sp>
@@ -2237,7 +2213,7 @@
                 <a:spcPct val="144000"/>
               </a:lnSpc>
               <a:spcBef>
-                <a:spcPts val="992"/>
+                <a:spcPts val="990"/>
               </a:spcBef>
               <a:spcAft>
                 <a:spcPts val="0"/>
@@ -2254,7 +2230,7 @@
                 <a:spcPct val="160000"/>
               </a:lnSpc>
               <a:spcBef>
-                <a:spcPts val="992"/>
+                <a:spcPts val="990"/>
               </a:spcBef>
               <a:spcAft>
                 <a:spcPts val="0"/>
@@ -2271,7 +2247,7 @@
                 <a:spcPct val="135000"/>
               </a:lnSpc>
               <a:spcBef>
-                <a:spcPts val="992"/>
+                <a:spcPts val="990"/>
               </a:spcBef>
               <a:spcAft>
                 <a:spcPts val="0"/>
@@ -2369,9 +2345,7 @@
               <a:defRPr sz="1600"/>
             </a:lvl9pPr>
           </a:lstStyle>
-          <a:p>
-            <a:endParaRPr/>
-          </a:p>
+          <a:p/>
         </p:txBody>
       </p:sp>
       <p:sp>
@@ -2506,9 +2480,7 @@
               <a:defRPr/>
             </a:lvl9pPr>
           </a:lstStyle>
-          <a:p>
-            <a:endParaRPr/>
-          </a:p>
+          <a:p/>
         </p:txBody>
       </p:sp>
       <p:sp>
@@ -2548,10 +2520,10 @@
                 <a:solidFill>
                   <a:srgbClr val="8F9898"/>
                 </a:solidFill>
-                <a:latin typeface="Arial"/>
-                <a:ea typeface="Arial"/>
-                <a:cs typeface="Arial"/>
-                <a:sym typeface="Arial"/>
+                <a:latin typeface="Arial" panose="020B0604020202020204"/>
+                <a:ea typeface="Arial" panose="020B0604020202020204"/>
+                <a:cs typeface="Arial" panose="020B0604020202020204"/>
+                <a:sym typeface="Arial" panose="020B0604020202020204"/>
               </a:defRPr>
             </a:lvl1pPr>
             <a:lvl2pPr marL="0" lvl="1" indent="0" algn="r">
@@ -2563,10 +2535,10 @@
                 <a:solidFill>
                   <a:srgbClr val="8F9898"/>
                 </a:solidFill>
-                <a:latin typeface="Arial"/>
-                <a:ea typeface="Arial"/>
-                <a:cs typeface="Arial"/>
-                <a:sym typeface="Arial"/>
+                <a:latin typeface="Arial" panose="020B0604020202020204"/>
+                <a:ea typeface="Arial" panose="020B0604020202020204"/>
+                <a:cs typeface="Arial" panose="020B0604020202020204"/>
+                <a:sym typeface="Arial" panose="020B0604020202020204"/>
               </a:defRPr>
             </a:lvl2pPr>
             <a:lvl3pPr marL="0" lvl="2" indent="0" algn="r">
@@ -2578,10 +2550,10 @@
                 <a:solidFill>
                   <a:srgbClr val="8F9898"/>
                 </a:solidFill>
-                <a:latin typeface="Arial"/>
-                <a:ea typeface="Arial"/>
-                <a:cs typeface="Arial"/>
-                <a:sym typeface="Arial"/>
+                <a:latin typeface="Arial" panose="020B0604020202020204"/>
+                <a:ea typeface="Arial" panose="020B0604020202020204"/>
+                <a:cs typeface="Arial" panose="020B0604020202020204"/>
+                <a:sym typeface="Arial" panose="020B0604020202020204"/>
               </a:defRPr>
             </a:lvl3pPr>
             <a:lvl4pPr marL="0" lvl="3" indent="0" algn="r">
@@ -2593,10 +2565,10 @@
                 <a:solidFill>
                   <a:srgbClr val="8F9898"/>
                 </a:solidFill>
-                <a:latin typeface="Arial"/>
-                <a:ea typeface="Arial"/>
-                <a:cs typeface="Arial"/>
-                <a:sym typeface="Arial"/>
+                <a:latin typeface="Arial" panose="020B0604020202020204"/>
+                <a:ea typeface="Arial" panose="020B0604020202020204"/>
+                <a:cs typeface="Arial" panose="020B0604020202020204"/>
+                <a:sym typeface="Arial" panose="020B0604020202020204"/>
               </a:defRPr>
             </a:lvl4pPr>
             <a:lvl5pPr marL="0" lvl="4" indent="0" algn="r">
@@ -2608,10 +2580,10 @@
                 <a:solidFill>
                   <a:srgbClr val="8F9898"/>
                 </a:solidFill>
-                <a:latin typeface="Arial"/>
-                <a:ea typeface="Arial"/>
-                <a:cs typeface="Arial"/>
-                <a:sym typeface="Arial"/>
+                <a:latin typeface="Arial" panose="020B0604020202020204"/>
+                <a:ea typeface="Arial" panose="020B0604020202020204"/>
+                <a:cs typeface="Arial" panose="020B0604020202020204"/>
+                <a:sym typeface="Arial" panose="020B0604020202020204"/>
               </a:defRPr>
             </a:lvl5pPr>
             <a:lvl6pPr marL="0" lvl="5" indent="0" algn="r">
@@ -2623,10 +2595,10 @@
                 <a:solidFill>
                   <a:srgbClr val="8F9898"/>
                 </a:solidFill>
-                <a:latin typeface="Arial"/>
-                <a:ea typeface="Arial"/>
-                <a:cs typeface="Arial"/>
-                <a:sym typeface="Arial"/>
+                <a:latin typeface="Arial" panose="020B0604020202020204"/>
+                <a:ea typeface="Arial" panose="020B0604020202020204"/>
+                <a:cs typeface="Arial" panose="020B0604020202020204"/>
+                <a:sym typeface="Arial" panose="020B0604020202020204"/>
               </a:defRPr>
             </a:lvl6pPr>
             <a:lvl7pPr marL="0" lvl="6" indent="0" algn="r">
@@ -2638,10 +2610,10 @@
                 <a:solidFill>
                   <a:srgbClr val="8F9898"/>
                 </a:solidFill>
-                <a:latin typeface="Arial"/>
-                <a:ea typeface="Arial"/>
-                <a:cs typeface="Arial"/>
-                <a:sym typeface="Arial"/>
+                <a:latin typeface="Arial" panose="020B0604020202020204"/>
+                <a:ea typeface="Arial" panose="020B0604020202020204"/>
+                <a:cs typeface="Arial" panose="020B0604020202020204"/>
+                <a:sym typeface="Arial" panose="020B0604020202020204"/>
               </a:defRPr>
             </a:lvl7pPr>
             <a:lvl8pPr marL="0" lvl="7" indent="0" algn="r">
@@ -2653,10 +2625,10 @@
                 <a:solidFill>
                   <a:srgbClr val="8F9898"/>
                 </a:solidFill>
-                <a:latin typeface="Arial"/>
-                <a:ea typeface="Arial"/>
-                <a:cs typeface="Arial"/>
-                <a:sym typeface="Arial"/>
+                <a:latin typeface="Arial" panose="020B0604020202020204"/>
+                <a:ea typeface="Arial" panose="020B0604020202020204"/>
+                <a:cs typeface="Arial" panose="020B0604020202020204"/>
+                <a:sym typeface="Arial" panose="020B0604020202020204"/>
               </a:defRPr>
             </a:lvl8pPr>
             <a:lvl9pPr marL="0" lvl="8" indent="0" algn="r">
@@ -2668,10 +2640,10 @@
                 <a:solidFill>
                   <a:srgbClr val="8F9898"/>
                 </a:solidFill>
-                <a:latin typeface="Arial"/>
-                <a:ea typeface="Arial"/>
-                <a:cs typeface="Arial"/>
-                <a:sym typeface="Arial"/>
+                <a:latin typeface="Arial" panose="020B0604020202020204"/>
+                <a:ea typeface="Arial" panose="020B0604020202020204"/>
+                <a:cs typeface="Arial" panose="020B0604020202020204"/>
+                <a:sym typeface="Arial" panose="020B0604020202020204"/>
               </a:defRPr>
             </a:lvl9pPr>
           </a:lstStyle>
@@ -2687,9 +2659,8 @@
             </a:pPr>
             <a:fld id="{00000000-1234-1234-1234-123412341234}" type="slidenum">
               <a:rPr lang="en-GB"/>
-              <a:t>‹#›</a:t>
             </a:fld>
-            <a:endParaRPr/>
+            <a:endParaRPr lang="en-GB"/>
           </a:p>
         </p:txBody>
       </p:sp>
@@ -2723,7 +2694,7 @@
           <a:lstStyle>
             <a:lvl1pPr lvl="0" algn="l">
               <a:lnSpc>
-                <a:spcPct val="106666"/>
+                <a:spcPct val="107000"/>
               </a:lnSpc>
               <a:spcBef>
                 <a:spcPts val="0"/>
@@ -2735,7 +2706,7 @@
                 <a:schemeClr val="dk1"/>
               </a:buClr>
               <a:buSzPts val="7500"/>
-              <a:buFont typeface="Arial"/>
+              <a:buFont typeface="Arial" panose="020B0604020202020204"/>
               <a:buNone/>
               <a:defRPr sz="7500" b="1">
                 <a:solidFill>
@@ -2832,9 +2803,7 @@
               <a:defRPr/>
             </a:lvl9pPr>
           </a:lstStyle>
-          <a:p>
-            <a:endParaRPr/>
-          </a:p>
+          <a:p/>
         </p:txBody>
       </p:sp>
       <p:sp>
@@ -2877,10 +2846,10 @@
               <a:solidFill>
                 <a:schemeClr val="accent1"/>
               </a:solidFill>
-              <a:latin typeface="Arial"/>
-              <a:ea typeface="Arial"/>
-              <a:cs typeface="Arial"/>
-              <a:sym typeface="Arial"/>
+              <a:latin typeface="Arial" panose="020B0604020202020204"/>
+              <a:ea typeface="Arial" panose="020B0604020202020204"/>
+              <a:cs typeface="Arial" panose="020B0604020202020204"/>
+              <a:sym typeface="Arial" panose="020B0604020202020204"/>
             </a:endParaRPr>
           </a:p>
         </p:txBody>
@@ -2892,11 +2861,11 @@
           <p:nvPr/>
         </p:nvPicPr>
         <p:blipFill rotWithShape="1">
-          <a:blip r:embed="rId2">
-            <a:alphaModFix/>
-          </a:blip>
+          <a:blip r:embed="rId2"/>
           <a:srcRect/>
-          <a:stretch/>
+          <a:stretch>
+            <a:fillRect/>
+          </a:stretch>
         </p:blipFill>
         <p:spPr>
           <a:xfrm>
@@ -3046,16 +3015,16 @@
                 <a:srgbClr val="203232"/>
               </a:buClr>
               <a:buSzPts val="2400"/>
-              <a:buFont typeface="Arial"/>
+              <a:buFont typeface="Arial" panose="020B0604020202020204"/>
               <a:buNone/>
               <a:defRPr sz="2400" b="1" i="0" u="none" strike="noStrike" cap="none">
                 <a:solidFill>
                   <a:srgbClr val="203232"/>
                 </a:solidFill>
-                <a:latin typeface="Arial"/>
-                <a:ea typeface="Arial"/>
-                <a:cs typeface="Arial"/>
-                <a:sym typeface="Arial"/>
+                <a:latin typeface="Arial" panose="020B0604020202020204"/>
+                <a:ea typeface="Arial" panose="020B0604020202020204"/>
+                <a:cs typeface="Arial" panose="020B0604020202020204"/>
+                <a:sym typeface="Arial" panose="020B0604020202020204"/>
               </a:defRPr>
             </a:lvl1pPr>
             <a:lvl2pPr marR="0" lvl="1" algn="l" rtl="0">
@@ -3063,7 +3032,7 @@
                 <a:spcPct val="120000"/>
               </a:lnSpc>
               <a:spcBef>
-                <a:spcPts val="992"/>
+                <a:spcPts val="990"/>
               </a:spcBef>
               <a:spcAft>
                 <a:spcPts val="0"/>
@@ -3072,16 +3041,16 @@
                 <a:srgbClr val="203232"/>
               </a:buClr>
               <a:buSzPts val="2400"/>
-              <a:buFont typeface="Arial"/>
+              <a:buFont typeface="Arial" panose="020B0604020202020204"/>
               <a:buNone/>
               <a:defRPr sz="2400" b="0" i="0" u="none" strike="noStrike" cap="none">
                 <a:solidFill>
                   <a:srgbClr val="203232"/>
                 </a:solidFill>
-                <a:latin typeface="Arial"/>
-                <a:ea typeface="Arial"/>
-                <a:cs typeface="Arial"/>
-                <a:sym typeface="Arial"/>
+                <a:latin typeface="Arial" panose="020B0604020202020204"/>
+                <a:ea typeface="Arial" panose="020B0604020202020204"/>
+                <a:cs typeface="Arial" panose="020B0604020202020204"/>
+                <a:sym typeface="Arial" panose="020B0604020202020204"/>
               </a:defRPr>
             </a:lvl2pPr>
             <a:lvl3pPr marR="0" lvl="2" algn="l" rtl="0">
@@ -3089,7 +3058,7 @@
                 <a:spcPct val="120000"/>
               </a:lnSpc>
               <a:spcBef>
-                <a:spcPts val="992"/>
+                <a:spcPts val="990"/>
               </a:spcBef>
               <a:spcAft>
                 <a:spcPts val="0"/>
@@ -3098,16 +3067,16 @@
                 <a:srgbClr val="203232"/>
               </a:buClr>
               <a:buSzPts val="2400"/>
-              <a:buFont typeface="Arial"/>
+              <a:buFont typeface="Arial" panose="020B0604020202020204"/>
               <a:buChar char="■"/>
               <a:defRPr sz="2400" b="0" i="0" u="none" strike="noStrike" cap="none">
                 <a:solidFill>
                   <a:srgbClr val="203232"/>
                 </a:solidFill>
-                <a:latin typeface="Arial"/>
-                <a:ea typeface="Arial"/>
-                <a:cs typeface="Arial"/>
-                <a:sym typeface="Arial"/>
+                <a:latin typeface="Arial" panose="020B0604020202020204"/>
+                <a:ea typeface="Arial" panose="020B0604020202020204"/>
+                <a:cs typeface="Arial" panose="020B0604020202020204"/>
+                <a:sym typeface="Arial" panose="020B0604020202020204"/>
               </a:defRPr>
             </a:lvl3pPr>
             <a:lvl4pPr marR="0" lvl="3" algn="l" rtl="0">
@@ -3115,7 +3084,7 @@
                 <a:spcPct val="120000"/>
               </a:lnSpc>
               <a:spcBef>
-                <a:spcPts val="992"/>
+                <a:spcPts val="990"/>
               </a:spcBef>
               <a:spcAft>
                 <a:spcPts val="0"/>
@@ -3124,16 +3093,16 @@
                 <a:srgbClr val="203232"/>
               </a:buClr>
               <a:buSzPts val="1800"/>
-              <a:buFont typeface="Arial"/>
+              <a:buFont typeface="Arial" panose="020B0604020202020204"/>
               <a:buNone/>
               <a:defRPr sz="1800" b="0" i="0" u="none" strike="noStrike" cap="none">
                 <a:solidFill>
                   <a:srgbClr val="203232"/>
                 </a:solidFill>
-                <a:latin typeface="Arial"/>
-                <a:ea typeface="Arial"/>
-                <a:cs typeface="Arial"/>
-                <a:sym typeface="Arial"/>
+                <a:latin typeface="Arial" panose="020B0604020202020204"/>
+                <a:ea typeface="Arial" panose="020B0604020202020204"/>
+                <a:cs typeface="Arial" panose="020B0604020202020204"/>
+                <a:sym typeface="Arial" panose="020B0604020202020204"/>
               </a:defRPr>
             </a:lvl4pPr>
             <a:lvl5pPr marR="0" lvl="4" algn="l" rtl="0">
@@ -3150,16 +3119,16 @@
                 <a:srgbClr val="203232"/>
               </a:buClr>
               <a:buSzPts val="1800"/>
-              <a:buFont typeface="Arial"/>
+              <a:buFont typeface="Arial" panose="020B0604020202020204"/>
               <a:buNone/>
               <a:defRPr sz="1800" b="1" i="0" u="none" strike="noStrike" cap="none">
                 <a:solidFill>
                   <a:srgbClr val="203232"/>
                 </a:solidFill>
-                <a:latin typeface="Arial"/>
-                <a:ea typeface="Arial"/>
-                <a:cs typeface="Arial"/>
-                <a:sym typeface="Arial"/>
+                <a:latin typeface="Arial" panose="020B0604020202020204"/>
+                <a:ea typeface="Arial" panose="020B0604020202020204"/>
+                <a:cs typeface="Arial" panose="020B0604020202020204"/>
+                <a:sym typeface="Arial" panose="020B0604020202020204"/>
               </a:defRPr>
             </a:lvl5pPr>
             <a:lvl6pPr marR="0" lvl="5" algn="l" rtl="0">
@@ -3176,16 +3145,16 @@
                 <a:schemeClr val="dk1"/>
               </a:buClr>
               <a:buSzPts val="1800"/>
-              <a:buFont typeface="Arial"/>
+              <a:buFont typeface="Arial" panose="020B0604020202020204"/>
               <a:buChar char="•"/>
               <a:defRPr sz="1800" b="0" i="0" u="none" strike="noStrike" cap="none">
                 <a:solidFill>
                   <a:schemeClr val="dk1"/>
                 </a:solidFill>
-                <a:latin typeface="Arial"/>
-                <a:ea typeface="Arial"/>
-                <a:cs typeface="Arial"/>
-                <a:sym typeface="Arial"/>
+                <a:latin typeface="Arial" panose="020B0604020202020204"/>
+                <a:ea typeface="Arial" panose="020B0604020202020204"/>
+                <a:cs typeface="Arial" panose="020B0604020202020204"/>
+                <a:sym typeface="Arial" panose="020B0604020202020204"/>
               </a:defRPr>
             </a:lvl6pPr>
             <a:lvl7pPr marR="0" lvl="6" algn="l" rtl="0">
@@ -3202,16 +3171,16 @@
                 <a:schemeClr val="dk1"/>
               </a:buClr>
               <a:buSzPts val="1800"/>
-              <a:buFont typeface="Arial"/>
+              <a:buFont typeface="Arial" panose="020B0604020202020204"/>
               <a:buChar char="•"/>
               <a:defRPr sz="1800" b="0" i="0" u="none" strike="noStrike" cap="none">
                 <a:solidFill>
                   <a:schemeClr val="dk1"/>
                 </a:solidFill>
-                <a:latin typeface="Arial"/>
-                <a:ea typeface="Arial"/>
-                <a:cs typeface="Arial"/>
-                <a:sym typeface="Arial"/>
+                <a:latin typeface="Arial" panose="020B0604020202020204"/>
+                <a:ea typeface="Arial" panose="020B0604020202020204"/>
+                <a:cs typeface="Arial" panose="020B0604020202020204"/>
+                <a:sym typeface="Arial" panose="020B0604020202020204"/>
               </a:defRPr>
             </a:lvl7pPr>
             <a:lvl8pPr marR="0" lvl="7" algn="l" rtl="0">
@@ -3228,16 +3197,16 @@
                 <a:schemeClr val="dk1"/>
               </a:buClr>
               <a:buSzPts val="1800"/>
-              <a:buFont typeface="Arial"/>
+              <a:buFont typeface="Arial" panose="020B0604020202020204"/>
               <a:buChar char="•"/>
               <a:defRPr sz="1800" b="0" i="0" u="none" strike="noStrike" cap="none">
                 <a:solidFill>
                   <a:schemeClr val="dk1"/>
                 </a:solidFill>
-                <a:latin typeface="Arial"/>
-                <a:ea typeface="Arial"/>
-                <a:cs typeface="Arial"/>
-                <a:sym typeface="Arial"/>
+                <a:latin typeface="Arial" panose="020B0604020202020204"/>
+                <a:ea typeface="Arial" panose="020B0604020202020204"/>
+                <a:cs typeface="Arial" panose="020B0604020202020204"/>
+                <a:sym typeface="Arial" panose="020B0604020202020204"/>
               </a:defRPr>
             </a:lvl8pPr>
             <a:lvl9pPr marR="0" lvl="8" algn="l" rtl="0">
@@ -3254,22 +3223,20 @@
                 <a:schemeClr val="dk1"/>
               </a:buClr>
               <a:buSzPts val="1800"/>
-              <a:buFont typeface="Arial"/>
+              <a:buFont typeface="Arial" panose="020B0604020202020204"/>
               <a:buChar char="•"/>
               <a:defRPr sz="1800" b="0" i="0" u="none" strike="noStrike" cap="none">
                 <a:solidFill>
                   <a:schemeClr val="dk1"/>
                 </a:solidFill>
-                <a:latin typeface="Arial"/>
-                <a:ea typeface="Arial"/>
-                <a:cs typeface="Arial"/>
-                <a:sym typeface="Arial"/>
+                <a:latin typeface="Arial" panose="020B0604020202020204"/>
+                <a:ea typeface="Arial" panose="020B0604020202020204"/>
+                <a:cs typeface="Arial" panose="020B0604020202020204"/>
+                <a:sym typeface="Arial" panose="020B0604020202020204"/>
               </a:defRPr>
             </a:lvl9pPr>
           </a:lstStyle>
-          <a:p>
-            <a:endParaRPr/>
-          </a:p>
+          <a:p/>
         </p:txBody>
       </p:sp>
     </p:spTree>
@@ -3433,9 +3400,7 @@
               <a:defRPr/>
             </a:lvl9pPr>
           </a:lstStyle>
-          <a:p>
-            <a:endParaRPr/>
-          </a:p>
+          <a:p/>
         </p:txBody>
       </p:sp>
       <p:sp>
@@ -3542,9 +3507,8 @@
             </a:pPr>
             <a:fld id="{00000000-1234-1234-1234-123412341234}" type="slidenum">
               <a:rPr lang="en-GB"/>
-              <a:t>‹#›</a:t>
             </a:fld>
-            <a:endParaRPr/>
+            <a:endParaRPr lang="en-GB"/>
           </a:p>
         </p:txBody>
       </p:sp>
@@ -3588,10 +3552,10 @@
               <a:solidFill>
                 <a:schemeClr val="lt1"/>
               </a:solidFill>
-              <a:latin typeface="Arial"/>
-              <a:ea typeface="Arial"/>
-              <a:cs typeface="Arial"/>
-              <a:sym typeface="Arial"/>
+              <a:latin typeface="Arial" panose="020B0604020202020204"/>
+              <a:ea typeface="Arial" panose="020B0604020202020204"/>
+              <a:cs typeface="Arial" panose="020B0604020202020204"/>
+              <a:sym typeface="Arial" panose="020B0604020202020204"/>
             </a:endParaRPr>
           </a:p>
         </p:txBody>
@@ -3650,7 +3614,7 @@
                 <a:spcPct val="120000"/>
               </a:lnSpc>
               <a:spcBef>
-                <a:spcPts val="992"/>
+                <a:spcPts val="990"/>
               </a:spcBef>
               <a:spcAft>
                 <a:spcPts val="0"/>
@@ -3667,7 +3631,7 @@
                 <a:spcPct val="120000"/>
               </a:lnSpc>
               <a:spcBef>
-                <a:spcPts val="992"/>
+                <a:spcPts val="990"/>
               </a:spcBef>
               <a:spcAft>
                 <a:spcPts val="0"/>
@@ -3684,7 +3648,7 @@
                 <a:spcPct val="120000"/>
               </a:lnSpc>
               <a:spcBef>
-                <a:spcPts val="992"/>
+                <a:spcPts val="990"/>
               </a:spcBef>
               <a:spcAft>
                 <a:spcPts val="0"/>
@@ -3786,9 +3750,7 @@
               <a:defRPr/>
             </a:lvl9pPr>
           </a:lstStyle>
-          <a:p>
-            <a:endParaRPr/>
-          </a:p>
+          <a:p/>
         </p:txBody>
       </p:sp>
       <p:sp>
@@ -3833,7 +3795,7 @@
                 <a:srgbClr val="203232"/>
               </a:buClr>
               <a:buSzPts val="2400"/>
-              <a:buFont typeface="Arial"/>
+              <a:buFont typeface="Arial" panose="020B0604020202020204"/>
               <a:buNone/>
               <a:defRPr b="0">
                 <a:solidFill>
@@ -3846,7 +3808,7 @@
                 <a:spcPct val="120000"/>
               </a:lnSpc>
               <a:spcBef>
-                <a:spcPts val="992"/>
+                <a:spcPts val="990"/>
               </a:spcBef>
               <a:spcAft>
                 <a:spcPts val="0"/>
@@ -3863,7 +3825,7 @@
                 <a:spcPct val="120000"/>
               </a:lnSpc>
               <a:spcBef>
-                <a:spcPts val="992"/>
+                <a:spcPts val="990"/>
               </a:spcBef>
               <a:spcAft>
                 <a:spcPts val="0"/>
@@ -3880,7 +3842,7 @@
                 <a:spcPct val="120000"/>
               </a:lnSpc>
               <a:spcBef>
-                <a:spcPts val="992"/>
+                <a:spcPts val="990"/>
               </a:spcBef>
               <a:spcAft>
                 <a:spcPts val="0"/>
@@ -3982,9 +3944,7 @@
               <a:defRPr/>
             </a:lvl9pPr>
           </a:lstStyle>
-          <a:p>
-            <a:endParaRPr/>
-          </a:p>
+          <a:p/>
         </p:txBody>
       </p:sp>
       <p:sp>
@@ -4029,7 +3989,7 @@
                 <a:srgbClr val="203232"/>
               </a:buClr>
               <a:buSzPts val="2400"/>
-              <a:buFont typeface="Arial"/>
+              <a:buFont typeface="Arial" panose="020B0604020202020204"/>
               <a:buNone/>
               <a:defRPr b="0">
                 <a:solidFill>
@@ -4042,7 +4002,7 @@
                 <a:spcPct val="120000"/>
               </a:lnSpc>
               <a:spcBef>
-                <a:spcPts val="992"/>
+                <a:spcPts val="990"/>
               </a:spcBef>
               <a:spcAft>
                 <a:spcPts val="0"/>
@@ -4059,7 +4019,7 @@
                 <a:spcPct val="120000"/>
               </a:lnSpc>
               <a:spcBef>
-                <a:spcPts val="992"/>
+                <a:spcPts val="990"/>
               </a:spcBef>
               <a:spcAft>
                 <a:spcPts val="0"/>
@@ -4076,7 +4036,7 @@
                 <a:spcPct val="120000"/>
               </a:lnSpc>
               <a:spcBef>
-                <a:spcPts val="992"/>
+                <a:spcPts val="990"/>
               </a:spcBef>
               <a:spcAft>
                 <a:spcPts val="0"/>
@@ -4178,9 +4138,7 @@
               <a:defRPr/>
             </a:lvl9pPr>
           </a:lstStyle>
-          <a:p>
-            <a:endParaRPr/>
-          </a:p>
+          <a:p/>
         </p:txBody>
       </p:sp>
       <p:sp>
@@ -4295,11 +4253,11 @@
           <p:nvPr/>
         </p:nvPicPr>
         <p:blipFill rotWithShape="1">
-          <a:blip r:embed="rId2">
-            <a:alphaModFix/>
-          </a:blip>
+          <a:blip r:embed="rId2"/>
           <a:srcRect/>
-          <a:stretch/>
+          <a:stretch>
+            <a:fillRect/>
+          </a:stretch>
         </p:blipFill>
         <p:spPr>
           <a:xfrm>
@@ -4357,9 +4315,9 @@
                 <a:schemeClr val="lt1"/>
               </a:buClr>
               <a:buSzPts val="7386"/>
-              <a:buFont typeface="Arial"/>
-              <a:buNone/>
-              <a:defRPr sz="7386">
+              <a:buFont typeface="Arial" panose="020B0604020202020204"/>
+              <a:buNone/>
+              <a:defRPr sz="7385">
                 <a:solidFill>
                   <a:schemeClr val="lt1"/>
                 </a:solidFill>
@@ -4454,9 +4412,7 @@
               <a:defRPr/>
             </a:lvl9pPr>
           </a:lstStyle>
-          <a:p>
-            <a:endParaRPr/>
-          </a:p>
+          <a:p/>
         </p:txBody>
       </p:sp>
       <p:sp>
@@ -4591,9 +4547,7 @@
               <a:defRPr/>
             </a:lvl9pPr>
           </a:lstStyle>
-          <a:p>
-            <a:endParaRPr/>
-          </a:p>
+          <a:p/>
         </p:txBody>
       </p:sp>
       <p:sp>
@@ -4633,10 +4587,10 @@
                 <a:solidFill>
                   <a:schemeClr val="lt1"/>
                 </a:solidFill>
-                <a:latin typeface="Arial"/>
-                <a:ea typeface="Arial"/>
-                <a:cs typeface="Arial"/>
-                <a:sym typeface="Arial"/>
+                <a:latin typeface="Arial" panose="020B0604020202020204"/>
+                <a:ea typeface="Arial" panose="020B0604020202020204"/>
+                <a:cs typeface="Arial" panose="020B0604020202020204"/>
+                <a:sym typeface="Arial" panose="020B0604020202020204"/>
               </a:defRPr>
             </a:lvl1pPr>
             <a:lvl2pPr marL="0" lvl="1" indent="0" algn="r">
@@ -4648,10 +4602,10 @@
                 <a:solidFill>
                   <a:schemeClr val="lt1"/>
                 </a:solidFill>
-                <a:latin typeface="Arial"/>
-                <a:ea typeface="Arial"/>
-                <a:cs typeface="Arial"/>
-                <a:sym typeface="Arial"/>
+                <a:latin typeface="Arial" panose="020B0604020202020204"/>
+                <a:ea typeface="Arial" panose="020B0604020202020204"/>
+                <a:cs typeface="Arial" panose="020B0604020202020204"/>
+                <a:sym typeface="Arial" panose="020B0604020202020204"/>
               </a:defRPr>
             </a:lvl2pPr>
             <a:lvl3pPr marL="0" lvl="2" indent="0" algn="r">
@@ -4663,10 +4617,10 @@
                 <a:solidFill>
                   <a:schemeClr val="lt1"/>
                 </a:solidFill>
-                <a:latin typeface="Arial"/>
-                <a:ea typeface="Arial"/>
-                <a:cs typeface="Arial"/>
-                <a:sym typeface="Arial"/>
+                <a:latin typeface="Arial" panose="020B0604020202020204"/>
+                <a:ea typeface="Arial" panose="020B0604020202020204"/>
+                <a:cs typeface="Arial" panose="020B0604020202020204"/>
+                <a:sym typeface="Arial" panose="020B0604020202020204"/>
               </a:defRPr>
             </a:lvl3pPr>
             <a:lvl4pPr marL="0" lvl="3" indent="0" algn="r">
@@ -4678,10 +4632,10 @@
                 <a:solidFill>
                   <a:schemeClr val="lt1"/>
                 </a:solidFill>
-                <a:latin typeface="Arial"/>
-                <a:ea typeface="Arial"/>
-                <a:cs typeface="Arial"/>
-                <a:sym typeface="Arial"/>
+                <a:latin typeface="Arial" panose="020B0604020202020204"/>
+                <a:ea typeface="Arial" panose="020B0604020202020204"/>
+                <a:cs typeface="Arial" panose="020B0604020202020204"/>
+                <a:sym typeface="Arial" panose="020B0604020202020204"/>
               </a:defRPr>
             </a:lvl4pPr>
             <a:lvl5pPr marL="0" lvl="4" indent="0" algn="r">
@@ -4693,10 +4647,10 @@
                 <a:solidFill>
                   <a:schemeClr val="lt1"/>
                 </a:solidFill>
-                <a:latin typeface="Arial"/>
-                <a:ea typeface="Arial"/>
-                <a:cs typeface="Arial"/>
-                <a:sym typeface="Arial"/>
+                <a:latin typeface="Arial" panose="020B0604020202020204"/>
+                <a:ea typeface="Arial" panose="020B0604020202020204"/>
+                <a:cs typeface="Arial" panose="020B0604020202020204"/>
+                <a:sym typeface="Arial" panose="020B0604020202020204"/>
               </a:defRPr>
             </a:lvl5pPr>
             <a:lvl6pPr marL="0" lvl="5" indent="0" algn="r">
@@ -4708,10 +4662,10 @@
                 <a:solidFill>
                   <a:schemeClr val="lt1"/>
                 </a:solidFill>
-                <a:latin typeface="Arial"/>
-                <a:ea typeface="Arial"/>
-                <a:cs typeface="Arial"/>
-                <a:sym typeface="Arial"/>
+                <a:latin typeface="Arial" panose="020B0604020202020204"/>
+                <a:ea typeface="Arial" panose="020B0604020202020204"/>
+                <a:cs typeface="Arial" panose="020B0604020202020204"/>
+                <a:sym typeface="Arial" panose="020B0604020202020204"/>
               </a:defRPr>
             </a:lvl6pPr>
             <a:lvl7pPr marL="0" lvl="6" indent="0" algn="r">
@@ -4723,10 +4677,10 @@
                 <a:solidFill>
                   <a:schemeClr val="lt1"/>
                 </a:solidFill>
-                <a:latin typeface="Arial"/>
-                <a:ea typeface="Arial"/>
-                <a:cs typeface="Arial"/>
-                <a:sym typeface="Arial"/>
+                <a:latin typeface="Arial" panose="020B0604020202020204"/>
+                <a:ea typeface="Arial" panose="020B0604020202020204"/>
+                <a:cs typeface="Arial" panose="020B0604020202020204"/>
+                <a:sym typeface="Arial" panose="020B0604020202020204"/>
               </a:defRPr>
             </a:lvl7pPr>
             <a:lvl8pPr marL="0" lvl="7" indent="0" algn="r">
@@ -4738,10 +4692,10 @@
                 <a:solidFill>
                   <a:schemeClr val="lt1"/>
                 </a:solidFill>
-                <a:latin typeface="Arial"/>
-                <a:ea typeface="Arial"/>
-                <a:cs typeface="Arial"/>
-                <a:sym typeface="Arial"/>
+                <a:latin typeface="Arial" panose="020B0604020202020204"/>
+                <a:ea typeface="Arial" panose="020B0604020202020204"/>
+                <a:cs typeface="Arial" panose="020B0604020202020204"/>
+                <a:sym typeface="Arial" panose="020B0604020202020204"/>
               </a:defRPr>
             </a:lvl8pPr>
             <a:lvl9pPr marL="0" lvl="8" indent="0" algn="r">
@@ -4753,10 +4707,10 @@
                 <a:solidFill>
                   <a:schemeClr val="lt1"/>
                 </a:solidFill>
-                <a:latin typeface="Arial"/>
-                <a:ea typeface="Arial"/>
-                <a:cs typeface="Arial"/>
-                <a:sym typeface="Arial"/>
+                <a:latin typeface="Arial" panose="020B0604020202020204"/>
+                <a:ea typeface="Arial" panose="020B0604020202020204"/>
+                <a:cs typeface="Arial" panose="020B0604020202020204"/>
+                <a:sym typeface="Arial" panose="020B0604020202020204"/>
               </a:defRPr>
             </a:lvl9pPr>
           </a:lstStyle>
@@ -4772,9 +4726,8 @@
             </a:pPr>
             <a:fld id="{00000000-1234-1234-1234-123412341234}" type="slidenum">
               <a:rPr lang="en-GB"/>
-              <a:t>‹#›</a:t>
             </a:fld>
-            <a:endParaRPr/>
+            <a:endParaRPr lang="en-GB"/>
           </a:p>
         </p:txBody>
       </p:sp>
@@ -4787,7 +4740,7 @@
 </file>
 
 <file path=ppt/slideLayouts/slideLayout2.xml><?xml version="1.0" encoding="utf-8"?>
-<p:sldLayout xmlns:a="http://schemas.openxmlformats.org/drawingml/2006/main" xmlns:r="http://schemas.openxmlformats.org/officeDocument/2006/relationships" xmlns:p="http://schemas.openxmlformats.org/presentationml/2006/main" matchingName="Section divider" type="title">
+<p:sldLayout xmlns:a="http://schemas.openxmlformats.org/drawingml/2006/main" xmlns:r="http://schemas.openxmlformats.org/officeDocument/2006/relationships" xmlns:p="http://schemas.openxmlformats.org/presentationml/2006/main" type="title" matchingName="Section divider">
   <p:cSld name="TITLE">
     <p:bg>
       <p:bgPr>
@@ -4841,7 +4794,7 @@
           <a:lstStyle>
             <a:lvl1pPr lvl="0" algn="l">
               <a:lnSpc>
-                <a:spcPct val="106666"/>
+                <a:spcPct val="107000"/>
               </a:lnSpc>
               <a:spcBef>
                 <a:spcPts val="0"/>
@@ -4853,7 +4806,7 @@
                 <a:schemeClr val="lt1"/>
               </a:buClr>
               <a:buSzPts val="7500"/>
-              <a:buFont typeface="Arial"/>
+              <a:buFont typeface="Arial" panose="020B0604020202020204"/>
               <a:buNone/>
               <a:defRPr sz="7500" b="1">
                 <a:solidFill>
@@ -4950,9 +4903,7 @@
               <a:defRPr/>
             </a:lvl9pPr>
           </a:lstStyle>
-          <a:p>
-            <a:endParaRPr/>
-          </a:p>
+          <a:p/>
         </p:txBody>
       </p:sp>
       <p:sp>
@@ -5009,7 +4960,7 @@
                 <a:spcPct val="144000"/>
               </a:lnSpc>
               <a:spcBef>
-                <a:spcPts val="992"/>
+                <a:spcPts val="990"/>
               </a:spcBef>
               <a:spcAft>
                 <a:spcPts val="0"/>
@@ -5026,7 +4977,7 @@
                 <a:spcPct val="160000"/>
               </a:lnSpc>
               <a:spcBef>
-                <a:spcPts val="992"/>
+                <a:spcPts val="990"/>
               </a:spcBef>
               <a:spcAft>
                 <a:spcPts val="0"/>
@@ -5043,7 +4994,7 @@
                 <a:spcPct val="135000"/>
               </a:lnSpc>
               <a:spcBef>
-                <a:spcPts val="992"/>
+                <a:spcPts val="990"/>
               </a:spcBef>
               <a:spcAft>
                 <a:spcPts val="0"/>
@@ -5141,9 +5092,7 @@
               <a:defRPr sz="1600"/>
             </a:lvl9pPr>
           </a:lstStyle>
-          <a:p>
-            <a:endParaRPr/>
-          </a:p>
+          <a:p/>
         </p:txBody>
       </p:sp>
       <p:sp>
@@ -5278,9 +5227,7 @@
               <a:defRPr/>
             </a:lvl9pPr>
           </a:lstStyle>
-          <a:p>
-            <a:endParaRPr/>
-          </a:p>
+          <a:p/>
         </p:txBody>
       </p:sp>
       <p:sp>
@@ -5320,10 +5267,10 @@
                 <a:solidFill>
                   <a:schemeClr val="lt1"/>
                 </a:solidFill>
-                <a:latin typeface="Arial"/>
-                <a:ea typeface="Arial"/>
-                <a:cs typeface="Arial"/>
-                <a:sym typeface="Arial"/>
+                <a:latin typeface="Arial" panose="020B0604020202020204"/>
+                <a:ea typeface="Arial" panose="020B0604020202020204"/>
+                <a:cs typeface="Arial" panose="020B0604020202020204"/>
+                <a:sym typeface="Arial" panose="020B0604020202020204"/>
               </a:defRPr>
             </a:lvl1pPr>
             <a:lvl2pPr marL="0" lvl="1" indent="0" algn="r">
@@ -5335,10 +5282,10 @@
                 <a:solidFill>
                   <a:schemeClr val="lt1"/>
                 </a:solidFill>
-                <a:latin typeface="Arial"/>
-                <a:ea typeface="Arial"/>
-                <a:cs typeface="Arial"/>
-                <a:sym typeface="Arial"/>
+                <a:latin typeface="Arial" panose="020B0604020202020204"/>
+                <a:ea typeface="Arial" panose="020B0604020202020204"/>
+                <a:cs typeface="Arial" panose="020B0604020202020204"/>
+                <a:sym typeface="Arial" panose="020B0604020202020204"/>
               </a:defRPr>
             </a:lvl2pPr>
             <a:lvl3pPr marL="0" lvl="2" indent="0" algn="r">
@@ -5350,10 +5297,10 @@
                 <a:solidFill>
                   <a:schemeClr val="lt1"/>
                 </a:solidFill>
-                <a:latin typeface="Arial"/>
-                <a:ea typeface="Arial"/>
-                <a:cs typeface="Arial"/>
-                <a:sym typeface="Arial"/>
+                <a:latin typeface="Arial" panose="020B0604020202020204"/>
+                <a:ea typeface="Arial" panose="020B0604020202020204"/>
+                <a:cs typeface="Arial" panose="020B0604020202020204"/>
+                <a:sym typeface="Arial" panose="020B0604020202020204"/>
               </a:defRPr>
             </a:lvl3pPr>
             <a:lvl4pPr marL="0" lvl="3" indent="0" algn="r">
@@ -5365,10 +5312,10 @@
                 <a:solidFill>
                   <a:schemeClr val="lt1"/>
                 </a:solidFill>
-                <a:latin typeface="Arial"/>
-                <a:ea typeface="Arial"/>
-                <a:cs typeface="Arial"/>
-                <a:sym typeface="Arial"/>
+                <a:latin typeface="Arial" panose="020B0604020202020204"/>
+                <a:ea typeface="Arial" panose="020B0604020202020204"/>
+                <a:cs typeface="Arial" panose="020B0604020202020204"/>
+                <a:sym typeface="Arial" panose="020B0604020202020204"/>
               </a:defRPr>
             </a:lvl4pPr>
             <a:lvl5pPr marL="0" lvl="4" indent="0" algn="r">
@@ -5380,10 +5327,10 @@
                 <a:solidFill>
                   <a:schemeClr val="lt1"/>
                 </a:solidFill>
-                <a:latin typeface="Arial"/>
-                <a:ea typeface="Arial"/>
-                <a:cs typeface="Arial"/>
-                <a:sym typeface="Arial"/>
+                <a:latin typeface="Arial" panose="020B0604020202020204"/>
+                <a:ea typeface="Arial" panose="020B0604020202020204"/>
+                <a:cs typeface="Arial" panose="020B0604020202020204"/>
+                <a:sym typeface="Arial" panose="020B0604020202020204"/>
               </a:defRPr>
             </a:lvl5pPr>
             <a:lvl6pPr marL="0" lvl="5" indent="0" algn="r">
@@ -5395,10 +5342,10 @@
                 <a:solidFill>
                   <a:schemeClr val="lt1"/>
                 </a:solidFill>
-                <a:latin typeface="Arial"/>
-                <a:ea typeface="Arial"/>
-                <a:cs typeface="Arial"/>
-                <a:sym typeface="Arial"/>
+                <a:latin typeface="Arial" panose="020B0604020202020204"/>
+                <a:ea typeface="Arial" panose="020B0604020202020204"/>
+                <a:cs typeface="Arial" panose="020B0604020202020204"/>
+                <a:sym typeface="Arial" panose="020B0604020202020204"/>
               </a:defRPr>
             </a:lvl6pPr>
             <a:lvl7pPr marL="0" lvl="6" indent="0" algn="r">
@@ -5410,10 +5357,10 @@
                 <a:solidFill>
                   <a:schemeClr val="lt1"/>
                 </a:solidFill>
-                <a:latin typeface="Arial"/>
-                <a:ea typeface="Arial"/>
-                <a:cs typeface="Arial"/>
-                <a:sym typeface="Arial"/>
+                <a:latin typeface="Arial" panose="020B0604020202020204"/>
+                <a:ea typeface="Arial" panose="020B0604020202020204"/>
+                <a:cs typeface="Arial" panose="020B0604020202020204"/>
+                <a:sym typeface="Arial" panose="020B0604020202020204"/>
               </a:defRPr>
             </a:lvl7pPr>
             <a:lvl8pPr marL="0" lvl="7" indent="0" algn="r">
@@ -5425,10 +5372,10 @@
                 <a:solidFill>
                   <a:schemeClr val="lt1"/>
                 </a:solidFill>
-                <a:latin typeface="Arial"/>
-                <a:ea typeface="Arial"/>
-                <a:cs typeface="Arial"/>
-                <a:sym typeface="Arial"/>
+                <a:latin typeface="Arial" panose="020B0604020202020204"/>
+                <a:ea typeface="Arial" panose="020B0604020202020204"/>
+                <a:cs typeface="Arial" panose="020B0604020202020204"/>
+                <a:sym typeface="Arial" panose="020B0604020202020204"/>
               </a:defRPr>
             </a:lvl8pPr>
             <a:lvl9pPr marL="0" lvl="8" indent="0" algn="r">
@@ -5440,10 +5387,10 @@
                 <a:solidFill>
                   <a:schemeClr val="lt1"/>
                 </a:solidFill>
-                <a:latin typeface="Arial"/>
-                <a:ea typeface="Arial"/>
-                <a:cs typeface="Arial"/>
-                <a:sym typeface="Arial"/>
+                <a:latin typeface="Arial" panose="020B0604020202020204"/>
+                <a:ea typeface="Arial" panose="020B0604020202020204"/>
+                <a:cs typeface="Arial" panose="020B0604020202020204"/>
+                <a:sym typeface="Arial" panose="020B0604020202020204"/>
               </a:defRPr>
             </a:lvl9pPr>
           </a:lstStyle>
@@ -5459,9 +5406,8 @@
             </a:pPr>
             <a:fld id="{00000000-1234-1234-1234-123412341234}" type="slidenum">
               <a:rPr lang="en-GB"/>
-              <a:t>‹#›</a:t>
             </a:fld>
-            <a:endParaRPr/>
+            <a:endParaRPr lang="en-GB"/>
           </a:p>
         </p:txBody>
       </p:sp>
@@ -5472,11 +5418,11 @@
           <p:nvPr/>
         </p:nvPicPr>
         <p:blipFill rotWithShape="1">
-          <a:blip r:embed="rId2">
-            <a:alphaModFix/>
-          </a:blip>
+          <a:blip r:embed="rId2"/>
           <a:srcRect/>
-          <a:stretch/>
+          <a:stretch>
+            <a:fillRect/>
+          </a:stretch>
         </p:blipFill>
         <p:spPr>
           <a:xfrm>
@@ -5506,9 +5452,7 @@
     <p:bg>
       <p:bgPr>
         <a:blipFill>
-          <a:blip r:embed="rId2">
-            <a:alphaModFix/>
-          </a:blip>
+          <a:blip r:embed="rId2"/>
           <a:stretch>
             <a:fillRect/>
           </a:stretch>
@@ -5537,11 +5481,11 @@
           <p:nvPr/>
         </p:nvPicPr>
         <p:blipFill rotWithShape="1">
-          <a:blip r:embed="rId3">
-            <a:alphaModFix/>
-          </a:blip>
+          <a:blip r:embed="rId3"/>
           <a:srcRect/>
-          <a:stretch/>
+          <a:stretch>
+            <a:fillRect/>
+          </a:stretch>
         </p:blipFill>
         <p:spPr>
           <a:xfrm>
@@ -5566,7 +5510,7 @@
 </file>
 
 <file path=ppt/slideLayouts/slideLayout4.xml><?xml version="1.0" encoding="utf-8"?>
-<p:sldLayout xmlns:a="http://schemas.openxmlformats.org/drawingml/2006/main" xmlns:r="http://schemas.openxmlformats.org/officeDocument/2006/relationships" xmlns:p="http://schemas.openxmlformats.org/presentationml/2006/main" matchingName="Title and Two Content" type="twoObj">
+<p:sldLayout xmlns:a="http://schemas.openxmlformats.org/drawingml/2006/main" xmlns:r="http://schemas.openxmlformats.org/officeDocument/2006/relationships" xmlns:p="http://schemas.openxmlformats.org/presentationml/2006/main" type="twoObj" matchingName="Title and Two Content">
   <p:cSld name="TWO_OBJECTS">
     <p:bg>
       <p:bgPr>
@@ -5724,9 +5668,7 @@
               <a:defRPr/>
             </a:lvl9pPr>
           </a:lstStyle>
-          <a:p>
-            <a:endParaRPr/>
-          </a:p>
+          <a:p/>
         </p:txBody>
       </p:sp>
       <p:sp>
@@ -5783,7 +5725,7 @@
                 <a:spcPct val="120000"/>
               </a:lnSpc>
               <a:spcBef>
-                <a:spcPts val="992"/>
+                <a:spcPts val="990"/>
               </a:spcBef>
               <a:spcAft>
                 <a:spcPts val="0"/>
@@ -5800,7 +5742,7 @@
                 <a:spcPct val="120000"/>
               </a:lnSpc>
               <a:spcBef>
-                <a:spcPts val="992"/>
+                <a:spcPts val="990"/>
               </a:spcBef>
               <a:spcAft>
                 <a:spcPts val="0"/>
@@ -5817,7 +5759,7 @@
                 <a:spcPct val="120000"/>
               </a:lnSpc>
               <a:spcBef>
-                <a:spcPts val="992"/>
+                <a:spcPts val="990"/>
               </a:spcBef>
               <a:spcAft>
                 <a:spcPts val="0"/>
@@ -5919,9 +5861,7 @@
               <a:defRPr/>
             </a:lvl9pPr>
           </a:lstStyle>
-          <a:p>
-            <a:endParaRPr/>
-          </a:p>
+          <a:p/>
         </p:txBody>
       </p:sp>
       <p:sp>
@@ -5966,7 +5906,7 @@
                 <a:srgbClr val="203232"/>
               </a:buClr>
               <a:buSzPts val="2400"/>
-              <a:buFont typeface="Arial"/>
+              <a:buFont typeface="Arial" panose="020B0604020202020204"/>
               <a:buNone/>
               <a:defRPr b="0">
                 <a:solidFill>
@@ -5979,7 +5919,7 @@
                 <a:spcPct val="120000"/>
               </a:lnSpc>
               <a:spcBef>
-                <a:spcPts val="992"/>
+                <a:spcPts val="990"/>
               </a:spcBef>
               <a:spcAft>
                 <a:spcPts val="0"/>
@@ -5996,7 +5936,7 @@
                 <a:spcPct val="120000"/>
               </a:lnSpc>
               <a:spcBef>
-                <a:spcPts val="992"/>
+                <a:spcPts val="990"/>
               </a:spcBef>
               <a:spcAft>
                 <a:spcPts val="0"/>
@@ -6013,7 +5953,7 @@
                 <a:spcPct val="120000"/>
               </a:lnSpc>
               <a:spcBef>
-                <a:spcPts val="992"/>
+                <a:spcPts val="990"/>
               </a:spcBef>
               <a:spcAft>
                 <a:spcPts val="0"/>
@@ -6115,9 +6055,7 @@
               <a:defRPr/>
             </a:lvl9pPr>
           </a:lstStyle>
-          <a:p>
-            <a:endParaRPr/>
-          </a:p>
+          <a:p/>
         </p:txBody>
       </p:sp>
       <p:sp>
@@ -6248,9 +6186,7 @@
               <a:defRPr/>
             </a:lvl9pPr>
           </a:lstStyle>
-          <a:p>
-            <a:endParaRPr/>
-          </a:p>
+          <a:p/>
         </p:txBody>
       </p:sp>
       <p:sp>
@@ -6357,9 +6293,8 @@
             </a:pPr>
             <a:fld id="{00000000-1234-1234-1234-123412341234}" type="slidenum">
               <a:rPr lang="en-GB"/>
-              <a:t>‹#›</a:t>
             </a:fld>
-            <a:endParaRPr/>
+            <a:endParaRPr lang="en-GB"/>
           </a:p>
         </p:txBody>
       </p:sp>
@@ -6403,10 +6338,10 @@
               <a:solidFill>
                 <a:schemeClr val="accent1"/>
               </a:solidFill>
-              <a:latin typeface="Arial"/>
-              <a:ea typeface="Arial"/>
-              <a:cs typeface="Arial"/>
-              <a:sym typeface="Arial"/>
+              <a:latin typeface="Arial" panose="020B0604020202020204"/>
+              <a:ea typeface="Arial" panose="020B0604020202020204"/>
+              <a:cs typeface="Arial" panose="020B0604020202020204"/>
+              <a:sym typeface="Arial" panose="020B0604020202020204"/>
             </a:endParaRPr>
           </a:p>
         </p:txBody>
@@ -6416,32 +6351,11 @@
   <p:clrMapOvr>
     <a:masterClrMapping/>
   </p:clrMapOvr>
-  <p:extLst>
-    <p:ext uri="{DCECCB84-F9BA-43D5-87BE-67443E8EF086}">
-      <p15:sldGuideLst xmlns:p15="http://schemas.microsoft.com/office/powerpoint/2012/main">
-        <p15:guide id="1" pos="6805">
-          <p15:clr>
-            <a:srgbClr val="FBAE40"/>
-          </p15:clr>
-        </p15:guide>
-        <p15:guide id="2" pos="3989">
-          <p15:clr>
-            <a:srgbClr val="FBAE40"/>
-          </p15:clr>
-        </p15:guide>
-        <p15:guide id="3" pos="3705">
-          <p15:clr>
-            <a:srgbClr val="FBAE40"/>
-          </p15:clr>
-        </p15:guide>
-      </p15:sldGuideLst>
-    </p:ext>
-  </p:extLst>
 </p:sldLayout>
 </file>
 
 <file path=ppt/slideLayouts/slideLayout5.xml><?xml version="1.0" encoding="utf-8"?>
-<p:sldLayout xmlns:a="http://schemas.openxmlformats.org/drawingml/2006/main" xmlns:r="http://schemas.openxmlformats.org/officeDocument/2006/relationships" xmlns:p="http://schemas.openxmlformats.org/presentationml/2006/main" matchingName="Title and Content" type="obj">
+<p:sldLayout xmlns:a="http://schemas.openxmlformats.org/drawingml/2006/main" xmlns:r="http://schemas.openxmlformats.org/officeDocument/2006/relationships" xmlns:p="http://schemas.openxmlformats.org/presentationml/2006/main" type="obj" matchingName="Title and Content">
   <p:cSld name="OBJECT">
     <p:bg>
       <p:bgPr>
@@ -6599,9 +6513,7 @@
               <a:defRPr/>
             </a:lvl9pPr>
           </a:lstStyle>
-          <a:p>
-            <a:endParaRPr/>
-          </a:p>
+          <a:p/>
         </p:txBody>
       </p:sp>
       <p:sp>
@@ -6658,7 +6570,7 @@
                 <a:spcPct val="120000"/>
               </a:lnSpc>
               <a:spcBef>
-                <a:spcPts val="992"/>
+                <a:spcPts val="990"/>
               </a:spcBef>
               <a:spcAft>
                 <a:spcPts val="0"/>
@@ -6675,7 +6587,7 @@
                 <a:spcPct val="120000"/>
               </a:lnSpc>
               <a:spcBef>
-                <a:spcPts val="992"/>
+                <a:spcPts val="990"/>
               </a:spcBef>
               <a:spcAft>
                 <a:spcPts val="0"/>
@@ -6692,7 +6604,7 @@
                 <a:spcPct val="120000"/>
               </a:lnSpc>
               <a:spcBef>
-                <a:spcPts val="992"/>
+                <a:spcPts val="990"/>
               </a:spcBef>
               <a:spcAft>
                 <a:spcPts val="0"/>
@@ -6794,9 +6706,7 @@
               <a:defRPr/>
             </a:lvl9pPr>
           </a:lstStyle>
-          <a:p>
-            <a:endParaRPr/>
-          </a:p>
+          <a:p/>
         </p:txBody>
       </p:sp>
       <p:sp>
@@ -6927,9 +6837,7 @@
               <a:defRPr/>
             </a:lvl9pPr>
           </a:lstStyle>
-          <a:p>
-            <a:endParaRPr/>
-          </a:p>
+          <a:p/>
         </p:txBody>
       </p:sp>
       <p:sp>
@@ -7036,9 +6944,8 @@
             </a:pPr>
             <a:fld id="{00000000-1234-1234-1234-123412341234}" type="slidenum">
               <a:rPr lang="en-GB"/>
-              <a:t>‹#›</a:t>
             </a:fld>
-            <a:endParaRPr/>
+            <a:endParaRPr lang="en-GB"/>
           </a:p>
         </p:txBody>
       </p:sp>
@@ -7082,10 +6989,10 @@
               <a:solidFill>
                 <a:schemeClr val="lt1"/>
               </a:solidFill>
-              <a:latin typeface="Arial"/>
-              <a:ea typeface="Arial"/>
-              <a:cs typeface="Arial"/>
-              <a:sym typeface="Arial"/>
+              <a:latin typeface="Arial" panose="020B0604020202020204"/>
+              <a:ea typeface="Arial" panose="020B0604020202020204"/>
+              <a:cs typeface="Arial" panose="020B0604020202020204"/>
+              <a:sym typeface="Arial" panose="020B0604020202020204"/>
             </a:endParaRPr>
           </a:p>
         </p:txBody>
@@ -7257,9 +7164,7 @@
               <a:defRPr/>
             </a:lvl9pPr>
           </a:lstStyle>
-          <a:p>
-            <a:endParaRPr/>
-          </a:p>
+          <a:p/>
         </p:txBody>
       </p:sp>
       <p:sp>
@@ -7316,7 +7221,7 @@
                 <a:spcPct val="120000"/>
               </a:lnSpc>
               <a:spcBef>
-                <a:spcPts val="992"/>
+                <a:spcPts val="990"/>
               </a:spcBef>
               <a:spcAft>
                 <a:spcPts val="0"/>
@@ -7333,7 +7238,7 @@
                 <a:spcPct val="120000"/>
               </a:lnSpc>
               <a:spcBef>
-                <a:spcPts val="992"/>
+                <a:spcPts val="990"/>
               </a:spcBef>
               <a:spcAft>
                 <a:spcPts val="0"/>
@@ -7350,7 +7255,7 @@
                 <a:spcPct val="120000"/>
               </a:lnSpc>
               <a:spcBef>
-                <a:spcPts val="992"/>
+                <a:spcPts val="990"/>
               </a:spcBef>
               <a:spcAft>
                 <a:spcPts val="0"/>
@@ -7452,9 +7357,7 @@
               <a:defRPr/>
             </a:lvl9pPr>
           </a:lstStyle>
-          <a:p>
-            <a:endParaRPr/>
-          </a:p>
+          <a:p/>
         </p:txBody>
       </p:sp>
       <p:sp>
@@ -7561,9 +7464,8 @@
             </a:pPr>
             <a:fld id="{00000000-1234-1234-1234-123412341234}" type="slidenum">
               <a:rPr lang="en-GB"/>
-              <a:t>‹#›</a:t>
             </a:fld>
-            <a:endParaRPr/>
+            <a:endParaRPr lang="en-GB"/>
           </a:p>
         </p:txBody>
       </p:sp>
@@ -7607,10 +7509,10 @@
               <a:solidFill>
                 <a:schemeClr val="lt1"/>
               </a:solidFill>
-              <a:latin typeface="Arial"/>
-              <a:ea typeface="Arial"/>
-              <a:cs typeface="Arial"/>
-              <a:sym typeface="Arial"/>
+              <a:latin typeface="Arial" panose="020B0604020202020204"/>
+              <a:ea typeface="Arial" panose="020B0604020202020204"/>
+              <a:cs typeface="Arial" panose="020B0604020202020204"/>
+              <a:sym typeface="Arial" panose="020B0604020202020204"/>
             </a:endParaRPr>
           </a:p>
         </p:txBody>
@@ -7685,10 +7587,10 @@
                 <a:solidFill>
                   <a:schemeClr val="lt1"/>
                 </a:solidFill>
-                <a:latin typeface="Arial"/>
-                <a:ea typeface="Arial"/>
-                <a:cs typeface="Arial"/>
-                <a:sym typeface="Arial"/>
+                <a:latin typeface="Arial" panose="020B0604020202020204"/>
+                <a:ea typeface="Arial" panose="020B0604020202020204"/>
+                <a:cs typeface="Arial" panose="020B0604020202020204"/>
+                <a:sym typeface="Arial" panose="020B0604020202020204"/>
               </a:defRPr>
             </a:lvl1pPr>
             <a:lvl2pPr marL="0" lvl="1" indent="0" algn="r">
@@ -7700,10 +7602,10 @@
                 <a:solidFill>
                   <a:schemeClr val="lt1"/>
                 </a:solidFill>
-                <a:latin typeface="Arial"/>
-                <a:ea typeface="Arial"/>
-                <a:cs typeface="Arial"/>
-                <a:sym typeface="Arial"/>
+                <a:latin typeface="Arial" panose="020B0604020202020204"/>
+                <a:ea typeface="Arial" panose="020B0604020202020204"/>
+                <a:cs typeface="Arial" panose="020B0604020202020204"/>
+                <a:sym typeface="Arial" panose="020B0604020202020204"/>
               </a:defRPr>
             </a:lvl2pPr>
             <a:lvl3pPr marL="0" lvl="2" indent="0" algn="r">
@@ -7715,10 +7617,10 @@
                 <a:solidFill>
                   <a:schemeClr val="lt1"/>
                 </a:solidFill>
-                <a:latin typeface="Arial"/>
-                <a:ea typeface="Arial"/>
-                <a:cs typeface="Arial"/>
-                <a:sym typeface="Arial"/>
+                <a:latin typeface="Arial" panose="020B0604020202020204"/>
+                <a:ea typeface="Arial" panose="020B0604020202020204"/>
+                <a:cs typeface="Arial" panose="020B0604020202020204"/>
+                <a:sym typeface="Arial" panose="020B0604020202020204"/>
               </a:defRPr>
             </a:lvl3pPr>
             <a:lvl4pPr marL="0" lvl="3" indent="0" algn="r">
@@ -7730,10 +7632,10 @@
                 <a:solidFill>
                   <a:schemeClr val="lt1"/>
                 </a:solidFill>
-                <a:latin typeface="Arial"/>
-                <a:ea typeface="Arial"/>
-                <a:cs typeface="Arial"/>
-                <a:sym typeface="Arial"/>
+                <a:latin typeface="Arial" panose="020B0604020202020204"/>
+                <a:ea typeface="Arial" panose="020B0604020202020204"/>
+                <a:cs typeface="Arial" panose="020B0604020202020204"/>
+                <a:sym typeface="Arial" panose="020B0604020202020204"/>
               </a:defRPr>
             </a:lvl4pPr>
             <a:lvl5pPr marL="0" lvl="4" indent="0" algn="r">
@@ -7745,10 +7647,10 @@
                 <a:solidFill>
                   <a:schemeClr val="lt1"/>
                 </a:solidFill>
-                <a:latin typeface="Arial"/>
-                <a:ea typeface="Arial"/>
-                <a:cs typeface="Arial"/>
-                <a:sym typeface="Arial"/>
+                <a:latin typeface="Arial" panose="020B0604020202020204"/>
+                <a:ea typeface="Arial" panose="020B0604020202020204"/>
+                <a:cs typeface="Arial" panose="020B0604020202020204"/>
+                <a:sym typeface="Arial" panose="020B0604020202020204"/>
               </a:defRPr>
             </a:lvl5pPr>
             <a:lvl6pPr marL="0" lvl="5" indent="0" algn="r">
@@ -7760,10 +7662,10 @@
                 <a:solidFill>
                   <a:schemeClr val="lt1"/>
                 </a:solidFill>
-                <a:latin typeface="Arial"/>
-                <a:ea typeface="Arial"/>
-                <a:cs typeface="Arial"/>
-                <a:sym typeface="Arial"/>
+                <a:latin typeface="Arial" panose="020B0604020202020204"/>
+                <a:ea typeface="Arial" panose="020B0604020202020204"/>
+                <a:cs typeface="Arial" panose="020B0604020202020204"/>
+                <a:sym typeface="Arial" panose="020B0604020202020204"/>
               </a:defRPr>
             </a:lvl6pPr>
             <a:lvl7pPr marL="0" lvl="6" indent="0" algn="r">
@@ -7775,10 +7677,10 @@
                 <a:solidFill>
                   <a:schemeClr val="lt1"/>
                 </a:solidFill>
-                <a:latin typeface="Arial"/>
-                <a:ea typeface="Arial"/>
-                <a:cs typeface="Arial"/>
-                <a:sym typeface="Arial"/>
+                <a:latin typeface="Arial" panose="020B0604020202020204"/>
+                <a:ea typeface="Arial" panose="020B0604020202020204"/>
+                <a:cs typeface="Arial" panose="020B0604020202020204"/>
+                <a:sym typeface="Arial" panose="020B0604020202020204"/>
               </a:defRPr>
             </a:lvl7pPr>
             <a:lvl8pPr marL="0" lvl="7" indent="0" algn="r">
@@ -7790,10 +7692,10 @@
                 <a:solidFill>
                   <a:schemeClr val="lt1"/>
                 </a:solidFill>
-                <a:latin typeface="Arial"/>
-                <a:ea typeface="Arial"/>
-                <a:cs typeface="Arial"/>
-                <a:sym typeface="Arial"/>
+                <a:latin typeface="Arial" panose="020B0604020202020204"/>
+                <a:ea typeface="Arial" panose="020B0604020202020204"/>
+                <a:cs typeface="Arial" panose="020B0604020202020204"/>
+                <a:sym typeface="Arial" panose="020B0604020202020204"/>
               </a:defRPr>
             </a:lvl8pPr>
             <a:lvl9pPr marL="0" lvl="8" indent="0" algn="r">
@@ -7805,10 +7707,10 @@
                 <a:solidFill>
                   <a:schemeClr val="lt1"/>
                 </a:solidFill>
-                <a:latin typeface="Arial"/>
-                <a:ea typeface="Arial"/>
-                <a:cs typeface="Arial"/>
-                <a:sym typeface="Arial"/>
+                <a:latin typeface="Arial" panose="020B0604020202020204"/>
+                <a:ea typeface="Arial" panose="020B0604020202020204"/>
+                <a:cs typeface="Arial" panose="020B0604020202020204"/>
+                <a:sym typeface="Arial" panose="020B0604020202020204"/>
               </a:defRPr>
             </a:lvl9pPr>
           </a:lstStyle>
@@ -7824,9 +7726,8 @@
             </a:pPr>
             <a:fld id="{00000000-1234-1234-1234-123412341234}" type="slidenum">
               <a:rPr lang="en-GB"/>
-              <a:t>‹#›</a:t>
             </a:fld>
-            <a:endParaRPr/>
+            <a:endParaRPr lang="en-GB"/>
           </a:p>
         </p:txBody>
       </p:sp>
@@ -7884,7 +7785,7 @@
                 <a:spcPct val="120000"/>
               </a:lnSpc>
               <a:spcBef>
-                <a:spcPts val="992"/>
+                <a:spcPts val="990"/>
               </a:spcBef>
               <a:spcAft>
                 <a:spcPts val="0"/>
@@ -7905,7 +7806,7 @@
                 <a:spcPct val="120000"/>
               </a:lnSpc>
               <a:spcBef>
-                <a:spcPts val="992"/>
+                <a:spcPts val="990"/>
               </a:spcBef>
               <a:spcAft>
                 <a:spcPts val="0"/>
@@ -7926,7 +7827,7 @@
                 <a:spcPct val="120000"/>
               </a:lnSpc>
               <a:spcBef>
-                <a:spcPts val="992"/>
+                <a:spcPts val="990"/>
               </a:spcBef>
               <a:spcAft>
                 <a:spcPts val="0"/>
@@ -8032,9 +7933,7 @@
               <a:defRPr/>
             </a:lvl9pPr>
           </a:lstStyle>
-          <a:p>
-            <a:endParaRPr/>
-          </a:p>
+          <a:p/>
         </p:txBody>
       </p:sp>
       <p:sp>
@@ -8079,7 +7978,7 @@
                 <a:schemeClr val="lt1"/>
               </a:buClr>
               <a:buSzPts val="3600"/>
-              <a:buFont typeface="Arial"/>
+              <a:buFont typeface="Arial" panose="020B0604020202020204"/>
               <a:buNone/>
               <a:defRPr>
                 <a:solidFill>
@@ -8176,9 +8075,7 @@
               <a:defRPr/>
             </a:lvl9pPr>
           </a:lstStyle>
-          <a:p>
-            <a:endParaRPr/>
-          </a:p>
+          <a:p/>
         </p:txBody>
       </p:sp>
     </p:spTree>
@@ -8348,9 +8245,7 @@
               <a:defRPr/>
             </a:lvl9pPr>
           </a:lstStyle>
-          <a:p>
-            <a:endParaRPr/>
-          </a:p>
+          <a:p/>
         </p:txBody>
       </p:sp>
       <p:sp>
@@ -8407,7 +8302,7 @@
                 <a:spcPct val="120000"/>
               </a:lnSpc>
               <a:spcBef>
-                <a:spcPts val="992"/>
+                <a:spcPts val="990"/>
               </a:spcBef>
               <a:spcAft>
                 <a:spcPts val="0"/>
@@ -8424,7 +8319,7 @@
                 <a:spcPct val="120000"/>
               </a:lnSpc>
               <a:spcBef>
-                <a:spcPts val="992"/>
+                <a:spcPts val="990"/>
               </a:spcBef>
               <a:spcAft>
                 <a:spcPts val="0"/>
@@ -8441,7 +8336,7 @@
                 <a:spcPct val="120000"/>
               </a:lnSpc>
               <a:spcBef>
-                <a:spcPts val="992"/>
+                <a:spcPts val="990"/>
               </a:spcBef>
               <a:spcAft>
                 <a:spcPts val="0"/>
@@ -8543,9 +8438,7 @@
               <a:defRPr/>
             </a:lvl9pPr>
           </a:lstStyle>
-          <a:p>
-            <a:endParaRPr/>
-          </a:p>
+          <a:p/>
         </p:txBody>
       </p:sp>
       <p:sp>
@@ -8676,9 +8569,7 @@
               <a:defRPr/>
             </a:lvl9pPr>
           </a:lstStyle>
-          <a:p>
-            <a:endParaRPr/>
-          </a:p>
+          <a:p/>
         </p:txBody>
       </p:sp>
       <p:sp>
@@ -8785,9 +8676,8 @@
             </a:pPr>
             <a:fld id="{00000000-1234-1234-1234-123412341234}" type="slidenum">
               <a:rPr lang="en-GB"/>
-              <a:t>‹#›</a:t>
             </a:fld>
-            <a:endParaRPr/>
+            <a:endParaRPr lang="en-GB"/>
           </a:p>
         </p:txBody>
       </p:sp>
@@ -8855,10 +8745,10 @@
               <a:solidFill>
                 <a:schemeClr val="lt1"/>
               </a:solidFill>
-              <a:latin typeface="Arial"/>
-              <a:ea typeface="Arial"/>
-              <a:cs typeface="Arial"/>
-              <a:sym typeface="Arial"/>
+              <a:latin typeface="Arial" panose="020B0604020202020204"/>
+              <a:ea typeface="Arial" panose="020B0604020202020204"/>
+              <a:cs typeface="Arial" panose="020B0604020202020204"/>
+              <a:sym typeface="Arial" panose="020B0604020202020204"/>
             </a:endParaRPr>
           </a:p>
         </p:txBody>
@@ -9030,9 +8920,7 @@
               <a:defRPr/>
             </a:lvl9pPr>
           </a:lstStyle>
-          <a:p>
-            <a:endParaRPr/>
-          </a:p>
+          <a:p/>
         </p:txBody>
       </p:sp>
       <p:sp>
@@ -9163,9 +9051,7 @@
               <a:defRPr/>
             </a:lvl9pPr>
           </a:lstStyle>
-          <a:p>
-            <a:endParaRPr/>
-          </a:p>
+          <a:p/>
         </p:txBody>
       </p:sp>
       <p:sp>
@@ -9272,9 +9158,8 @@
             </a:pPr>
             <a:fld id="{00000000-1234-1234-1234-123412341234}" type="slidenum">
               <a:rPr lang="en-GB"/>
-              <a:t>‹#›</a:t>
             </a:fld>
-            <a:endParaRPr/>
+            <a:endParaRPr lang="en-GB"/>
           </a:p>
         </p:txBody>
       </p:sp>
@@ -9318,10 +9203,10 @@
               <a:solidFill>
                 <a:schemeClr val="lt1"/>
               </a:solidFill>
-              <a:latin typeface="Arial"/>
-              <a:ea typeface="Arial"/>
-              <a:cs typeface="Arial"/>
-              <a:sym typeface="Arial"/>
+              <a:latin typeface="Arial" panose="020B0604020202020204"/>
+              <a:ea typeface="Arial" panose="020B0604020202020204"/>
+              <a:cs typeface="Arial" panose="020B0604020202020204"/>
+              <a:sym typeface="Arial" panose="020B0604020202020204"/>
             </a:endParaRPr>
           </a:p>
         </p:txBody>
@@ -9380,7 +9265,7 @@
                 <a:spcPct val="120000"/>
               </a:lnSpc>
               <a:spcBef>
-                <a:spcPts val="992"/>
+                <a:spcPts val="990"/>
               </a:spcBef>
               <a:spcAft>
                 <a:spcPts val="0"/>
@@ -9397,7 +9282,7 @@
                 <a:spcPct val="120000"/>
               </a:lnSpc>
               <a:spcBef>
-                <a:spcPts val="992"/>
+                <a:spcPts val="990"/>
               </a:spcBef>
               <a:spcAft>
                 <a:spcPts val="0"/>
@@ -9414,7 +9299,7 @@
                 <a:spcPct val="120000"/>
               </a:lnSpc>
               <a:spcBef>
-                <a:spcPts val="992"/>
+                <a:spcPts val="990"/>
               </a:spcBef>
               <a:spcAft>
                 <a:spcPts val="0"/>
@@ -9516,9 +9401,7 @@
               <a:defRPr/>
             </a:lvl9pPr>
           </a:lstStyle>
-          <a:p>
-            <a:endParaRPr/>
-          </a:p>
+          <a:p/>
         </p:txBody>
       </p:sp>
       <p:sp>
@@ -9575,7 +9458,7 @@
                 <a:spcPct val="120000"/>
               </a:lnSpc>
               <a:spcBef>
-                <a:spcPts val="992"/>
+                <a:spcPts val="990"/>
               </a:spcBef>
               <a:spcAft>
                 <a:spcPts val="0"/>
@@ -9592,7 +9475,7 @@
                 <a:spcPct val="120000"/>
               </a:lnSpc>
               <a:spcBef>
-                <a:spcPts val="992"/>
+                <a:spcPts val="990"/>
               </a:spcBef>
               <a:spcAft>
                 <a:spcPts val="0"/>
@@ -9609,7 +9492,7 @@
                 <a:spcPct val="120000"/>
               </a:lnSpc>
               <a:spcBef>
-                <a:spcPts val="992"/>
+                <a:spcPts val="990"/>
               </a:spcBef>
               <a:spcAft>
                 <a:spcPts val="0"/>
@@ -9711,9 +9594,7 @@
               <a:defRPr/>
             </a:lvl9pPr>
           </a:lstStyle>
-          <a:p>
-            <a:endParaRPr/>
-          </a:p>
+          <a:p/>
         </p:txBody>
       </p:sp>
       <p:sp>
@@ -9770,7 +9651,7 @@
                 <a:spcPct val="120000"/>
               </a:lnSpc>
               <a:spcBef>
-                <a:spcPts val="992"/>
+                <a:spcPts val="990"/>
               </a:spcBef>
               <a:spcAft>
                 <a:spcPts val="0"/>
@@ -9787,7 +9668,7 @@
                 <a:spcPct val="120000"/>
               </a:lnSpc>
               <a:spcBef>
-                <a:spcPts val="992"/>
+                <a:spcPts val="990"/>
               </a:spcBef>
               <a:spcAft>
                 <a:spcPts val="0"/>
@@ -9804,7 +9685,7 @@
                 <a:spcPct val="120000"/>
               </a:lnSpc>
               <a:spcBef>
-                <a:spcPts val="992"/>
+                <a:spcPts val="990"/>
               </a:spcBef>
               <a:spcAft>
                 <a:spcPts val="0"/>
@@ -9906,9 +9787,7 @@
               <a:defRPr/>
             </a:lvl9pPr>
           </a:lstStyle>
-          <a:p>
-            <a:endParaRPr/>
-          </a:p>
+          <a:p/>
         </p:txBody>
       </p:sp>
     </p:spTree>
@@ -9986,16 +9865,16 @@
                 <a:srgbClr val="203232"/>
               </a:buClr>
               <a:buSzPts val="3600"/>
-              <a:buFont typeface="Arial"/>
+              <a:buFont typeface="Arial" panose="020B0604020202020204"/>
               <a:buNone/>
               <a:defRPr sz="3600" b="1" i="0" u="none" strike="noStrike" cap="none">
                 <a:solidFill>
                   <a:srgbClr val="203232"/>
                 </a:solidFill>
-                <a:latin typeface="Arial"/>
-                <a:ea typeface="Arial"/>
-                <a:cs typeface="Arial"/>
-                <a:sym typeface="Arial"/>
+                <a:latin typeface="Arial" panose="020B0604020202020204"/>
+                <a:ea typeface="Arial" panose="020B0604020202020204"/>
+                <a:cs typeface="Arial" panose="020B0604020202020204"/>
+                <a:sym typeface="Arial" panose="020B0604020202020204"/>
               </a:defRPr>
             </a:lvl1pPr>
             <a:lvl2pPr lvl="1">
@@ -10087,9 +9966,7 @@
               <a:defRPr sz="1800"/>
             </a:lvl9pPr>
           </a:lstStyle>
-          <a:p>
-            <a:endParaRPr/>
-          </a:p>
+          <a:p/>
         </p:txBody>
       </p:sp>
       <p:sp>
@@ -10134,16 +10011,16 @@
                 <a:srgbClr val="203232"/>
               </a:buClr>
               <a:buSzPts val="2400"/>
-              <a:buFont typeface="Arial"/>
+              <a:buFont typeface="Arial" panose="020B0604020202020204"/>
               <a:buNone/>
               <a:defRPr sz="2400" b="1" i="0" u="none" strike="noStrike" cap="none">
                 <a:solidFill>
                   <a:srgbClr val="203232"/>
                 </a:solidFill>
-                <a:latin typeface="Arial"/>
-                <a:ea typeface="Arial"/>
-                <a:cs typeface="Arial"/>
-                <a:sym typeface="Arial"/>
+                <a:latin typeface="Arial" panose="020B0604020202020204"/>
+                <a:ea typeface="Arial" panose="020B0604020202020204"/>
+                <a:cs typeface="Arial" panose="020B0604020202020204"/>
+                <a:sym typeface="Arial" panose="020B0604020202020204"/>
               </a:defRPr>
             </a:lvl1pPr>
             <a:lvl2pPr marL="914400" marR="0" lvl="1" indent="-228600" algn="l" rtl="0">
@@ -10151,7 +10028,7 @@
                 <a:spcPct val="120000"/>
               </a:lnSpc>
               <a:spcBef>
-                <a:spcPts val="992"/>
+                <a:spcPts val="990"/>
               </a:spcBef>
               <a:spcAft>
                 <a:spcPts val="0"/>
@@ -10160,16 +10037,16 @@
                 <a:srgbClr val="203232"/>
               </a:buClr>
               <a:buSzPts val="2400"/>
-              <a:buFont typeface="Arial"/>
+              <a:buFont typeface="Arial" panose="020B0604020202020204"/>
               <a:buNone/>
               <a:defRPr sz="2400" b="0" i="0" u="none" strike="noStrike" cap="none">
                 <a:solidFill>
                   <a:srgbClr val="203232"/>
                 </a:solidFill>
-                <a:latin typeface="Arial"/>
-                <a:ea typeface="Arial"/>
-                <a:cs typeface="Arial"/>
-                <a:sym typeface="Arial"/>
+                <a:latin typeface="Arial" panose="020B0604020202020204"/>
+                <a:ea typeface="Arial" panose="020B0604020202020204"/>
+                <a:cs typeface="Arial" panose="020B0604020202020204"/>
+                <a:sym typeface="Arial" panose="020B0604020202020204"/>
               </a:defRPr>
             </a:lvl2pPr>
             <a:lvl3pPr marL="1371600" marR="0" lvl="2" indent="-381000" algn="l" rtl="0">
@@ -10177,7 +10054,7 @@
                 <a:spcPct val="120000"/>
               </a:lnSpc>
               <a:spcBef>
-                <a:spcPts val="992"/>
+                <a:spcPts val="990"/>
               </a:spcBef>
               <a:spcAft>
                 <a:spcPts val="0"/>
@@ -10186,16 +10063,16 @@
                 <a:srgbClr val="203232"/>
               </a:buClr>
               <a:buSzPts val="2400"/>
-              <a:buFont typeface="Arial"/>
+              <a:buFont typeface="Arial" panose="020B0604020202020204"/>
               <a:buChar char="■"/>
               <a:defRPr sz="2400" b="0" i="0" u="none" strike="noStrike" cap="none">
                 <a:solidFill>
                   <a:srgbClr val="203232"/>
                 </a:solidFill>
-                <a:latin typeface="Arial"/>
-                <a:ea typeface="Arial"/>
-                <a:cs typeface="Arial"/>
-                <a:sym typeface="Arial"/>
+                <a:latin typeface="Arial" panose="020B0604020202020204"/>
+                <a:ea typeface="Arial" panose="020B0604020202020204"/>
+                <a:cs typeface="Arial" panose="020B0604020202020204"/>
+                <a:sym typeface="Arial" panose="020B0604020202020204"/>
               </a:defRPr>
             </a:lvl3pPr>
             <a:lvl4pPr marL="1828800" marR="0" lvl="3" indent="-228600" algn="l" rtl="0">
@@ -10203,7 +10080,7 @@
                 <a:spcPct val="120000"/>
               </a:lnSpc>
               <a:spcBef>
-                <a:spcPts val="992"/>
+                <a:spcPts val="990"/>
               </a:spcBef>
               <a:spcAft>
                 <a:spcPts val="0"/>
@@ -10212,16 +10089,16 @@
                 <a:srgbClr val="203232"/>
               </a:buClr>
               <a:buSzPts val="1800"/>
-              <a:buFont typeface="Arial"/>
+              <a:buFont typeface="Arial" panose="020B0604020202020204"/>
               <a:buNone/>
               <a:defRPr sz="1800" b="0" i="0" u="none" strike="noStrike" cap="none">
                 <a:solidFill>
                   <a:srgbClr val="203232"/>
                 </a:solidFill>
-                <a:latin typeface="Arial"/>
-                <a:ea typeface="Arial"/>
-                <a:cs typeface="Arial"/>
-                <a:sym typeface="Arial"/>
+                <a:latin typeface="Arial" panose="020B0604020202020204"/>
+                <a:ea typeface="Arial" panose="020B0604020202020204"/>
+                <a:cs typeface="Arial" panose="020B0604020202020204"/>
+                <a:sym typeface="Arial" panose="020B0604020202020204"/>
               </a:defRPr>
             </a:lvl4pPr>
             <a:lvl5pPr marL="2286000" marR="0" lvl="4" indent="-228600" algn="l" rtl="0">
@@ -10238,16 +10115,16 @@
                 <a:srgbClr val="203232"/>
               </a:buClr>
               <a:buSzPts val="1800"/>
-              <a:buFont typeface="Arial"/>
+              <a:buFont typeface="Arial" panose="020B0604020202020204"/>
               <a:buNone/>
               <a:defRPr sz="1800" b="1" i="0" u="none" strike="noStrike" cap="none">
                 <a:solidFill>
                   <a:srgbClr val="203232"/>
                 </a:solidFill>
-                <a:latin typeface="Arial"/>
-                <a:ea typeface="Arial"/>
-                <a:cs typeface="Arial"/>
-                <a:sym typeface="Arial"/>
+                <a:latin typeface="Arial" panose="020B0604020202020204"/>
+                <a:ea typeface="Arial" panose="020B0604020202020204"/>
+                <a:cs typeface="Arial" panose="020B0604020202020204"/>
+                <a:sym typeface="Arial" panose="020B0604020202020204"/>
               </a:defRPr>
             </a:lvl5pPr>
             <a:lvl6pPr marL="2743200" marR="0" lvl="5" indent="-342900" algn="l" rtl="0">
@@ -10264,16 +10141,16 @@
                 <a:schemeClr val="dk1"/>
               </a:buClr>
               <a:buSzPts val="1800"/>
-              <a:buFont typeface="Arial"/>
+              <a:buFont typeface="Arial" panose="020B0604020202020204"/>
               <a:buChar char="•"/>
               <a:defRPr sz="1800" b="0" i="0" u="none" strike="noStrike" cap="none">
                 <a:solidFill>
                   <a:schemeClr val="dk1"/>
                 </a:solidFill>
-                <a:latin typeface="Arial"/>
-                <a:ea typeface="Arial"/>
-                <a:cs typeface="Arial"/>
-                <a:sym typeface="Arial"/>
+                <a:latin typeface="Arial" panose="020B0604020202020204"/>
+                <a:ea typeface="Arial" panose="020B0604020202020204"/>
+                <a:cs typeface="Arial" panose="020B0604020202020204"/>
+                <a:sym typeface="Arial" panose="020B0604020202020204"/>
               </a:defRPr>
             </a:lvl6pPr>
             <a:lvl7pPr marL="3200400" marR="0" lvl="6" indent="-342900" algn="l" rtl="0">
@@ -10290,16 +10167,16 @@
                 <a:schemeClr val="dk1"/>
               </a:buClr>
               <a:buSzPts val="1800"/>
-              <a:buFont typeface="Arial"/>
+              <a:buFont typeface="Arial" panose="020B0604020202020204"/>
               <a:buChar char="•"/>
               <a:defRPr sz="1800" b="0" i="0" u="none" strike="noStrike" cap="none">
                 <a:solidFill>
                   <a:schemeClr val="dk1"/>
                 </a:solidFill>
-                <a:latin typeface="Arial"/>
-                <a:ea typeface="Arial"/>
-                <a:cs typeface="Arial"/>
-                <a:sym typeface="Arial"/>
+                <a:latin typeface="Arial" panose="020B0604020202020204"/>
+                <a:ea typeface="Arial" panose="020B0604020202020204"/>
+                <a:cs typeface="Arial" panose="020B0604020202020204"/>
+                <a:sym typeface="Arial" panose="020B0604020202020204"/>
               </a:defRPr>
             </a:lvl7pPr>
             <a:lvl8pPr marL="3657600" marR="0" lvl="7" indent="-342900" algn="l" rtl="0">
@@ -10316,16 +10193,16 @@
                 <a:schemeClr val="dk1"/>
               </a:buClr>
               <a:buSzPts val="1800"/>
-              <a:buFont typeface="Arial"/>
+              <a:buFont typeface="Arial" panose="020B0604020202020204"/>
               <a:buChar char="•"/>
               <a:defRPr sz="1800" b="0" i="0" u="none" strike="noStrike" cap="none">
                 <a:solidFill>
                   <a:schemeClr val="dk1"/>
                 </a:solidFill>
-                <a:latin typeface="Arial"/>
-                <a:ea typeface="Arial"/>
-                <a:cs typeface="Arial"/>
-                <a:sym typeface="Arial"/>
+                <a:latin typeface="Arial" panose="020B0604020202020204"/>
+                <a:ea typeface="Arial" panose="020B0604020202020204"/>
+                <a:cs typeface="Arial" panose="020B0604020202020204"/>
+                <a:sym typeface="Arial" panose="020B0604020202020204"/>
               </a:defRPr>
             </a:lvl8pPr>
             <a:lvl9pPr marL="4114800" marR="0" lvl="8" indent="-342900" algn="l" rtl="0">
@@ -10342,22 +10219,20 @@
                 <a:schemeClr val="dk1"/>
               </a:buClr>
               <a:buSzPts val="1800"/>
-              <a:buFont typeface="Arial"/>
+              <a:buFont typeface="Arial" panose="020B0604020202020204"/>
               <a:buChar char="•"/>
               <a:defRPr sz="1800" b="0" i="0" u="none" strike="noStrike" cap="none">
                 <a:solidFill>
                   <a:schemeClr val="dk1"/>
                 </a:solidFill>
-                <a:latin typeface="Arial"/>
-                <a:ea typeface="Arial"/>
-                <a:cs typeface="Arial"/>
-                <a:sym typeface="Arial"/>
+                <a:latin typeface="Arial" panose="020B0604020202020204"/>
+                <a:ea typeface="Arial" panose="020B0604020202020204"/>
+                <a:cs typeface="Arial" panose="020B0604020202020204"/>
+                <a:sym typeface="Arial" panose="020B0604020202020204"/>
               </a:defRPr>
             </a:lvl9pPr>
           </a:lstStyle>
-          <a:p>
-            <a:endParaRPr/>
-          </a:p>
+          <a:p/>
         </p:txBody>
       </p:sp>
       <p:sp>
@@ -10401,10 +10276,10 @@
                 <a:solidFill>
                   <a:srgbClr val="8A8D8D"/>
                 </a:solidFill>
-                <a:latin typeface="Arial"/>
-                <a:ea typeface="Arial"/>
-                <a:cs typeface="Arial"/>
-                <a:sym typeface="Arial"/>
+                <a:latin typeface="Arial" panose="020B0604020202020204"/>
+                <a:ea typeface="Arial" panose="020B0604020202020204"/>
+                <a:cs typeface="Arial" panose="020B0604020202020204"/>
+                <a:sym typeface="Arial" panose="020B0604020202020204"/>
               </a:defRPr>
             </a:lvl1pPr>
             <a:lvl2pPr marR="0" lvl="1" algn="l" rtl="0">
@@ -10420,10 +10295,10 @@
                 <a:solidFill>
                   <a:schemeClr val="dk1"/>
                 </a:solidFill>
-                <a:latin typeface="Arial"/>
-                <a:ea typeface="Arial"/>
-                <a:cs typeface="Arial"/>
-                <a:sym typeface="Arial"/>
+                <a:latin typeface="Arial" panose="020B0604020202020204"/>
+                <a:ea typeface="Arial" panose="020B0604020202020204"/>
+                <a:cs typeface="Arial" panose="020B0604020202020204"/>
+                <a:sym typeface="Arial" panose="020B0604020202020204"/>
               </a:defRPr>
             </a:lvl2pPr>
             <a:lvl3pPr marR="0" lvl="2" algn="l" rtl="0">
@@ -10439,10 +10314,10 @@
                 <a:solidFill>
                   <a:schemeClr val="dk1"/>
                 </a:solidFill>
-                <a:latin typeface="Arial"/>
-                <a:ea typeface="Arial"/>
-                <a:cs typeface="Arial"/>
-                <a:sym typeface="Arial"/>
+                <a:latin typeface="Arial" panose="020B0604020202020204"/>
+                <a:ea typeface="Arial" panose="020B0604020202020204"/>
+                <a:cs typeface="Arial" panose="020B0604020202020204"/>
+                <a:sym typeface="Arial" panose="020B0604020202020204"/>
               </a:defRPr>
             </a:lvl3pPr>
             <a:lvl4pPr marR="0" lvl="3" algn="l" rtl="0">
@@ -10458,10 +10333,10 @@
                 <a:solidFill>
                   <a:schemeClr val="dk1"/>
                 </a:solidFill>
-                <a:latin typeface="Arial"/>
-                <a:ea typeface="Arial"/>
-                <a:cs typeface="Arial"/>
-                <a:sym typeface="Arial"/>
+                <a:latin typeface="Arial" panose="020B0604020202020204"/>
+                <a:ea typeface="Arial" panose="020B0604020202020204"/>
+                <a:cs typeface="Arial" panose="020B0604020202020204"/>
+                <a:sym typeface="Arial" panose="020B0604020202020204"/>
               </a:defRPr>
             </a:lvl4pPr>
             <a:lvl5pPr marR="0" lvl="4" algn="l" rtl="0">
@@ -10477,10 +10352,10 @@
                 <a:solidFill>
                   <a:schemeClr val="dk1"/>
                 </a:solidFill>
-                <a:latin typeface="Arial"/>
-                <a:ea typeface="Arial"/>
-                <a:cs typeface="Arial"/>
-                <a:sym typeface="Arial"/>
+                <a:latin typeface="Arial" panose="020B0604020202020204"/>
+                <a:ea typeface="Arial" panose="020B0604020202020204"/>
+                <a:cs typeface="Arial" panose="020B0604020202020204"/>
+                <a:sym typeface="Arial" panose="020B0604020202020204"/>
               </a:defRPr>
             </a:lvl5pPr>
             <a:lvl6pPr marR="0" lvl="5" algn="l" rtl="0">
@@ -10496,10 +10371,10 @@
                 <a:solidFill>
                   <a:schemeClr val="dk1"/>
                 </a:solidFill>
-                <a:latin typeface="Arial"/>
-                <a:ea typeface="Arial"/>
-                <a:cs typeface="Arial"/>
-                <a:sym typeface="Arial"/>
+                <a:latin typeface="Arial" panose="020B0604020202020204"/>
+                <a:ea typeface="Arial" panose="020B0604020202020204"/>
+                <a:cs typeface="Arial" panose="020B0604020202020204"/>
+                <a:sym typeface="Arial" panose="020B0604020202020204"/>
               </a:defRPr>
             </a:lvl6pPr>
             <a:lvl7pPr marR="0" lvl="6" algn="l" rtl="0">
@@ -10515,10 +10390,10 @@
                 <a:solidFill>
                   <a:schemeClr val="dk1"/>
                 </a:solidFill>
-                <a:latin typeface="Arial"/>
-                <a:ea typeface="Arial"/>
-                <a:cs typeface="Arial"/>
-                <a:sym typeface="Arial"/>
+                <a:latin typeface="Arial" panose="020B0604020202020204"/>
+                <a:ea typeface="Arial" panose="020B0604020202020204"/>
+                <a:cs typeface="Arial" panose="020B0604020202020204"/>
+                <a:sym typeface="Arial" panose="020B0604020202020204"/>
               </a:defRPr>
             </a:lvl7pPr>
             <a:lvl8pPr marR="0" lvl="7" algn="l" rtl="0">
@@ -10534,10 +10409,10 @@
                 <a:solidFill>
                   <a:schemeClr val="dk1"/>
                 </a:solidFill>
-                <a:latin typeface="Arial"/>
-                <a:ea typeface="Arial"/>
-                <a:cs typeface="Arial"/>
-                <a:sym typeface="Arial"/>
+                <a:latin typeface="Arial" panose="020B0604020202020204"/>
+                <a:ea typeface="Arial" panose="020B0604020202020204"/>
+                <a:cs typeface="Arial" panose="020B0604020202020204"/>
+                <a:sym typeface="Arial" panose="020B0604020202020204"/>
               </a:defRPr>
             </a:lvl8pPr>
             <a:lvl9pPr marR="0" lvl="8" algn="l" rtl="0">
@@ -10553,16 +10428,14 @@
                 <a:solidFill>
                   <a:schemeClr val="dk1"/>
                 </a:solidFill>
-                <a:latin typeface="Arial"/>
-                <a:ea typeface="Arial"/>
-                <a:cs typeface="Arial"/>
-                <a:sym typeface="Arial"/>
+                <a:latin typeface="Arial" panose="020B0604020202020204"/>
+                <a:ea typeface="Arial" panose="020B0604020202020204"/>
+                <a:cs typeface="Arial" panose="020B0604020202020204"/>
+                <a:sym typeface="Arial" panose="020B0604020202020204"/>
               </a:defRPr>
             </a:lvl9pPr>
           </a:lstStyle>
-          <a:p>
-            <a:endParaRPr/>
-          </a:p>
+          <a:p/>
         </p:txBody>
       </p:sp>
       <p:sp>
@@ -10602,10 +10475,10 @@
                 <a:solidFill>
                   <a:srgbClr val="8A8D8D"/>
                 </a:solidFill>
-                <a:latin typeface="Arial"/>
-                <a:ea typeface="Arial"/>
-                <a:cs typeface="Arial"/>
-                <a:sym typeface="Arial"/>
+                <a:latin typeface="Arial" panose="020B0604020202020204"/>
+                <a:ea typeface="Arial" panose="020B0604020202020204"/>
+                <a:cs typeface="Arial" panose="020B0604020202020204"/>
+                <a:sym typeface="Arial" panose="020B0604020202020204"/>
               </a:defRPr>
             </a:lvl1pPr>
             <a:lvl2pPr marL="0" marR="0" lvl="1" indent="0" algn="r" rtl="0">
@@ -10617,10 +10490,10 @@
                 <a:solidFill>
                   <a:srgbClr val="8A8D8D"/>
                 </a:solidFill>
-                <a:latin typeface="Arial"/>
-                <a:ea typeface="Arial"/>
-                <a:cs typeface="Arial"/>
-                <a:sym typeface="Arial"/>
+                <a:latin typeface="Arial" panose="020B0604020202020204"/>
+                <a:ea typeface="Arial" panose="020B0604020202020204"/>
+                <a:cs typeface="Arial" panose="020B0604020202020204"/>
+                <a:sym typeface="Arial" panose="020B0604020202020204"/>
               </a:defRPr>
             </a:lvl2pPr>
             <a:lvl3pPr marL="0" marR="0" lvl="2" indent="0" algn="r" rtl="0">
@@ -10632,10 +10505,10 @@
                 <a:solidFill>
                   <a:srgbClr val="8A8D8D"/>
                 </a:solidFill>
-                <a:latin typeface="Arial"/>
-                <a:ea typeface="Arial"/>
-                <a:cs typeface="Arial"/>
-                <a:sym typeface="Arial"/>
+                <a:latin typeface="Arial" panose="020B0604020202020204"/>
+                <a:ea typeface="Arial" panose="020B0604020202020204"/>
+                <a:cs typeface="Arial" panose="020B0604020202020204"/>
+                <a:sym typeface="Arial" panose="020B0604020202020204"/>
               </a:defRPr>
             </a:lvl3pPr>
             <a:lvl4pPr marL="0" marR="0" lvl="3" indent="0" algn="r" rtl="0">
@@ -10647,10 +10520,10 @@
                 <a:solidFill>
                   <a:srgbClr val="8A8D8D"/>
                 </a:solidFill>
-                <a:latin typeface="Arial"/>
-                <a:ea typeface="Arial"/>
-                <a:cs typeface="Arial"/>
-                <a:sym typeface="Arial"/>
+                <a:latin typeface="Arial" panose="020B0604020202020204"/>
+                <a:ea typeface="Arial" panose="020B0604020202020204"/>
+                <a:cs typeface="Arial" panose="020B0604020202020204"/>
+                <a:sym typeface="Arial" panose="020B0604020202020204"/>
               </a:defRPr>
             </a:lvl4pPr>
             <a:lvl5pPr marL="0" marR="0" lvl="4" indent="0" algn="r" rtl="0">
@@ -10662,10 +10535,10 @@
                 <a:solidFill>
                   <a:srgbClr val="8A8D8D"/>
                 </a:solidFill>
-                <a:latin typeface="Arial"/>
-                <a:ea typeface="Arial"/>
-                <a:cs typeface="Arial"/>
-                <a:sym typeface="Arial"/>
+                <a:latin typeface="Arial" panose="020B0604020202020204"/>
+                <a:ea typeface="Arial" panose="020B0604020202020204"/>
+                <a:cs typeface="Arial" panose="020B0604020202020204"/>
+                <a:sym typeface="Arial" panose="020B0604020202020204"/>
               </a:defRPr>
             </a:lvl5pPr>
             <a:lvl6pPr marL="0" marR="0" lvl="5" indent="0" algn="r" rtl="0">
@@ -10677,10 +10550,10 @@
                 <a:solidFill>
                   <a:srgbClr val="8A8D8D"/>
                 </a:solidFill>
-                <a:latin typeface="Arial"/>
-                <a:ea typeface="Arial"/>
-                <a:cs typeface="Arial"/>
-                <a:sym typeface="Arial"/>
+                <a:latin typeface="Arial" panose="020B0604020202020204"/>
+                <a:ea typeface="Arial" panose="020B0604020202020204"/>
+                <a:cs typeface="Arial" panose="020B0604020202020204"/>
+                <a:sym typeface="Arial" panose="020B0604020202020204"/>
               </a:defRPr>
             </a:lvl6pPr>
             <a:lvl7pPr marL="0" marR="0" lvl="6" indent="0" algn="r" rtl="0">
@@ -10692,10 +10565,10 @@
                 <a:solidFill>
                   <a:srgbClr val="8A8D8D"/>
                 </a:solidFill>
-                <a:latin typeface="Arial"/>
-                <a:ea typeface="Arial"/>
-                <a:cs typeface="Arial"/>
-                <a:sym typeface="Arial"/>
+                <a:latin typeface="Arial" panose="020B0604020202020204"/>
+                <a:ea typeface="Arial" panose="020B0604020202020204"/>
+                <a:cs typeface="Arial" panose="020B0604020202020204"/>
+                <a:sym typeface="Arial" panose="020B0604020202020204"/>
               </a:defRPr>
             </a:lvl7pPr>
             <a:lvl8pPr marL="0" marR="0" lvl="7" indent="0" algn="r" rtl="0">
@@ -10707,10 +10580,10 @@
                 <a:solidFill>
                   <a:srgbClr val="8A8D8D"/>
                 </a:solidFill>
-                <a:latin typeface="Arial"/>
-                <a:ea typeface="Arial"/>
-                <a:cs typeface="Arial"/>
-                <a:sym typeface="Arial"/>
+                <a:latin typeface="Arial" panose="020B0604020202020204"/>
+                <a:ea typeface="Arial" panose="020B0604020202020204"/>
+                <a:cs typeface="Arial" panose="020B0604020202020204"/>
+                <a:sym typeface="Arial" panose="020B0604020202020204"/>
               </a:defRPr>
             </a:lvl8pPr>
             <a:lvl9pPr marL="0" marR="0" lvl="8" indent="0" algn="r" rtl="0">
@@ -10722,10 +10595,10 @@
                 <a:solidFill>
                   <a:srgbClr val="8A8D8D"/>
                 </a:solidFill>
-                <a:latin typeface="Arial"/>
-                <a:ea typeface="Arial"/>
-                <a:cs typeface="Arial"/>
-                <a:sym typeface="Arial"/>
+                <a:latin typeface="Arial" panose="020B0604020202020204"/>
+                <a:ea typeface="Arial" panose="020B0604020202020204"/>
+                <a:cs typeface="Arial" panose="020B0604020202020204"/>
+                <a:sym typeface="Arial" panose="020B0604020202020204"/>
               </a:defRPr>
             </a:lvl9pPr>
           </a:lstStyle>
@@ -10741,9 +10614,8 @@
             </a:pPr>
             <a:fld id="{00000000-1234-1234-1234-123412341234}" type="slidenum">
               <a:rPr lang="en-GB"/>
-              <a:t>‹#›</a:t>
             </a:fld>
-            <a:endParaRPr/>
+            <a:endParaRPr lang="en-GB"/>
           </a:p>
         </p:txBody>
       </p:sp>
@@ -10751,19 +10623,19 @@
   </p:cSld>
   <p:clrMap bg1="lt1" tx1="dk1" bg2="dk2" tx2="lt2" accent1="accent1" accent2="accent2" accent3="accent3" accent4="accent4" accent5="accent5" accent6="accent6" hlink="hlink" folHlink="folHlink"/>
   <p:sldLayoutIdLst>
-    <p:sldLayoutId id="2147483648" r:id="rId1"/>
-    <p:sldLayoutId id="2147483649" r:id="rId2"/>
-    <p:sldLayoutId id="2147483650" r:id="rId3"/>
-    <p:sldLayoutId id="2147483651" r:id="rId4"/>
-    <p:sldLayoutId id="2147483652" r:id="rId5"/>
-    <p:sldLayoutId id="2147483653" r:id="rId6"/>
-    <p:sldLayoutId id="2147483654" r:id="rId7"/>
-    <p:sldLayoutId id="2147483655" r:id="rId8"/>
-    <p:sldLayoutId id="2147483656" r:id="rId9"/>
-    <p:sldLayoutId id="2147483657" r:id="rId10"/>
-    <p:sldLayoutId id="2147483658" r:id="rId11"/>
-    <p:sldLayoutId id="2147483659" r:id="rId12"/>
-    <p:sldLayoutId id="2147483660" r:id="rId13"/>
+    <p:sldLayoutId id="2147483649" r:id="rId1"/>
+    <p:sldLayoutId id="2147483650" r:id="rId2"/>
+    <p:sldLayoutId id="2147483651" r:id="rId3"/>
+    <p:sldLayoutId id="2147483652" r:id="rId4"/>
+    <p:sldLayoutId id="2147483653" r:id="rId5"/>
+    <p:sldLayoutId id="2147483654" r:id="rId6"/>
+    <p:sldLayoutId id="2147483655" r:id="rId7"/>
+    <p:sldLayoutId id="2147483656" r:id="rId8"/>
+    <p:sldLayoutId id="2147483657" r:id="rId9"/>
+    <p:sldLayoutId id="2147483658" r:id="rId10"/>
+    <p:sldLayoutId id="2147483659" r:id="rId11"/>
+    <p:sldLayoutId id="2147483660" r:id="rId12"/>
+    <p:sldLayoutId id="2147483661" r:id="rId13"/>
   </p:sldLayoutIdLst>
   <p:hf hdr="0" ftr="0" dt="0"/>
   <p:txStyles>
@@ -10792,15 +10664,15 @@
         <a:buClr>
           <a:srgbClr val="000000"/>
         </a:buClr>
-        <a:buFont typeface="Arial"/>
+        <a:buFont typeface="Arial" panose="020B0604020202020204"/>
         <a:defRPr sz="1400" b="0" i="0" u="none" strike="noStrike" cap="none">
           <a:solidFill>
             <a:srgbClr val="000000"/>
           </a:solidFill>
-          <a:latin typeface="Arial"/>
-          <a:ea typeface="Arial"/>
-          <a:cs typeface="Arial"/>
-          <a:sym typeface="Arial"/>
+          <a:latin typeface="Arial" panose="020B0604020202020204"/>
+          <a:ea typeface="Arial" panose="020B0604020202020204"/>
+          <a:cs typeface="Arial" panose="020B0604020202020204"/>
+          <a:sym typeface="Arial" panose="020B0604020202020204"/>
         </a:defRPr>
       </a:lvl1pPr>
       <a:lvl2pPr marR="0" lvl="1" algn="l" rtl="0">
@@ -10816,15 +10688,15 @@
         <a:buClr>
           <a:srgbClr val="000000"/>
         </a:buClr>
-        <a:buFont typeface="Arial"/>
+        <a:buFont typeface="Arial" panose="020B0604020202020204"/>
         <a:defRPr sz="1400" b="0" i="0" u="none" strike="noStrike" cap="none">
           <a:solidFill>
             <a:srgbClr val="000000"/>
           </a:solidFill>
-          <a:latin typeface="Arial"/>
-          <a:ea typeface="Arial"/>
-          <a:cs typeface="Arial"/>
-          <a:sym typeface="Arial"/>
+          <a:latin typeface="Arial" panose="020B0604020202020204"/>
+          <a:ea typeface="Arial" panose="020B0604020202020204"/>
+          <a:cs typeface="Arial" panose="020B0604020202020204"/>
+          <a:sym typeface="Arial" panose="020B0604020202020204"/>
         </a:defRPr>
       </a:lvl2pPr>
       <a:lvl3pPr marR="0" lvl="2" algn="l" rtl="0">
@@ -10840,15 +10712,15 @@
         <a:buClr>
           <a:srgbClr val="000000"/>
         </a:buClr>
-        <a:buFont typeface="Arial"/>
+        <a:buFont typeface="Arial" panose="020B0604020202020204"/>
         <a:defRPr sz="1400" b="0" i="0" u="none" strike="noStrike" cap="none">
           <a:solidFill>
             <a:srgbClr val="000000"/>
           </a:solidFill>
-          <a:latin typeface="Arial"/>
-          <a:ea typeface="Arial"/>
-          <a:cs typeface="Arial"/>
-          <a:sym typeface="Arial"/>
+          <a:latin typeface="Arial" panose="020B0604020202020204"/>
+          <a:ea typeface="Arial" panose="020B0604020202020204"/>
+          <a:cs typeface="Arial" panose="020B0604020202020204"/>
+          <a:sym typeface="Arial" panose="020B0604020202020204"/>
         </a:defRPr>
       </a:lvl3pPr>
       <a:lvl4pPr marR="0" lvl="3" algn="l" rtl="0">
@@ -10864,15 +10736,15 @@
         <a:buClr>
           <a:srgbClr val="000000"/>
         </a:buClr>
-        <a:buFont typeface="Arial"/>
+        <a:buFont typeface="Arial" panose="020B0604020202020204"/>
         <a:defRPr sz="1400" b="0" i="0" u="none" strike="noStrike" cap="none">
           <a:solidFill>
             <a:srgbClr val="000000"/>
           </a:solidFill>
-          <a:latin typeface="Arial"/>
-          <a:ea typeface="Arial"/>
-          <a:cs typeface="Arial"/>
-          <a:sym typeface="Arial"/>
+          <a:latin typeface="Arial" panose="020B0604020202020204"/>
+          <a:ea typeface="Arial" panose="020B0604020202020204"/>
+          <a:cs typeface="Arial" panose="020B0604020202020204"/>
+          <a:sym typeface="Arial" panose="020B0604020202020204"/>
         </a:defRPr>
       </a:lvl4pPr>
       <a:lvl5pPr marR="0" lvl="4" algn="l" rtl="0">
@@ -10888,15 +10760,15 @@
         <a:buClr>
           <a:srgbClr val="000000"/>
         </a:buClr>
-        <a:buFont typeface="Arial"/>
+        <a:buFont typeface="Arial" panose="020B0604020202020204"/>
         <a:defRPr sz="1400" b="0" i="0" u="none" strike="noStrike" cap="none">
           <a:solidFill>
             <a:srgbClr val="000000"/>
           </a:solidFill>
-          <a:latin typeface="Arial"/>
-          <a:ea typeface="Arial"/>
-          <a:cs typeface="Arial"/>
-          <a:sym typeface="Arial"/>
+          <a:latin typeface="Arial" panose="020B0604020202020204"/>
+          <a:ea typeface="Arial" panose="020B0604020202020204"/>
+          <a:cs typeface="Arial" panose="020B0604020202020204"/>
+          <a:sym typeface="Arial" panose="020B0604020202020204"/>
         </a:defRPr>
       </a:lvl5pPr>
       <a:lvl6pPr marR="0" lvl="5" algn="l" rtl="0">
@@ -10912,15 +10784,15 @@
         <a:buClr>
           <a:srgbClr val="000000"/>
         </a:buClr>
-        <a:buFont typeface="Arial"/>
+        <a:buFont typeface="Arial" panose="020B0604020202020204"/>
         <a:defRPr sz="1400" b="0" i="0" u="none" strike="noStrike" cap="none">
           <a:solidFill>
             <a:srgbClr val="000000"/>
           </a:solidFill>
-          <a:latin typeface="Arial"/>
-          <a:ea typeface="Arial"/>
-          <a:cs typeface="Arial"/>
-          <a:sym typeface="Arial"/>
+          <a:latin typeface="Arial" panose="020B0604020202020204"/>
+          <a:ea typeface="Arial" panose="020B0604020202020204"/>
+          <a:cs typeface="Arial" panose="020B0604020202020204"/>
+          <a:sym typeface="Arial" panose="020B0604020202020204"/>
         </a:defRPr>
       </a:lvl6pPr>
       <a:lvl7pPr marR="0" lvl="6" algn="l" rtl="0">
@@ -10936,15 +10808,15 @@
         <a:buClr>
           <a:srgbClr val="000000"/>
         </a:buClr>
-        <a:buFont typeface="Arial"/>
+        <a:buFont typeface="Arial" panose="020B0604020202020204"/>
         <a:defRPr sz="1400" b="0" i="0" u="none" strike="noStrike" cap="none">
           <a:solidFill>
             <a:srgbClr val="000000"/>
           </a:solidFill>
-          <a:latin typeface="Arial"/>
-          <a:ea typeface="Arial"/>
-          <a:cs typeface="Arial"/>
-          <a:sym typeface="Arial"/>
+          <a:latin typeface="Arial" panose="020B0604020202020204"/>
+          <a:ea typeface="Arial" panose="020B0604020202020204"/>
+          <a:cs typeface="Arial" panose="020B0604020202020204"/>
+          <a:sym typeface="Arial" panose="020B0604020202020204"/>
         </a:defRPr>
       </a:lvl7pPr>
       <a:lvl8pPr marR="0" lvl="7" algn="l" rtl="0">
@@ -10960,15 +10832,15 @@
         <a:buClr>
           <a:srgbClr val="000000"/>
         </a:buClr>
-        <a:buFont typeface="Arial"/>
+        <a:buFont typeface="Arial" panose="020B0604020202020204"/>
         <a:defRPr sz="1400" b="0" i="0" u="none" strike="noStrike" cap="none">
           <a:solidFill>
             <a:srgbClr val="000000"/>
           </a:solidFill>
-          <a:latin typeface="Arial"/>
-          <a:ea typeface="Arial"/>
-          <a:cs typeface="Arial"/>
-          <a:sym typeface="Arial"/>
+          <a:latin typeface="Arial" panose="020B0604020202020204"/>
+          <a:ea typeface="Arial" panose="020B0604020202020204"/>
+          <a:cs typeface="Arial" panose="020B0604020202020204"/>
+          <a:sym typeface="Arial" panose="020B0604020202020204"/>
         </a:defRPr>
       </a:lvl8pPr>
       <a:lvl9pPr marR="0" lvl="8" algn="l" rtl="0">
@@ -10984,15 +10856,15 @@
         <a:buClr>
           <a:srgbClr val="000000"/>
         </a:buClr>
-        <a:buFont typeface="Arial"/>
+        <a:buFont typeface="Arial" panose="020B0604020202020204"/>
         <a:defRPr sz="1400" b="0" i="0" u="none" strike="noStrike" cap="none">
           <a:solidFill>
             <a:srgbClr val="000000"/>
           </a:solidFill>
-          <a:latin typeface="Arial"/>
-          <a:ea typeface="Arial"/>
-          <a:cs typeface="Arial"/>
-          <a:sym typeface="Arial"/>
+          <a:latin typeface="Arial" panose="020B0604020202020204"/>
+          <a:ea typeface="Arial" panose="020B0604020202020204"/>
+          <a:cs typeface="Arial" panose="020B0604020202020204"/>
+          <a:sym typeface="Arial" panose="020B0604020202020204"/>
         </a:defRPr>
       </a:lvl9pPr>
     </p:titleStyle>
@@ -11021,15 +10893,15 @@
         <a:buClr>
           <a:srgbClr val="000000"/>
         </a:buClr>
-        <a:buFont typeface="Arial"/>
+        <a:buFont typeface="Arial" panose="020B0604020202020204"/>
         <a:defRPr sz="1400" b="0" i="0" u="none" strike="noStrike" cap="none">
           <a:solidFill>
             <a:srgbClr val="000000"/>
           </a:solidFill>
-          <a:latin typeface="Arial"/>
-          <a:ea typeface="Arial"/>
-          <a:cs typeface="Arial"/>
-          <a:sym typeface="Arial"/>
+          <a:latin typeface="Arial" panose="020B0604020202020204"/>
+          <a:ea typeface="Arial" panose="020B0604020202020204"/>
+          <a:cs typeface="Arial" panose="020B0604020202020204"/>
+          <a:sym typeface="Arial" panose="020B0604020202020204"/>
         </a:defRPr>
       </a:lvl1pPr>
       <a:lvl2pPr marR="0" lvl="1" algn="l" rtl="0">
@@ -11045,15 +10917,15 @@
         <a:buClr>
           <a:srgbClr val="000000"/>
         </a:buClr>
-        <a:buFont typeface="Arial"/>
+        <a:buFont typeface="Arial" panose="020B0604020202020204"/>
         <a:defRPr sz="1400" b="0" i="0" u="none" strike="noStrike" cap="none">
           <a:solidFill>
             <a:srgbClr val="000000"/>
           </a:solidFill>
-          <a:latin typeface="Arial"/>
-          <a:ea typeface="Arial"/>
-          <a:cs typeface="Arial"/>
-          <a:sym typeface="Arial"/>
+          <a:latin typeface="Arial" panose="020B0604020202020204"/>
+          <a:ea typeface="Arial" panose="020B0604020202020204"/>
+          <a:cs typeface="Arial" panose="020B0604020202020204"/>
+          <a:sym typeface="Arial" panose="020B0604020202020204"/>
         </a:defRPr>
       </a:lvl2pPr>
       <a:lvl3pPr marR="0" lvl="2" algn="l" rtl="0">
@@ -11069,15 +10941,15 @@
         <a:buClr>
           <a:srgbClr val="000000"/>
         </a:buClr>
-        <a:buFont typeface="Arial"/>
+        <a:buFont typeface="Arial" panose="020B0604020202020204"/>
         <a:defRPr sz="1400" b="0" i="0" u="none" strike="noStrike" cap="none">
           <a:solidFill>
             <a:srgbClr val="000000"/>
           </a:solidFill>
-          <a:latin typeface="Arial"/>
-          <a:ea typeface="Arial"/>
-          <a:cs typeface="Arial"/>
-          <a:sym typeface="Arial"/>
+          <a:latin typeface="Arial" panose="020B0604020202020204"/>
+          <a:ea typeface="Arial" panose="020B0604020202020204"/>
+          <a:cs typeface="Arial" panose="020B0604020202020204"/>
+          <a:sym typeface="Arial" panose="020B0604020202020204"/>
         </a:defRPr>
       </a:lvl3pPr>
       <a:lvl4pPr marR="0" lvl="3" algn="l" rtl="0">
@@ -11093,15 +10965,15 @@
         <a:buClr>
           <a:srgbClr val="000000"/>
         </a:buClr>
-        <a:buFont typeface="Arial"/>
+        <a:buFont typeface="Arial" panose="020B0604020202020204"/>
         <a:defRPr sz="1400" b="0" i="0" u="none" strike="noStrike" cap="none">
           <a:solidFill>
             <a:srgbClr val="000000"/>
           </a:solidFill>
-          <a:latin typeface="Arial"/>
-          <a:ea typeface="Arial"/>
-          <a:cs typeface="Arial"/>
-          <a:sym typeface="Arial"/>
+          <a:latin typeface="Arial" panose="020B0604020202020204"/>
+          <a:ea typeface="Arial" panose="020B0604020202020204"/>
+          <a:cs typeface="Arial" panose="020B0604020202020204"/>
+          <a:sym typeface="Arial" panose="020B0604020202020204"/>
         </a:defRPr>
       </a:lvl4pPr>
       <a:lvl5pPr marR="0" lvl="4" algn="l" rtl="0">
@@ -11117,15 +10989,15 @@
         <a:buClr>
           <a:srgbClr val="000000"/>
         </a:buClr>
-        <a:buFont typeface="Arial"/>
+        <a:buFont typeface="Arial" panose="020B0604020202020204"/>
         <a:defRPr sz="1400" b="0" i="0" u="none" strike="noStrike" cap="none">
           <a:solidFill>
             <a:srgbClr val="000000"/>
           </a:solidFill>
-          <a:latin typeface="Arial"/>
-          <a:ea typeface="Arial"/>
-          <a:cs typeface="Arial"/>
-          <a:sym typeface="Arial"/>
+          <a:latin typeface="Arial" panose="020B0604020202020204"/>
+          <a:ea typeface="Arial" panose="020B0604020202020204"/>
+          <a:cs typeface="Arial" panose="020B0604020202020204"/>
+          <a:sym typeface="Arial" panose="020B0604020202020204"/>
         </a:defRPr>
       </a:lvl5pPr>
       <a:lvl6pPr marR="0" lvl="5" algn="l" rtl="0">
@@ -11141,15 +11013,15 @@
         <a:buClr>
           <a:srgbClr val="000000"/>
         </a:buClr>
-        <a:buFont typeface="Arial"/>
+        <a:buFont typeface="Arial" panose="020B0604020202020204"/>
         <a:defRPr sz="1400" b="0" i="0" u="none" strike="noStrike" cap="none">
           <a:solidFill>
             <a:srgbClr val="000000"/>
           </a:solidFill>
-          <a:latin typeface="Arial"/>
-          <a:ea typeface="Arial"/>
-          <a:cs typeface="Arial"/>
-          <a:sym typeface="Arial"/>
+          <a:latin typeface="Arial" panose="020B0604020202020204"/>
+          <a:ea typeface="Arial" panose="020B0604020202020204"/>
+          <a:cs typeface="Arial" panose="020B0604020202020204"/>
+          <a:sym typeface="Arial" panose="020B0604020202020204"/>
         </a:defRPr>
       </a:lvl6pPr>
       <a:lvl7pPr marR="0" lvl="6" algn="l" rtl="0">
@@ -11165,15 +11037,15 @@
         <a:buClr>
           <a:srgbClr val="000000"/>
         </a:buClr>
-        <a:buFont typeface="Arial"/>
+        <a:buFont typeface="Arial" panose="020B0604020202020204"/>
         <a:defRPr sz="1400" b="0" i="0" u="none" strike="noStrike" cap="none">
           <a:solidFill>
             <a:srgbClr val="000000"/>
           </a:solidFill>
-          <a:latin typeface="Arial"/>
-          <a:ea typeface="Arial"/>
-          <a:cs typeface="Arial"/>
-          <a:sym typeface="Arial"/>
+          <a:latin typeface="Arial" panose="020B0604020202020204"/>
+          <a:ea typeface="Arial" panose="020B0604020202020204"/>
+          <a:cs typeface="Arial" panose="020B0604020202020204"/>
+          <a:sym typeface="Arial" panose="020B0604020202020204"/>
         </a:defRPr>
       </a:lvl7pPr>
       <a:lvl8pPr marR="0" lvl="7" algn="l" rtl="0">
@@ -11189,15 +11061,15 @@
         <a:buClr>
           <a:srgbClr val="000000"/>
         </a:buClr>
-        <a:buFont typeface="Arial"/>
+        <a:buFont typeface="Arial" panose="020B0604020202020204"/>
         <a:defRPr sz="1400" b="0" i="0" u="none" strike="noStrike" cap="none">
           <a:solidFill>
             <a:srgbClr val="000000"/>
           </a:solidFill>
-          <a:latin typeface="Arial"/>
-          <a:ea typeface="Arial"/>
-          <a:cs typeface="Arial"/>
-          <a:sym typeface="Arial"/>
+          <a:latin typeface="Arial" panose="020B0604020202020204"/>
+          <a:ea typeface="Arial" panose="020B0604020202020204"/>
+          <a:cs typeface="Arial" panose="020B0604020202020204"/>
+          <a:sym typeface="Arial" panose="020B0604020202020204"/>
         </a:defRPr>
       </a:lvl8pPr>
       <a:lvl9pPr marR="0" lvl="8" algn="l" rtl="0">
@@ -11213,15 +11085,15 @@
         <a:buClr>
           <a:srgbClr val="000000"/>
         </a:buClr>
-        <a:buFont typeface="Arial"/>
+        <a:buFont typeface="Arial" panose="020B0604020202020204"/>
         <a:defRPr sz="1400" b="0" i="0" u="none" strike="noStrike" cap="none">
           <a:solidFill>
             <a:srgbClr val="000000"/>
           </a:solidFill>
-          <a:latin typeface="Arial"/>
-          <a:ea typeface="Arial"/>
-          <a:cs typeface="Arial"/>
-          <a:sym typeface="Arial"/>
+          <a:latin typeface="Arial" panose="020B0604020202020204"/>
+          <a:ea typeface="Arial" panose="020B0604020202020204"/>
+          <a:cs typeface="Arial" panose="020B0604020202020204"/>
+          <a:sym typeface="Arial" panose="020B0604020202020204"/>
         </a:defRPr>
       </a:lvl9pPr>
     </p:bodyStyle>
@@ -11250,15 +11122,15 @@
         <a:buClr>
           <a:srgbClr val="000000"/>
         </a:buClr>
-        <a:buFont typeface="Arial"/>
+        <a:buFont typeface="Arial" panose="020B0604020202020204"/>
         <a:defRPr sz="1400" b="0" i="0" u="none" strike="noStrike" cap="none">
           <a:solidFill>
             <a:srgbClr val="000000"/>
           </a:solidFill>
-          <a:latin typeface="Arial"/>
-          <a:ea typeface="Arial"/>
-          <a:cs typeface="Arial"/>
-          <a:sym typeface="Arial"/>
+          <a:latin typeface="Arial" panose="020B0604020202020204"/>
+          <a:ea typeface="Arial" panose="020B0604020202020204"/>
+          <a:cs typeface="Arial" panose="020B0604020202020204"/>
+          <a:sym typeface="Arial" panose="020B0604020202020204"/>
         </a:defRPr>
       </a:lvl1pPr>
       <a:lvl2pPr marR="0" lvl="1" algn="l" rtl="0">
@@ -11274,15 +11146,15 @@
         <a:buClr>
           <a:srgbClr val="000000"/>
         </a:buClr>
-        <a:buFont typeface="Arial"/>
+        <a:buFont typeface="Arial" panose="020B0604020202020204"/>
         <a:defRPr sz="1400" b="0" i="0" u="none" strike="noStrike" cap="none">
           <a:solidFill>
             <a:srgbClr val="000000"/>
           </a:solidFill>
-          <a:latin typeface="Arial"/>
-          <a:ea typeface="Arial"/>
-          <a:cs typeface="Arial"/>
-          <a:sym typeface="Arial"/>
+          <a:latin typeface="Arial" panose="020B0604020202020204"/>
+          <a:ea typeface="Arial" panose="020B0604020202020204"/>
+          <a:cs typeface="Arial" panose="020B0604020202020204"/>
+          <a:sym typeface="Arial" panose="020B0604020202020204"/>
         </a:defRPr>
       </a:lvl2pPr>
       <a:lvl3pPr marR="0" lvl="2" algn="l" rtl="0">
@@ -11298,15 +11170,15 @@
         <a:buClr>
           <a:srgbClr val="000000"/>
         </a:buClr>
-        <a:buFont typeface="Arial"/>
+        <a:buFont typeface="Arial" panose="020B0604020202020204"/>
         <a:defRPr sz="1400" b="0" i="0" u="none" strike="noStrike" cap="none">
           <a:solidFill>
             <a:srgbClr val="000000"/>
           </a:solidFill>
-          <a:latin typeface="Arial"/>
-          <a:ea typeface="Arial"/>
-          <a:cs typeface="Arial"/>
-          <a:sym typeface="Arial"/>
+          <a:latin typeface="Arial" panose="020B0604020202020204"/>
+          <a:ea typeface="Arial" panose="020B0604020202020204"/>
+          <a:cs typeface="Arial" panose="020B0604020202020204"/>
+          <a:sym typeface="Arial" panose="020B0604020202020204"/>
         </a:defRPr>
       </a:lvl3pPr>
       <a:lvl4pPr marR="0" lvl="3" algn="l" rtl="0">
@@ -11322,15 +11194,15 @@
         <a:buClr>
           <a:srgbClr val="000000"/>
         </a:buClr>
-        <a:buFont typeface="Arial"/>
+        <a:buFont typeface="Arial" panose="020B0604020202020204"/>
         <a:defRPr sz="1400" b="0" i="0" u="none" strike="noStrike" cap="none">
           <a:solidFill>
             <a:srgbClr val="000000"/>
           </a:solidFill>
-          <a:latin typeface="Arial"/>
-          <a:ea typeface="Arial"/>
-          <a:cs typeface="Arial"/>
-          <a:sym typeface="Arial"/>
+          <a:latin typeface="Arial" panose="020B0604020202020204"/>
+          <a:ea typeface="Arial" panose="020B0604020202020204"/>
+          <a:cs typeface="Arial" panose="020B0604020202020204"/>
+          <a:sym typeface="Arial" panose="020B0604020202020204"/>
         </a:defRPr>
       </a:lvl4pPr>
       <a:lvl5pPr marR="0" lvl="4" algn="l" rtl="0">
@@ -11346,15 +11218,15 @@
         <a:buClr>
           <a:srgbClr val="000000"/>
         </a:buClr>
-        <a:buFont typeface="Arial"/>
+        <a:buFont typeface="Arial" panose="020B0604020202020204"/>
         <a:defRPr sz="1400" b="0" i="0" u="none" strike="noStrike" cap="none">
           <a:solidFill>
             <a:srgbClr val="000000"/>
           </a:solidFill>
-          <a:latin typeface="Arial"/>
-          <a:ea typeface="Arial"/>
-          <a:cs typeface="Arial"/>
-          <a:sym typeface="Arial"/>
+          <a:latin typeface="Arial" panose="020B0604020202020204"/>
+          <a:ea typeface="Arial" panose="020B0604020202020204"/>
+          <a:cs typeface="Arial" panose="020B0604020202020204"/>
+          <a:sym typeface="Arial" panose="020B0604020202020204"/>
         </a:defRPr>
       </a:lvl5pPr>
       <a:lvl6pPr marR="0" lvl="5" algn="l" rtl="0">
@@ -11370,15 +11242,15 @@
         <a:buClr>
           <a:srgbClr val="000000"/>
         </a:buClr>
-        <a:buFont typeface="Arial"/>
+        <a:buFont typeface="Arial" panose="020B0604020202020204"/>
         <a:defRPr sz="1400" b="0" i="0" u="none" strike="noStrike" cap="none">
           <a:solidFill>
             <a:srgbClr val="000000"/>
           </a:solidFill>
-          <a:latin typeface="Arial"/>
-          <a:ea typeface="Arial"/>
-          <a:cs typeface="Arial"/>
-          <a:sym typeface="Arial"/>
+          <a:latin typeface="Arial" panose="020B0604020202020204"/>
+          <a:ea typeface="Arial" panose="020B0604020202020204"/>
+          <a:cs typeface="Arial" panose="020B0604020202020204"/>
+          <a:sym typeface="Arial" panose="020B0604020202020204"/>
         </a:defRPr>
       </a:lvl6pPr>
       <a:lvl7pPr marR="0" lvl="6" algn="l" rtl="0">
@@ -11394,15 +11266,15 @@
         <a:buClr>
           <a:srgbClr val="000000"/>
         </a:buClr>
-        <a:buFont typeface="Arial"/>
+        <a:buFont typeface="Arial" panose="020B0604020202020204"/>
         <a:defRPr sz="1400" b="0" i="0" u="none" strike="noStrike" cap="none">
           <a:solidFill>
             <a:srgbClr val="000000"/>
           </a:solidFill>
-          <a:latin typeface="Arial"/>
-          <a:ea typeface="Arial"/>
-          <a:cs typeface="Arial"/>
-          <a:sym typeface="Arial"/>
+          <a:latin typeface="Arial" panose="020B0604020202020204"/>
+          <a:ea typeface="Arial" panose="020B0604020202020204"/>
+          <a:cs typeface="Arial" panose="020B0604020202020204"/>
+          <a:sym typeface="Arial" panose="020B0604020202020204"/>
         </a:defRPr>
       </a:lvl7pPr>
       <a:lvl8pPr marR="0" lvl="7" algn="l" rtl="0">
@@ -11418,15 +11290,15 @@
         <a:buClr>
           <a:srgbClr val="000000"/>
         </a:buClr>
-        <a:buFont typeface="Arial"/>
+        <a:buFont typeface="Arial" panose="020B0604020202020204"/>
         <a:defRPr sz="1400" b="0" i="0" u="none" strike="noStrike" cap="none">
           <a:solidFill>
             <a:srgbClr val="000000"/>
           </a:solidFill>
-          <a:latin typeface="Arial"/>
-          <a:ea typeface="Arial"/>
-          <a:cs typeface="Arial"/>
-          <a:sym typeface="Arial"/>
+          <a:latin typeface="Arial" panose="020B0604020202020204"/>
+          <a:ea typeface="Arial" panose="020B0604020202020204"/>
+          <a:cs typeface="Arial" panose="020B0604020202020204"/>
+          <a:sym typeface="Arial" panose="020B0604020202020204"/>
         </a:defRPr>
       </a:lvl8pPr>
       <a:lvl9pPr marR="0" lvl="8" algn="l" rtl="0">
@@ -11442,65 +11314,19 @@
         <a:buClr>
           <a:srgbClr val="000000"/>
         </a:buClr>
-        <a:buFont typeface="Arial"/>
+        <a:buFont typeface="Arial" panose="020B0604020202020204"/>
         <a:defRPr sz="1400" b="0" i="0" u="none" strike="noStrike" cap="none">
           <a:solidFill>
             <a:srgbClr val="000000"/>
           </a:solidFill>
-          <a:latin typeface="Arial"/>
-          <a:ea typeface="Arial"/>
-          <a:cs typeface="Arial"/>
-          <a:sym typeface="Arial"/>
+          <a:latin typeface="Arial" panose="020B0604020202020204"/>
+          <a:ea typeface="Arial" panose="020B0604020202020204"/>
+          <a:cs typeface="Arial" panose="020B0604020202020204"/>
+          <a:sym typeface="Arial" panose="020B0604020202020204"/>
         </a:defRPr>
       </a:lvl9pPr>
     </p:otherStyle>
   </p:txStyles>
-  <p:extLst>
-    <p:ext uri="{27BBF7A9-308A-43DC-89C8-2F10F3537804}">
-      <p15:sldGuideLst xmlns:p15="http://schemas.microsoft.com/office/powerpoint/2012/main">
-        <p15:guide id="1" pos="3840">
-          <p15:clr>
-            <a:srgbClr val="F26B43"/>
-          </p15:clr>
-        </p15:guide>
-        <p15:guide id="2" pos="604">
-          <p15:clr>
-            <a:srgbClr val="F26B43"/>
-          </p15:clr>
-        </p15:guide>
-        <p15:guide id="3" pos="7076">
-          <p15:clr>
-            <a:srgbClr val="F26B43"/>
-          </p15:clr>
-        </p15:guide>
-        <p15:guide id="4" orient="horz" pos="2160">
-          <p15:clr>
-            <a:srgbClr val="F26B43"/>
-          </p15:clr>
-        </p15:guide>
-        <p15:guide id="5" orient="horz">
-          <p15:clr>
-            <a:srgbClr val="F26B43"/>
-          </p15:clr>
-        </p15:guide>
-        <p15:guide id="6" orient="horz" pos="604">
-          <p15:clr>
-            <a:srgbClr val="F26B43"/>
-          </p15:clr>
-        </p15:guide>
-        <p15:guide id="7" orient="horz" pos="3712">
-          <p15:clr>
-            <a:srgbClr val="F26B43"/>
-          </p15:clr>
-        </p15:guide>
-        <p15:guide id="8" orient="horz" pos="1180">
-          <p15:clr>
-            <a:srgbClr val="F26B43"/>
-          </p15:clr>
-        </p15:guide>
-      </p15:sldGuideLst>
-    </p:ext>
-  </p:extLst>
 </p:sldMaster>
 </file>
 
@@ -11510,9 +11336,7 @@
     <p:bg>
       <p:bgPr>
         <a:blipFill>
-          <a:blip r:embed="rId3">
-            <a:alphaModFix/>
-          </a:blip>
+          <a:blip r:embed="rId1"/>
           <a:stretch>
             <a:fillRect/>
           </a:stretch>
@@ -11577,31 +11401,31 @@
                 <a:schemeClr val="lt1"/>
               </a:buClr>
               <a:buSzPct val="100000"/>
-              <a:buFont typeface="Arial"/>
+              <a:buFont typeface="Arial" panose="020B0604020202020204"/>
               <a:buNone/>
             </a:pPr>
             <a:r>
-              <a:rPr lang="en-GB"/>
+              <a:rPr lang="en-GB" dirty="0"/>
               <a:t>Research Question – </a:t>
             </a:r>
             <a:br>
-              <a:rPr lang="en-GB"/>
+              <a:rPr lang="en-GB" dirty="0"/>
             </a:br>
             <a:r>
-              <a:rPr lang="en-GB" sz="4000"/>
+              <a:rPr lang="en-GB" sz="4000" dirty="0"/>
               <a:t>Tutorial Presentation for Feedback</a:t>
             </a:r>
             <a:br>
-              <a:rPr lang="en-GB" sz="4000"/>
+              <a:rPr lang="en-GB" sz="4000" dirty="0"/>
             </a:br>
             <a:r>
-              <a:rPr lang="en-GB" sz="2200"/>
-              <a:t>Date:</a:t>
+              <a:rPr lang="en-GB" sz="2200" dirty="0"/>
+              <a:t>Date: 14/11/2014</a:t>
             </a:r>
             <a:br>
-              <a:rPr lang="en-GB" sz="8000"/>
+              <a:rPr lang="en-GB" sz="8000" dirty="0"/>
             </a:br>
-            <a:endParaRPr/>
+            <a:endParaRPr dirty="0"/>
           </a:p>
         </p:txBody>
       </p:sp>
@@ -11617,8 +11441,8 @@
         </p:nvSpPr>
         <p:spPr>
           <a:xfrm>
-            <a:off x="954000" y="1890000"/>
-            <a:ext cx="10031156" cy="360000"/>
+            <a:off x="953770" y="1889760"/>
+            <a:ext cx="10194290" cy="360045"/>
           </a:xfrm>
           <a:prstGeom prst="rect">
             <a:avLst/>
@@ -11652,9 +11476,16 @@
             </a:pPr>
             <a:r>
               <a:rPr lang="en-GB" sz="2000" dirty="0"/>
-              <a:t>Group Name: A 238                      Name of Student Presenting:  Esika Arifin Rumky</a:t>
+              <a:t>Group Name: A 238                          Name of Student Presenting: Precious Azubuike I.</a:t>
             </a:r>
-            <a:endParaRPr dirty="0"/>
+            <a:endParaRPr dirty="0">
+              <a:solidFill>
+                <a:srgbClr val="FF0000"/>
+              </a:solidFill>
+              <a:highlight>
+                <a:srgbClr val="FFFF00"/>
+              </a:highlight>
+            </a:endParaRPr>
           </a:p>
         </p:txBody>
       </p:sp>
@@ -11697,10 +11528,172 @@
               <a:buNone/>
             </a:pPr>
             <a:r>
-              <a:rPr lang="en-GB"/>
-              <a:t>7COM1079-2024  Student Group No: A238                   Names of Student Attendees  (Esika Arifin Rumky,): </a:t>
+              <a:rPr lang="en-GB" dirty="0"/>
+              <a:t>7COM1079-2024  Student Group No: A238</a:t>
             </a:r>
-            <a:endParaRPr/>
+            <a:endParaRPr dirty="0"/>
+          </a:p>
+        </p:txBody>
+      </p:sp>
+      <p:sp>
+        <p:nvSpPr>
+          <p:cNvPr id="5" name="TextBox 4"/>
+          <p:cNvSpPr txBox="1"/>
+          <p:nvPr/>
+        </p:nvSpPr>
+        <p:spPr>
+          <a:xfrm>
+            <a:off x="5527040" y="223520"/>
+            <a:ext cx="6167120" cy="783590"/>
+          </a:xfrm>
+          <a:prstGeom prst="rect">
+            <a:avLst/>
+          </a:prstGeom>
+          <a:noFill/>
+        </p:spPr>
+        <p:txBody>
+          <a:bodyPr wrap="square">
+            <a:spAutoFit/>
+          </a:bodyPr>
+          <a:lstStyle/>
+          <a:p>
+            <a:r>
+              <a:rPr kumimoji="0" lang="en-GB" sz="1500" b="0" i="0" u="none" strike="noStrike" kern="0" cap="none" spc="0" normalizeH="0" baseline="0" noProof="0" dirty="0">
+                <a:ln>
+                  <a:noFill/>
+                </a:ln>
+                <a:solidFill>
+                  <a:srgbClr val="FFFFFF"/>
+                </a:solidFill>
+                <a:effectLst/>
+                <a:uLnTx/>
+                <a:uFillTx/>
+                <a:latin typeface="Arial" panose="020B0604020202020204"/>
+                <a:cs typeface="Arial" panose="020B0604020202020204"/>
+                <a:sym typeface="Arial" panose="020B0604020202020204"/>
+              </a:rPr>
+              <a:t>Names of Student Attendees: </a:t>
+            </a:r>
+            <a:r>
+              <a:rPr kumimoji="0" lang="en-GB" sz="1500" b="0" i="0" u="none" strike="noStrike" kern="0" cap="none" spc="0" normalizeH="0" baseline="0" noProof="0" dirty="0" err="1">
+                <a:ln>
+                  <a:noFill/>
+                </a:ln>
+                <a:solidFill>
+                  <a:srgbClr val="FFFFFF"/>
+                </a:solidFill>
+                <a:effectLst/>
+                <a:uLnTx/>
+                <a:uFillTx/>
+                <a:latin typeface="Arial" panose="020B0604020202020204"/>
+                <a:cs typeface="Arial" panose="020B0604020202020204"/>
+                <a:sym typeface="Arial" panose="020B0604020202020204"/>
+              </a:rPr>
+              <a:t>Esika</a:t>
+            </a:r>
+            <a:r>
+              <a:rPr kumimoji="0" lang="en-GB" sz="1500" b="0" i="0" u="none" strike="noStrike" kern="0" cap="none" spc="0" normalizeH="0" baseline="0" noProof="0" dirty="0">
+                <a:ln>
+                  <a:noFill/>
+                </a:ln>
+                <a:solidFill>
+                  <a:srgbClr val="FFFFFF"/>
+                </a:solidFill>
+                <a:effectLst/>
+                <a:uLnTx/>
+                <a:uFillTx/>
+                <a:latin typeface="Arial" panose="020B0604020202020204"/>
+                <a:cs typeface="Arial" panose="020B0604020202020204"/>
+                <a:sym typeface="Arial" panose="020B0604020202020204"/>
+              </a:rPr>
+              <a:t> Arifin </a:t>
+            </a:r>
+            <a:r>
+              <a:rPr kumimoji="0" lang="en-GB" sz="1500" b="0" i="0" u="none" strike="noStrike" kern="0" cap="none" spc="0" normalizeH="0" baseline="0" noProof="0" dirty="0" err="1">
+                <a:ln>
+                  <a:noFill/>
+                </a:ln>
+                <a:solidFill>
+                  <a:srgbClr val="FFFFFF"/>
+                </a:solidFill>
+                <a:effectLst/>
+                <a:uLnTx/>
+                <a:uFillTx/>
+                <a:latin typeface="Arial" panose="020B0604020202020204"/>
+                <a:cs typeface="Arial" panose="020B0604020202020204"/>
+                <a:sym typeface="Arial" panose="020B0604020202020204"/>
+              </a:rPr>
+              <a:t>Rumky</a:t>
+            </a:r>
+            <a:r>
+              <a:rPr kumimoji="0" lang="en-GB" sz="1500" b="0" i="0" u="none" strike="noStrike" kern="0" cap="none" spc="0" normalizeH="0" baseline="0" noProof="0" dirty="0">
+                <a:ln>
+                  <a:noFill/>
+                </a:ln>
+                <a:solidFill>
+                  <a:srgbClr val="FFFFFF"/>
+                </a:solidFill>
+                <a:effectLst/>
+                <a:uLnTx/>
+                <a:uFillTx/>
+                <a:latin typeface="Arial" panose="020B0604020202020204"/>
+                <a:cs typeface="Arial" panose="020B0604020202020204"/>
+                <a:sym typeface="Arial" panose="020B0604020202020204"/>
+              </a:rPr>
+              <a:t>, Jason Banks, Azubuike Precious </a:t>
+            </a:r>
+            <a:r>
+              <a:rPr kumimoji="0" lang="en-GB" sz="1500" b="0" i="0" u="none" strike="noStrike" kern="0" cap="none" spc="0" normalizeH="0" baseline="0" noProof="0" dirty="0" err="1">
+                <a:ln>
+                  <a:noFill/>
+                </a:ln>
+                <a:solidFill>
+                  <a:srgbClr val="FFFFFF"/>
+                </a:solidFill>
+                <a:effectLst/>
+                <a:uLnTx/>
+                <a:uFillTx/>
+                <a:latin typeface="Arial" panose="020B0604020202020204"/>
+                <a:cs typeface="Arial" panose="020B0604020202020204"/>
+                <a:sym typeface="Arial" panose="020B0604020202020204"/>
+              </a:rPr>
+              <a:t>Iheayichukwu</a:t>
+            </a:r>
+            <a:r>
+              <a:rPr kumimoji="0" lang="en-GB" sz="1500" b="0" i="0" u="none" strike="noStrike" kern="0" cap="none" spc="0" normalizeH="0" baseline="0" noProof="0" dirty="0">
+                <a:ln>
+                  <a:noFill/>
+                </a:ln>
+                <a:solidFill>
+                  <a:srgbClr val="FFFFFF"/>
+                </a:solidFill>
+                <a:effectLst/>
+                <a:uLnTx/>
+                <a:uFillTx/>
+                <a:latin typeface="Arial" panose="020B0604020202020204"/>
+                <a:cs typeface="Arial" panose="020B0604020202020204"/>
+                <a:sym typeface="Arial" panose="020B0604020202020204"/>
+              </a:rPr>
+              <a:t>, MD Humayun Kibria Shakib, </a:t>
+            </a:r>
+            <a:r>
+              <a:rPr kumimoji="0" lang="en-GB" sz="1500" b="0" i="0" u="none" strike="noStrike" kern="0" cap="none" spc="0" normalizeH="0" baseline="0" noProof="0" dirty="0" err="1">
+                <a:ln>
+                  <a:noFill/>
+                </a:ln>
+                <a:solidFill>
+                  <a:srgbClr val="FFFFFF"/>
+                </a:solidFill>
+                <a:effectLst/>
+                <a:uLnTx/>
+                <a:uFillTx/>
+                <a:latin typeface="Arial" panose="020B0604020202020204"/>
+                <a:cs typeface="Arial" panose="020B0604020202020204"/>
+                <a:sym typeface="Arial" panose="020B0604020202020204"/>
+              </a:rPr>
+              <a:t>Hodan Abdi</a:t>
+            </a:r>
+            <a:endParaRPr lang="en-GB" dirty="0"/>
           </a:p>
         </p:txBody>
       </p:sp>
@@ -11775,11 +11768,11 @@
               <a:buNone/>
             </a:pPr>
             <a:r>
-              <a:rPr lang="en-GB"/>
+              <a:rPr lang="en-GB" dirty="0"/>
               <a:t>Dataset </a:t>
             </a:r>
             <a:r>
-              <a:rPr lang="en-GB">
+              <a:rPr lang="en-GB" dirty="0">
                 <a:solidFill>
                   <a:srgbClr val="203232"/>
                 </a:solidFill>
@@ -11787,43 +11780,28 @@
               <a:t>ID</a:t>
             </a:r>
             <a:r>
-              <a:rPr lang="en-GB" sz="1600">
-                <a:solidFill>
-                  <a:srgbClr val="FF0000"/>
-                </a:solidFill>
-              </a:rPr>
-              <a:t>:   </a:t>
+              <a:rPr lang="en-GB" dirty="0"/>
+              <a:t>:</a:t>
             </a:r>
             <a:r>
-              <a:rPr lang="en-GB" sz="2400">
+              <a:rPr lang="en-GB" sz="1600" dirty="0">
                 <a:solidFill>
                   <a:srgbClr val="FF0000"/>
                 </a:solidFill>
               </a:rPr>
-              <a:t>DS161 </a:t>
+              <a:t>   </a:t>
             </a:r>
             <a:r>
-              <a:rPr lang="en-GB" sz="2400">
-                <a:solidFill>
-                  <a:srgbClr val="000000"/>
+              <a:rPr lang="en-GB" sz="2400" dirty="0">
+                <a:solidFill>
+                  <a:srgbClr val="FF0000"/>
                 </a:solidFill>
               </a:rPr>
-              <a:t>(L</a:t>
+              <a:t>DS161 London Borough Demographics</a:t>
             </a:r>
-            <a:r>
-              <a:rPr lang="en-GB" sz="2700">
-                <a:solidFill>
-                  <a:srgbClr val="000000"/>
-                </a:solidFill>
-                <a:highlight>
-                  <a:srgbClr val="FFFFFF"/>
-                </a:highlight>
-              </a:rPr>
-              <a:t>ondon-borough-profiles-2016 )</a:t>
-            </a:r>
-            <a:endParaRPr sz="2400">
+            <a:endParaRPr sz="2400" dirty="0">
               <a:solidFill>
-                <a:srgbClr val="000000"/>
+                <a:srgbClr val="FF0000"/>
               </a:solidFill>
             </a:endParaRPr>
           </a:p>
@@ -11844,7 +11822,7 @@
               <a:buSzPts val="3600"/>
               <a:buNone/>
             </a:pPr>
-            <a:endParaRPr sz="2400">
+            <a:endParaRPr sz="2400" dirty="0">
               <a:solidFill>
                 <a:srgbClr val="FF0000"/>
               </a:solidFill>
@@ -11891,10 +11869,10 @@
               <a:buNone/>
             </a:pPr>
             <a:r>
-              <a:rPr lang="en-GB"/>
-              <a:t>7COM1079-2024  Student Group No: A 331                   Names of Student Group Attendees: </a:t>
+              <a:rPr lang="en-GB" dirty="0"/>
+              <a:t>7COM1079-2024  Student Group No: A 238</a:t>
             </a:r>
-            <a:endParaRPr/>
+            <a:endParaRPr dirty="0"/>
           </a:p>
         </p:txBody>
       </p:sp>
@@ -11940,7 +11918,7 @@
               <a:rPr lang="en-GB"/>
               <a:t>2</a:t>
             </a:r>
-            <a:endParaRPr/>
+            <a:endParaRPr lang="en-GB"/>
           </a:p>
         </p:txBody>
       </p:sp>
@@ -11956,7 +11934,7 @@
         </p:nvSpPr>
         <p:spPr>
           <a:xfrm>
-            <a:off x="965288" y="1698305"/>
+            <a:off x="965288" y="1860865"/>
             <a:ext cx="10974945" cy="2699181"/>
           </a:xfrm>
           <a:prstGeom prst="rect">
@@ -11987,23 +11965,23 @@
                 <a:schemeClr val="dk1"/>
               </a:buClr>
               <a:buSzPts val="2400"/>
-              <a:buFont typeface="Calibri"/>
+              <a:buFont typeface="Calibri" panose="020F0502020204030204"/>
               <a:buNone/>
             </a:pPr>
             <a:r>
-              <a:rPr lang="en-GB" sz="2400" b="0">
-                <a:latin typeface="Calibri"/>
-                <a:ea typeface="Calibri"/>
-                <a:cs typeface="Calibri"/>
-                <a:sym typeface="Calibri"/>
+              <a:rPr lang="en-GB" sz="2400" b="0" dirty="0">
+                <a:latin typeface="Calibri" panose="020F0502020204030204"/>
+                <a:ea typeface="Calibri" panose="020F0502020204030204"/>
+                <a:cs typeface="Calibri" panose="020F0502020204030204"/>
+                <a:sym typeface="Calibri" panose="020F0502020204030204"/>
               </a:rPr>
-              <a:t>This dataset is interesting because it provides comprehensive insights into the socioeconomic and demographic characteristics of London boroughs. It allows for analyzing how factors like population density, employment rates, and greenspace influence key outcomes such as house prices, providing a deeper understanding of urban living conditions and economic trends.</a:t>
+              <a:t>This dataset is interesting because it provides comprehensive insights into the socioeconomic and demographic characteristics of London’s boroughs. It allows for analysing how factors like population density, employment rates, and greenspace influence key outcomes such as house prices, providing a deeper understanding of urban living conditions and economic trends.</a:t>
             </a:r>
-            <a:endParaRPr sz="2400" b="0">
-              <a:latin typeface="Calibri"/>
-              <a:ea typeface="Calibri"/>
-              <a:cs typeface="Calibri"/>
-              <a:sym typeface="Calibri"/>
+            <a:endParaRPr sz="2400" b="0" dirty="0">
+              <a:latin typeface="Calibri" panose="020F0502020204030204"/>
+              <a:ea typeface="Calibri" panose="020F0502020204030204"/>
+              <a:cs typeface="Calibri" panose="020F0502020204030204"/>
+              <a:sym typeface="Calibri" panose="020F0502020204030204"/>
             </a:endParaRPr>
           </a:p>
           <a:p>
@@ -12021,37 +11999,37 @@
                 <a:schemeClr val="dk1"/>
               </a:buClr>
               <a:buSzPts val="2400"/>
-              <a:buFont typeface="Calibri"/>
+              <a:buFont typeface="Calibri" panose="020F0502020204030204"/>
               <a:buNone/>
             </a:pPr>
             <a:br>
-              <a:rPr lang="en-GB" sz="2400" b="0">
-                <a:latin typeface="Calibri"/>
-                <a:ea typeface="Calibri"/>
-                <a:cs typeface="Calibri"/>
-                <a:sym typeface="Calibri"/>
+              <a:rPr lang="en-GB" sz="2400" b="0" dirty="0">
+                <a:latin typeface="Calibri" panose="020F0502020204030204"/>
+                <a:ea typeface="Calibri" panose="020F0502020204030204"/>
+                <a:cs typeface="Calibri" panose="020F0502020204030204"/>
+                <a:sym typeface="Calibri" panose="020F0502020204030204"/>
               </a:rPr>
             </a:br>
             <a:r>
-              <a:rPr lang="en-GB" sz="2400" b="0" i="1">
+              <a:rPr lang="en-GB" sz="2400" b="0" i="1" dirty="0">
                 <a:solidFill>
                   <a:srgbClr val="008AAB"/>
                 </a:solidFill>
-                <a:latin typeface="Calibri"/>
-                <a:ea typeface="Calibri"/>
-                <a:cs typeface="Calibri"/>
-                <a:sym typeface="Calibri"/>
+                <a:latin typeface="Calibri" panose="020F0502020204030204"/>
+                <a:ea typeface="Calibri" panose="020F0502020204030204"/>
+                <a:cs typeface="Calibri" panose="020F0502020204030204"/>
+                <a:sym typeface="Calibri" panose="020F0502020204030204"/>
               </a:rPr>
-              <a:t>ONE independent: Population density (per hectare) 2016</a:t>
+              <a:t>ONE independent: Population density (people per hectare), 2016</a:t>
             </a:r>
-            <a:endParaRPr sz="2400" b="0" i="1">
+            <a:endParaRPr sz="2400" b="0" i="1" dirty="0">
               <a:solidFill>
                 <a:srgbClr val="008AAB"/>
               </a:solidFill>
-              <a:latin typeface="Calibri"/>
-              <a:ea typeface="Calibri"/>
-              <a:cs typeface="Calibri"/>
-              <a:sym typeface="Calibri"/>
+              <a:latin typeface="Calibri" panose="020F0502020204030204"/>
+              <a:ea typeface="Calibri" panose="020F0502020204030204"/>
+              <a:cs typeface="Calibri" panose="020F0502020204030204"/>
+              <a:sym typeface="Calibri" panose="020F0502020204030204"/>
             </a:endParaRPr>
           </a:p>
           <a:p>
@@ -12069,30 +12047,30 @@
                 <a:schemeClr val="dk1"/>
               </a:buClr>
               <a:buSzPts val="2400"/>
-              <a:buFont typeface="Calibri"/>
+              <a:buFont typeface="Calibri" panose="020F0502020204030204"/>
               <a:buNone/>
             </a:pPr>
             <a:r>
-              <a:rPr lang="en-GB" sz="2400" b="0" i="1">
+              <a:rPr lang="en-GB" sz="2400" b="0" i="1" dirty="0">
                 <a:solidFill>
                   <a:srgbClr val="008AAB"/>
                 </a:solidFill>
-                <a:latin typeface="Calibri"/>
-                <a:ea typeface="Calibri"/>
-                <a:cs typeface="Calibri"/>
-                <a:sym typeface="Calibri"/>
+                <a:latin typeface="Calibri" panose="020F0502020204030204"/>
+                <a:ea typeface="Calibri" panose="020F0502020204030204"/>
+                <a:cs typeface="Calibri" panose="020F0502020204030204"/>
+                <a:sym typeface="Calibri" panose="020F0502020204030204"/>
               </a:rPr>
-              <a:t>ONE dependent variable:  Median House Price, 2014</a:t>
+              <a:t>ONE dependent variable:  Median House Price (£), 2014</a:t>
             </a:r>
             <a:br>
-              <a:rPr lang="en-GB" sz="2400" b="0">
-                <a:latin typeface="Calibri"/>
-                <a:ea typeface="Calibri"/>
-                <a:cs typeface="Calibri"/>
-                <a:sym typeface="Calibri"/>
+              <a:rPr lang="en-GB" sz="2400" b="0" dirty="0">
+                <a:latin typeface="Calibri" panose="020F0502020204030204"/>
+                <a:ea typeface="Calibri" panose="020F0502020204030204"/>
+                <a:cs typeface="Calibri" panose="020F0502020204030204"/>
+                <a:sym typeface="Calibri" panose="020F0502020204030204"/>
               </a:rPr>
             </a:br>
-            <a:endParaRPr/>
+            <a:endParaRPr dirty="0"/>
           </a:p>
         </p:txBody>
       </p:sp>
@@ -12130,7 +12108,6 @@
               </a:spcAft>
               <a:buNone/>
             </a:pPr>
-            <a:endParaRPr/>
           </a:p>
         </p:txBody>
       </p:sp>
@@ -12208,7 +12185,7 @@
               <a:rPr lang="en-GB"/>
               <a:t>Our Research Question is </a:t>
             </a:r>
-            <a:endParaRPr/>
+            <a:endParaRPr lang="en-GB"/>
           </a:p>
         </p:txBody>
       </p:sp>
@@ -12251,10 +12228,10 @@
               <a:buNone/>
             </a:pPr>
             <a:r>
-              <a:rPr lang="en-GB"/>
-              <a:t>PRE 7COM1079-2024  Student Group No:  A331</a:t>
+              <a:rPr lang="en-GB" dirty="0"/>
+              <a:t>PRE 7COM1079-2024  Student Group No: A 238</a:t>
             </a:r>
-            <a:endParaRPr/>
+            <a:endParaRPr dirty="0"/>
           </a:p>
         </p:txBody>
       </p:sp>
@@ -12300,7 +12277,7 @@
               <a:rPr lang="en-GB"/>
               <a:t>3</a:t>
             </a:r>
-            <a:endParaRPr/>
+            <a:endParaRPr lang="en-GB"/>
           </a:p>
         </p:txBody>
       </p:sp>
@@ -12350,18 +12327,18 @@
               <a:buChar char="●"/>
             </a:pPr>
             <a:r>
-              <a:rPr lang="en-GB" sz="2000" b="0">
+              <a:rPr lang="en-GB" sz="2000" b="0" dirty="0">
                 <a:solidFill>
                   <a:srgbClr val="000000"/>
                 </a:solidFill>
               </a:rPr>
-              <a:t>What factors most significantly influence the median house price in London boroughs?</a:t>
+              <a:t>Is there a correlation between median house price and population density?</a:t>
             </a:r>
-            <a:endParaRPr sz="2000">
-              <a:latin typeface="Calibri"/>
-              <a:ea typeface="Calibri"/>
-              <a:cs typeface="Calibri"/>
-              <a:sym typeface="Calibri"/>
+            <a:endParaRPr sz="2000" dirty="0">
+              <a:latin typeface="Calibri" panose="020F0502020204030204"/>
+              <a:ea typeface="Calibri" panose="020F0502020204030204"/>
+              <a:cs typeface="Calibri" panose="020F0502020204030204"/>
+              <a:sym typeface="Calibri" panose="020F0502020204030204"/>
             </a:endParaRPr>
           </a:p>
         </p:txBody>
@@ -12433,7 +12410,7 @@
               <a:rPr lang="en-GB"/>
               <a:t>4</a:t>
             </a:r>
-            <a:endParaRPr/>
+            <a:endParaRPr lang="en-GB"/>
           </a:p>
         </p:txBody>
       </p:sp>
@@ -12449,8 +12426,8 @@
         </p:nvSpPr>
         <p:spPr>
           <a:xfrm>
-            <a:off x="732025" y="790174"/>
-            <a:ext cx="11685300" cy="4803600"/>
+            <a:off x="253350" y="790174"/>
+            <a:ext cx="11685300" cy="3609106"/>
           </a:xfrm>
           <a:prstGeom prst="rect">
             <a:avLst/>
@@ -12467,7 +12444,7 @@
           </a:ln>
         </p:spPr>
         <p:txBody>
-          <a:bodyPr spcFirstLastPara="1" wrap="square" lIns="0" tIns="0" rIns="0" bIns="0" anchor="t" anchorCtr="0">
+          <a:bodyPr spcFirstLastPara="1" wrap="square" lIns="108000" tIns="0" rIns="0" bIns="0" anchor="t" anchorCtr="0">
             <a:noAutofit/>
           </a:bodyPr>
           <a:lstStyle/>
@@ -12485,14 +12462,28 @@
               <a:buNone/>
             </a:pPr>
             <a:r>
-              <a:rPr lang="en-GB" sz="4200">
+              <a:rPr lang="en-GB" sz="4200" dirty="0">
                 <a:solidFill>
                   <a:srgbClr val="212121"/>
                 </a:solidFill>
               </a:rPr>
               <a:t>Hypotheses</a:t>
             </a:r>
-            <a:endParaRPr sz="1600">
+            <a:br>
+              <a:rPr lang="en-GB" sz="4200" dirty="0">
+                <a:solidFill>
+                  <a:srgbClr val="212121"/>
+                </a:solidFill>
+              </a:rPr>
+            </a:br>
+            <a:br>
+              <a:rPr lang="en-GB" sz="4200" dirty="0">
+                <a:solidFill>
+                  <a:srgbClr val="212121"/>
+                </a:solidFill>
+              </a:rPr>
+            </a:br>
+            <a:endParaRPr sz="1600" dirty="0">
               <a:solidFill>
                 <a:srgbClr val="000000"/>
               </a:solidFill>
@@ -12512,7 +12503,7 @@
               <a:buNone/>
             </a:pPr>
             <a:r>
-              <a:rPr lang="en-GB" sz="1600">
+              <a:rPr lang="en-GB" sz="2000" dirty="0">
                 <a:solidFill>
                   <a:srgbClr val="000000"/>
                 </a:solidFill>
@@ -12520,14 +12511,14 @@
               <a:t>Null Hypothesis (H₀): </a:t>
             </a:r>
             <a:r>
-              <a:rPr lang="en-GB" sz="1600" b="0">
+              <a:rPr lang="en-GB" sz="2000" b="0" dirty="0">
                 <a:solidFill>
                   <a:srgbClr val="000000"/>
                 </a:solidFill>
               </a:rPr>
-              <a:t>There is no significant relationship between population density, employment rate, greenspace percentage, and median house price.</a:t>
+              <a:t>There is no correlation between median house price and population density.</a:t>
             </a:r>
-            <a:endParaRPr sz="1600" b="0">
+            <a:endParaRPr sz="2000" b="0" dirty="0">
               <a:solidFill>
                 <a:srgbClr val="000000"/>
               </a:solidFill>
@@ -12547,22 +12538,39 @@
               <a:buNone/>
             </a:pPr>
             <a:r>
-              <a:rPr lang="en-GB" sz="1600">
+              <a:rPr lang="en-GB" sz="2000" dirty="0">
                 <a:solidFill>
                   <a:srgbClr val="000000"/>
                 </a:solidFill>
               </a:rPr>
-              <a:t>Alternative Hypothesis (H₁): T</a:t>
+              <a:t>Alternative Hypothesis (H₁): 	</a:t>
             </a:r>
             <a:r>
-              <a:rPr lang="en-GB" sz="1600" b="0">
+              <a:rPr lang="en-GB" sz="2000" b="0" dirty="0">
                 <a:solidFill>
                   <a:srgbClr val="000000"/>
                 </a:solidFill>
               </a:rPr>
-              <a:t>here is a significant relationship between at least one of the independent variables (population density, employment rate, greenspace percentage) and the median house price.</a:t>
+              <a:t>There is a correlation between the median house price and </a:t>
             </a:r>
-            <a:endParaRPr sz="1600" b="0">
+            <a:r>
+              <a:rPr lang="en-GB" sz="2000" b="0" dirty="0">
+                <a:solidFill>
+                  <a:srgbClr val="000000"/>
+                </a:solidFill>
+                <a:sym typeface="+mn-ea"/>
+              </a:rPr>
+              <a:t>population density</a:t>
+            </a:r>
+            <a:r>
+              <a:rPr lang="en-GB" sz="2000" b="0" dirty="0">
+                <a:solidFill>
+                  <a:srgbClr val="000000"/>
+                </a:solidFill>
+              </a:rPr>
+              <a:t>.</a:t>
+            </a:r>
+            <a:endParaRPr sz="2000" b="0" dirty="0">
               <a:solidFill>
                 <a:srgbClr val="000000"/>
               </a:solidFill>
@@ -12581,7 +12589,7 @@
               </a:spcAft>
               <a:buNone/>
             </a:pPr>
-            <a:endParaRPr sz="1600">
+            <a:endParaRPr sz="1600" dirty="0">
               <a:solidFill>
                 <a:srgbClr val="000000"/>
               </a:solidFill>
@@ -12600,7 +12608,7 @@
               </a:spcAft>
               <a:buNone/>
             </a:pPr>
-            <a:endParaRPr sz="1600" b="0">
+            <a:endParaRPr sz="1600" b="0" dirty="0">
               <a:solidFill>
                 <a:srgbClr val="000000"/>
               </a:solidFill>
@@ -12619,7 +12627,7 @@
               </a:spcAft>
               <a:buNone/>
             </a:pPr>
-            <a:endParaRPr sz="1600" b="0">
+            <a:endParaRPr sz="1600" b="0" dirty="0">
               <a:solidFill>
                 <a:srgbClr val="000000"/>
               </a:solidFill>
@@ -12638,7 +12646,7 @@
               </a:spcAft>
               <a:buNone/>
             </a:pPr>
-            <a:endParaRPr sz="1600" b="0">
+            <a:endParaRPr sz="1600" b="0" dirty="0">
               <a:solidFill>
                 <a:srgbClr val="000000"/>
               </a:solidFill>
@@ -12657,7 +12665,7 @@
               </a:spcAft>
               <a:buNone/>
             </a:pPr>
-            <a:endParaRPr sz="1600" b="0">
+            <a:endParaRPr sz="1600" b="0" dirty="0">
               <a:solidFill>
                 <a:srgbClr val="000000"/>
               </a:solidFill>
@@ -12676,7 +12684,7 @@
               </a:spcAft>
               <a:buNone/>
             </a:pPr>
-            <a:endParaRPr sz="1600" b="0">
+            <a:endParaRPr sz="1600" b="0" dirty="0">
               <a:solidFill>
                 <a:srgbClr val="000000"/>
               </a:solidFill>
@@ -12695,7 +12703,7 @@
               </a:spcAft>
               <a:buNone/>
             </a:pPr>
-            <a:endParaRPr sz="1600" b="0">
+            <a:endParaRPr sz="1600" b="0" dirty="0">
               <a:solidFill>
                 <a:srgbClr val="666666"/>
               </a:solidFill>
@@ -12716,10 +12724,10 @@
                 <a:schemeClr val="dk1"/>
               </a:buClr>
               <a:buSzPts val="2000"/>
-              <a:buFont typeface="Arial"/>
+              <a:buFont typeface="Arial" panose="020B0604020202020204"/>
               <a:buNone/>
             </a:pPr>
-            <a:endParaRPr sz="1600" b="0"/>
+            <a:endParaRPr sz="1600" b="0" dirty="0"/>
           </a:p>
         </p:txBody>
       </p:sp>
@@ -12750,59 +12758,6 @@
       </p:grpSpPr>
       <p:sp>
         <p:nvSpPr>
-          <p:cNvPr id="121" name="Google Shape;121;p19"/>
-          <p:cNvSpPr txBox="1">
-            <a:spLocks noGrp="1"/>
-          </p:cNvSpPr>
-          <p:nvPr>
-            <p:ph type="subTitle" idx="1"/>
-          </p:nvPr>
-        </p:nvSpPr>
-        <p:spPr>
-          <a:xfrm>
-            <a:off x="1046349" y="2591025"/>
-            <a:ext cx="2154900" cy="300900"/>
-          </a:xfrm>
-          <a:prstGeom prst="rect">
-            <a:avLst/>
-          </a:prstGeom>
-          <a:noFill/>
-          <a:ln>
-            <a:noFill/>
-          </a:ln>
-        </p:spPr>
-        <p:txBody>
-          <a:bodyPr spcFirstLastPara="1" wrap="square" lIns="0" tIns="0" rIns="0" bIns="0" anchor="t" anchorCtr="0">
-            <a:noAutofit/>
-          </a:bodyPr>
-          <a:lstStyle/>
-          <a:p>
-            <a:pPr marL="0" lvl="0" indent="0" algn="l" rtl="0">
-              <a:lnSpc>
-                <a:spcPct val="80000"/>
-              </a:lnSpc>
-              <a:spcBef>
-                <a:spcPts val="0"/>
-              </a:spcBef>
-              <a:spcAft>
-                <a:spcPts val="0"/>
-              </a:spcAft>
-              <a:buClr>
-                <a:srgbClr val="FF0000"/>
-              </a:buClr>
-              <a:buSzPts val="3600"/>
-              <a:buNone/>
-            </a:pPr>
-            <a:endParaRPr>
-              <a:solidFill>
-                <a:srgbClr val="FF0000"/>
-              </a:solidFill>
-            </a:endParaRPr>
-          </a:p>
-        </p:txBody>
-      </p:sp>
-      <p:sp>
-        <p:nvSpPr>
           <p:cNvPr id="122" name="Google Shape;122;p19"/>
           <p:cNvSpPr txBox="1">
             <a:spLocks noGrp="1"/>
@@ -12870,10 +12825,10 @@
               <a:solidFill>
                 <a:srgbClr val="212121"/>
               </a:solidFill>
-              <a:latin typeface="Amatic SC"/>
-              <a:ea typeface="Amatic SC"/>
-              <a:cs typeface="Amatic SC"/>
-              <a:sym typeface="Amatic SC"/>
+              <a:latin typeface="Amatic SC" panose="00000500000000000000"/>
+              <a:ea typeface="Amatic SC" panose="00000500000000000000"/>
+              <a:cs typeface="Amatic SC" panose="00000500000000000000"/>
+              <a:sym typeface="Amatic SC" panose="00000500000000000000"/>
             </a:endParaRPr>
           </a:p>
           <a:p>
@@ -12886,7 +12841,6 @@
               </a:spcAft>
               <a:buNone/>
             </a:pPr>
-            <a:endParaRPr/>
           </a:p>
         </p:txBody>
       </p:sp>
@@ -12930,38 +12884,34 @@
             </a:pPr>
             <a:fld id="{00000000-1234-1234-1234-123412341234}" type="slidenum">
               <a:rPr lang="en-GB"/>
-              <a:t>5</a:t>
             </a:fld>
-            <a:endParaRPr/>
+            <a:endParaRPr lang="en-GB"/>
           </a:p>
         </p:txBody>
       </p:sp>
       <p:pic>
         <p:nvPicPr>
-          <p:cNvPr id="124" name="Google Shape;124;p19"/>
-          <p:cNvPicPr preferRelativeResize="0"/>
+          <p:cNvPr id="3" name="Picture 2"/>
+          <p:cNvPicPr>
+            <a:picLocks noChangeAspect="1"/>
+          </p:cNvPicPr>
           <p:nvPr/>
         </p:nvPicPr>
         <p:blipFill>
-          <a:blip r:embed="rId3">
-            <a:alphaModFix/>
-          </a:blip>
+          <a:blip r:embed="rId1"/>
+          <a:srcRect b="13732"/>
           <a:stretch>
             <a:fillRect/>
           </a:stretch>
         </p:blipFill>
         <p:spPr>
           <a:xfrm>
-            <a:off x="152400" y="1703250"/>
-            <a:ext cx="11887203" cy="3451525"/>
+            <a:off x="2339745" y="920254"/>
+            <a:ext cx="7512510" cy="4495026"/>
           </a:xfrm>
           <a:prstGeom prst="rect">
             <a:avLst/>
           </a:prstGeom>
-          <a:noFill/>
-          <a:ln>
-            <a:noFill/>
-          </a:ln>
         </p:spPr>
       </p:pic>
     </p:spTree>
@@ -13248,8 +13198,11 @@
       </a:bgFillStyleLst>
     </a:fmtScheme>
   </a:themeElements>
-  <a:objectDefaults/>
-  <a:extraClrSchemeLst/>
+  <a:extLst>
+    <a:ext uri="{05A4C25C-085E-4340-85A3-A5531E510DB2}">
+      <thm15:themeFamily xmlns:thm15="http://schemas.microsoft.com/office/thememl/2012/main" name="Office Theme" id="{62F939B6-93AF-4DB8-9C6B-D6C7DFDC589F}" vid="{4A3C46E8-61CC-4603-A589-7422A47A8E4A}"/>
+    </a:ext>
+  </a:extLst>
 </a:theme>
 </file>
 
@@ -13529,7 +13482,10 @@
       </a:bgFillStyleLst>
     </a:fmtScheme>
   </a:themeElements>
-  <a:objectDefaults/>
-  <a:extraClrSchemeLst/>
+  <a:extLst>
+    <a:ext uri="{05A4C25C-085E-4340-85A3-A5531E510DB2}">
+      <thm15:themeFamily xmlns:thm15="http://schemas.microsoft.com/office/thememl/2012/main" name="Office Theme" id="{62F939B6-93AF-4DB8-9C6B-D6C7DFDC589F}" vid="{4A3C46E8-61CC-4603-A589-7422A47A8E4A}"/>
+    </a:ext>
+  </a:extLst>
 </a:theme>
 </file>